--- a/Data Pipeline DFD's.pptx
+++ b/Data Pipeline DFD's.pptx
@@ -444,7 +444,7 @@
           <a:p>
             <a:fld id="{9D7AD558-5F84-403D-8F24-F59B11B4E5F1}" type="datetimeFigureOut">
               <a:rPr lang="en-GB" smtClean="0"/>
-              <a:t>14/04/2022</a:t>
+              <a:t>28/05/2022</a:t>
             </a:fld>
             <a:endParaRPr lang="en-GB"/>
           </a:p>
@@ -644,7 +644,7 @@
           <a:p>
             <a:fld id="{9D7AD558-5F84-403D-8F24-F59B11B4E5F1}" type="datetimeFigureOut">
               <a:rPr lang="en-GB" smtClean="0"/>
-              <a:t>14/04/2022</a:t>
+              <a:t>28/05/2022</a:t>
             </a:fld>
             <a:endParaRPr lang="en-GB"/>
           </a:p>
@@ -854,7 +854,7 @@
           <a:p>
             <a:fld id="{9D7AD558-5F84-403D-8F24-F59B11B4E5F1}" type="datetimeFigureOut">
               <a:rPr lang="en-GB" smtClean="0"/>
-              <a:t>14/04/2022</a:t>
+              <a:t>28/05/2022</a:t>
             </a:fld>
             <a:endParaRPr lang="en-GB"/>
           </a:p>
@@ -1054,7 +1054,7 @@
           <a:p>
             <a:fld id="{9D7AD558-5F84-403D-8F24-F59B11B4E5F1}" type="datetimeFigureOut">
               <a:rPr lang="en-GB" smtClean="0"/>
-              <a:t>14/04/2022</a:t>
+              <a:t>28/05/2022</a:t>
             </a:fld>
             <a:endParaRPr lang="en-GB"/>
           </a:p>
@@ -1330,7 +1330,7 @@
           <a:p>
             <a:fld id="{9D7AD558-5F84-403D-8F24-F59B11B4E5F1}" type="datetimeFigureOut">
               <a:rPr lang="en-GB" smtClean="0"/>
-              <a:t>14/04/2022</a:t>
+              <a:t>28/05/2022</a:t>
             </a:fld>
             <a:endParaRPr lang="en-GB"/>
           </a:p>
@@ -1598,7 +1598,7 @@
           <a:p>
             <a:fld id="{9D7AD558-5F84-403D-8F24-F59B11B4E5F1}" type="datetimeFigureOut">
               <a:rPr lang="en-GB" smtClean="0"/>
-              <a:t>14/04/2022</a:t>
+              <a:t>28/05/2022</a:t>
             </a:fld>
             <a:endParaRPr lang="en-GB"/>
           </a:p>
@@ -2013,7 +2013,7 @@
           <a:p>
             <a:fld id="{9D7AD558-5F84-403D-8F24-F59B11B4E5F1}" type="datetimeFigureOut">
               <a:rPr lang="en-GB" smtClean="0"/>
-              <a:t>14/04/2022</a:t>
+              <a:t>28/05/2022</a:t>
             </a:fld>
             <a:endParaRPr lang="en-GB"/>
           </a:p>
@@ -2155,7 +2155,7 @@
           <a:p>
             <a:fld id="{9D7AD558-5F84-403D-8F24-F59B11B4E5F1}" type="datetimeFigureOut">
               <a:rPr lang="en-GB" smtClean="0"/>
-              <a:t>14/04/2022</a:t>
+              <a:t>28/05/2022</a:t>
             </a:fld>
             <a:endParaRPr lang="en-GB"/>
           </a:p>
@@ -2268,7 +2268,7 @@
           <a:p>
             <a:fld id="{9D7AD558-5F84-403D-8F24-F59B11B4E5F1}" type="datetimeFigureOut">
               <a:rPr lang="en-GB" smtClean="0"/>
-              <a:t>14/04/2022</a:t>
+              <a:t>28/05/2022</a:t>
             </a:fld>
             <a:endParaRPr lang="en-GB"/>
           </a:p>
@@ -2581,7 +2581,7 @@
           <a:p>
             <a:fld id="{9D7AD558-5F84-403D-8F24-F59B11B4E5F1}" type="datetimeFigureOut">
               <a:rPr lang="en-GB" smtClean="0"/>
-              <a:t>14/04/2022</a:t>
+              <a:t>28/05/2022</a:t>
             </a:fld>
             <a:endParaRPr lang="en-GB"/>
           </a:p>
@@ -2870,7 +2870,7 @@
           <a:p>
             <a:fld id="{9D7AD558-5F84-403D-8F24-F59B11B4E5F1}" type="datetimeFigureOut">
               <a:rPr lang="en-GB" smtClean="0"/>
-              <a:t>14/04/2022</a:t>
+              <a:t>28/05/2022</a:t>
             </a:fld>
             <a:endParaRPr lang="en-GB"/>
           </a:p>
@@ -3113,7 +3113,7 @@
           <a:p>
             <a:fld id="{9D7AD558-5F84-403D-8F24-F59B11B4E5F1}" type="datetimeFigureOut">
               <a:rPr lang="en-GB" smtClean="0"/>
-              <a:t>14/04/2022</a:t>
+              <a:t>28/05/2022</a:t>
             </a:fld>
             <a:endParaRPr lang="en-GB"/>
           </a:p>
@@ -6807,7 +6807,7 @@
         </p:nvGrpSpPr>
         <p:grpSpPr>
           <a:xfrm>
-            <a:off x="5604440" y="4564332"/>
+            <a:off x="5604440" y="4501795"/>
             <a:ext cx="1576250" cy="859231"/>
             <a:chOff x="5307874" y="2989652"/>
             <a:chExt cx="1576250" cy="859231"/>
@@ -7728,317 +7728,6 @@
       </p:grpSp>
       <p:grpSp>
         <p:nvGrpSpPr>
-          <p:cNvPr id="97" name="Group 96">
-            <a:extLst>
-              <a:ext uri="{FF2B5EF4-FFF2-40B4-BE49-F238E27FC236}">
-                <a16:creationId xmlns:a16="http://schemas.microsoft.com/office/drawing/2014/main" id="{1E942547-4BF0-449B-A97A-1ACC0F590468}"/>
-              </a:ext>
-            </a:extLst>
-          </p:cNvPr>
-          <p:cNvGrpSpPr/>
-          <p:nvPr/>
-        </p:nvGrpSpPr>
-        <p:grpSpPr>
-          <a:xfrm>
-            <a:off x="7771649" y="4564326"/>
-            <a:ext cx="1576250" cy="859231"/>
-            <a:chOff x="5307874" y="2989652"/>
-            <a:chExt cx="1576250" cy="859231"/>
-          </a:xfrm>
-        </p:grpSpPr>
-        <p:grpSp>
-          <p:nvGrpSpPr>
-            <p:cNvPr id="98" name="Group 97">
-              <a:extLst>
-                <a:ext uri="{FF2B5EF4-FFF2-40B4-BE49-F238E27FC236}">
-                  <a16:creationId xmlns:a16="http://schemas.microsoft.com/office/drawing/2014/main" id="{73F5BC50-0108-42C4-844A-23084C492D5A}"/>
-                </a:ext>
-              </a:extLst>
-            </p:cNvPr>
-            <p:cNvGrpSpPr/>
-            <p:nvPr/>
-          </p:nvGrpSpPr>
-          <p:grpSpPr>
-            <a:xfrm>
-              <a:off x="5307874" y="3015037"/>
-              <a:ext cx="1576250" cy="833846"/>
-              <a:chOff x="6409426" y="1313975"/>
-              <a:chExt cx="1733910" cy="980651"/>
-            </a:xfrm>
-          </p:grpSpPr>
-          <p:sp>
-            <p:nvSpPr>
-              <p:cNvPr id="101" name="Rectangle: Rounded Corners 100">
-                <a:extLst>
-                  <a:ext uri="{FF2B5EF4-FFF2-40B4-BE49-F238E27FC236}">
-                    <a16:creationId xmlns:a16="http://schemas.microsoft.com/office/drawing/2014/main" id="{1813DCBD-8F76-4E7B-8E3F-6A0F17BCBF5D}"/>
-                  </a:ext>
-                </a:extLst>
-              </p:cNvPr>
-              <p:cNvSpPr/>
-              <p:nvPr/>
-            </p:nvSpPr>
-            <p:spPr>
-              <a:xfrm>
-                <a:off x="6409426" y="1313975"/>
-                <a:ext cx="1733910" cy="980651"/>
-              </a:xfrm>
-              <a:prstGeom prst="roundRect">
-                <a:avLst/>
-              </a:prstGeom>
-            </p:spPr>
-            <p:style>
-              <a:lnRef idx="2">
-                <a:schemeClr val="accent1">
-                  <a:shade val="50000"/>
-                </a:schemeClr>
-              </a:lnRef>
-              <a:fillRef idx="1">
-                <a:schemeClr val="accent1"/>
-              </a:fillRef>
-              <a:effectRef idx="0">
-                <a:schemeClr val="accent1"/>
-              </a:effectRef>
-              <a:fontRef idx="minor">
-                <a:schemeClr val="lt1"/>
-              </a:fontRef>
-            </p:style>
-            <p:txBody>
-              <a:bodyPr rtlCol="0" anchor="ctr"/>
-              <a:lstStyle/>
-              <a:p>
-                <a:pPr algn="ctr"/>
-                <a:endParaRPr lang="en-GB" dirty="0"/>
-              </a:p>
-            </p:txBody>
-          </p:sp>
-          <p:cxnSp>
-            <p:nvCxnSpPr>
-              <p:cNvPr id="102" name="Straight Connector 101">
-                <a:extLst>
-                  <a:ext uri="{FF2B5EF4-FFF2-40B4-BE49-F238E27FC236}">
-                    <a16:creationId xmlns:a16="http://schemas.microsoft.com/office/drawing/2014/main" id="{B1628119-67C0-45B0-911E-322AA105D988}"/>
-                  </a:ext>
-                </a:extLst>
-              </p:cNvPr>
-              <p:cNvCxnSpPr/>
-              <p:nvPr/>
-            </p:nvCxnSpPr>
-            <p:spPr>
-              <a:xfrm>
-                <a:off x="6409426" y="1566524"/>
-                <a:ext cx="1733910" cy="0"/>
-              </a:xfrm>
-              <a:prstGeom prst="line">
-                <a:avLst/>
-              </a:prstGeom>
-            </p:spPr>
-            <p:style>
-              <a:lnRef idx="1">
-                <a:schemeClr val="dk1"/>
-              </a:lnRef>
-              <a:fillRef idx="0">
-                <a:schemeClr val="dk1"/>
-              </a:fillRef>
-              <a:effectRef idx="0">
-                <a:schemeClr val="dk1"/>
-              </a:effectRef>
-              <a:fontRef idx="minor">
-                <a:schemeClr val="tx1"/>
-              </a:fontRef>
-            </p:style>
-          </p:cxnSp>
-          <p:cxnSp>
-            <p:nvCxnSpPr>
-              <p:cNvPr id="103" name="Straight Connector 102">
-                <a:extLst>
-                  <a:ext uri="{FF2B5EF4-FFF2-40B4-BE49-F238E27FC236}">
-                    <a16:creationId xmlns:a16="http://schemas.microsoft.com/office/drawing/2014/main" id="{90C81B81-FA87-44E3-9ED7-2D3F3870F4BD}"/>
-                  </a:ext>
-                </a:extLst>
-              </p:cNvPr>
-              <p:cNvCxnSpPr/>
-              <p:nvPr/>
-            </p:nvCxnSpPr>
-            <p:spPr>
-              <a:xfrm>
-                <a:off x="6409426" y="2012222"/>
-                <a:ext cx="1733910" cy="0"/>
-              </a:xfrm>
-              <a:prstGeom prst="line">
-                <a:avLst/>
-              </a:prstGeom>
-            </p:spPr>
-            <p:style>
-              <a:lnRef idx="1">
-                <a:schemeClr val="dk1"/>
-              </a:lnRef>
-              <a:fillRef idx="0">
-                <a:schemeClr val="dk1"/>
-              </a:fillRef>
-              <a:effectRef idx="0">
-                <a:schemeClr val="dk1"/>
-              </a:effectRef>
-              <a:fontRef idx="minor">
-                <a:schemeClr val="tx1"/>
-              </a:fontRef>
-            </p:style>
-          </p:cxnSp>
-          <p:cxnSp>
-            <p:nvCxnSpPr>
-              <p:cNvPr id="104" name="Straight Connector 103">
-                <a:extLst>
-                  <a:ext uri="{FF2B5EF4-FFF2-40B4-BE49-F238E27FC236}">
-                    <a16:creationId xmlns:a16="http://schemas.microsoft.com/office/drawing/2014/main" id="{FEDBDF70-8177-45CE-A083-503F2443A137}"/>
-                  </a:ext>
-                </a:extLst>
-              </p:cNvPr>
-              <p:cNvCxnSpPr/>
-              <p:nvPr/>
-            </p:nvCxnSpPr>
-            <p:spPr>
-              <a:xfrm flipV="1">
-                <a:off x="6823494" y="1313975"/>
-                <a:ext cx="0" cy="252549"/>
-              </a:xfrm>
-              <a:prstGeom prst="line">
-                <a:avLst/>
-              </a:prstGeom>
-            </p:spPr>
-            <p:style>
-              <a:lnRef idx="1">
-                <a:schemeClr val="dk1"/>
-              </a:lnRef>
-              <a:fillRef idx="0">
-                <a:schemeClr val="dk1"/>
-              </a:fillRef>
-              <a:effectRef idx="0">
-                <a:schemeClr val="dk1"/>
-              </a:effectRef>
-              <a:fontRef idx="minor">
-                <a:schemeClr val="tx1"/>
-              </a:fontRef>
-            </p:style>
-          </p:cxnSp>
-          <p:sp>
-            <p:nvSpPr>
-              <p:cNvPr id="105" name="Rectangle 104">
-                <a:extLst>
-                  <a:ext uri="{FF2B5EF4-FFF2-40B4-BE49-F238E27FC236}">
-                    <a16:creationId xmlns:a16="http://schemas.microsoft.com/office/drawing/2014/main" id="{AD06C071-D59C-4B7F-9084-48A0F031548C}"/>
-                  </a:ext>
-                </a:extLst>
-              </p:cNvPr>
-              <p:cNvSpPr/>
-              <p:nvPr/>
-            </p:nvSpPr>
-            <p:spPr>
-              <a:xfrm>
-                <a:off x="6409426" y="1566524"/>
-                <a:ext cx="1733910" cy="445686"/>
-              </a:xfrm>
-              <a:prstGeom prst="rect">
-                <a:avLst/>
-              </a:prstGeom>
-            </p:spPr>
-            <p:style>
-              <a:lnRef idx="2">
-                <a:schemeClr val="dk1"/>
-              </a:lnRef>
-              <a:fillRef idx="1">
-                <a:schemeClr val="lt1"/>
-              </a:fillRef>
-              <a:effectRef idx="0">
-                <a:schemeClr val="dk1"/>
-              </a:effectRef>
-              <a:fontRef idx="minor">
-                <a:schemeClr val="dk1"/>
-              </a:fontRef>
-            </p:style>
-            <p:txBody>
-              <a:bodyPr rtlCol="0" anchor="ctr"/>
-              <a:lstStyle/>
-              <a:p>
-                <a:pPr algn="ctr"/>
-                <a:endParaRPr lang="en-GB"/>
-              </a:p>
-            </p:txBody>
-          </p:sp>
-        </p:grpSp>
-        <p:sp>
-          <p:nvSpPr>
-            <p:cNvPr id="99" name="TextBox 98">
-              <a:extLst>
-                <a:ext uri="{FF2B5EF4-FFF2-40B4-BE49-F238E27FC236}">
-                  <a16:creationId xmlns:a16="http://schemas.microsoft.com/office/drawing/2014/main" id="{D809C6E4-FE7E-436B-9FCE-E627FD7D6B2D}"/>
-                </a:ext>
-              </a:extLst>
-            </p:cNvPr>
-            <p:cNvSpPr txBox="1"/>
-            <p:nvPr/>
-          </p:nvSpPr>
-          <p:spPr>
-            <a:xfrm>
-              <a:off x="5347645" y="2989652"/>
-              <a:ext cx="276038" cy="307777"/>
-            </a:xfrm>
-            <a:prstGeom prst="rect">
-              <a:avLst/>
-            </a:prstGeom>
-            <a:noFill/>
-          </p:spPr>
-          <p:txBody>
-            <a:bodyPr wrap="none" rtlCol="0">
-              <a:spAutoFit/>
-            </a:bodyPr>
-            <a:lstStyle/>
-            <a:p>
-              <a:r>
-                <a:rPr lang="en-GB" sz="1400" dirty="0"/>
-                <a:t>3</a:t>
-              </a:r>
-            </a:p>
-          </p:txBody>
-        </p:sp>
-        <p:sp>
-          <p:nvSpPr>
-            <p:cNvPr id="100" name="TextBox 99">
-              <a:extLst>
-                <a:ext uri="{FF2B5EF4-FFF2-40B4-BE49-F238E27FC236}">
-                  <a16:creationId xmlns:a16="http://schemas.microsoft.com/office/drawing/2014/main" id="{0EEFEA9D-F541-4BC9-936E-B4E7C57884BE}"/>
-                </a:ext>
-              </a:extLst>
-            </p:cNvPr>
-            <p:cNvSpPr txBox="1"/>
-            <p:nvPr/>
-          </p:nvSpPr>
-          <p:spPr>
-            <a:xfrm>
-              <a:off x="5307874" y="3229779"/>
-              <a:ext cx="1576245" cy="253916"/>
-            </a:xfrm>
-            <a:prstGeom prst="rect">
-              <a:avLst/>
-            </a:prstGeom>
-            <a:noFill/>
-          </p:spPr>
-          <p:txBody>
-            <a:bodyPr wrap="square" lIns="91440" tIns="45720" rIns="91440" bIns="45720" rtlCol="0" anchor="t">
-              <a:spAutoFit/>
-            </a:bodyPr>
-            <a:lstStyle/>
-            <a:p>
-              <a:pPr algn="ctr"/>
-              <a:r>
-                <a:rPr lang="en-GB" sz="1050" dirty="0"/>
-                <a:t>Add Customer</a:t>
-              </a:r>
-            </a:p>
-          </p:txBody>
-        </p:sp>
-      </p:grpSp>
-      <p:grpSp>
-        <p:nvGrpSpPr>
           <p:cNvPr id="106" name="Group 105">
             <a:extLst>
               <a:ext uri="{FF2B5EF4-FFF2-40B4-BE49-F238E27FC236}">
@@ -9295,7 +8984,7 @@
         </p:nvGrpSpPr>
         <p:grpSpPr>
           <a:xfrm>
-            <a:off x="7593480" y="1578435"/>
+            <a:off x="7909284" y="1578435"/>
             <a:ext cx="1576250" cy="859231"/>
             <a:chOff x="5307874" y="2989652"/>
             <a:chExt cx="1576250" cy="859231"/>
@@ -9610,94 +9299,8 @@
         </p:nvCxnSpPr>
         <p:spPr>
           <a:xfrm flipV="1">
-            <a:off x="6392565" y="5423563"/>
-            <a:ext cx="0" cy="551454"/>
-          </a:xfrm>
-          <a:prstGeom prst="straightConnector1">
-            <a:avLst/>
-          </a:prstGeom>
-          <a:ln>
-            <a:tailEnd type="triangle"/>
-          </a:ln>
-        </p:spPr>
-        <p:style>
-          <a:lnRef idx="1">
-            <a:schemeClr val="dk1"/>
-          </a:lnRef>
-          <a:fillRef idx="0">
-            <a:schemeClr val="dk1"/>
-          </a:fillRef>
-          <a:effectRef idx="0">
-            <a:schemeClr val="dk1"/>
-          </a:effectRef>
-          <a:fontRef idx="minor">
-            <a:schemeClr val="tx1"/>
-          </a:fontRef>
-        </p:style>
-      </p:cxnSp>
-      <p:cxnSp>
-        <p:nvCxnSpPr>
-          <p:cNvPr id="7" name="Straight Arrow Connector 6">
-            <a:extLst>
-              <a:ext uri="{FF2B5EF4-FFF2-40B4-BE49-F238E27FC236}">
-                <a16:creationId xmlns:a16="http://schemas.microsoft.com/office/drawing/2014/main" id="{6741429F-6D96-4BEB-A357-FFE82EEF625D}"/>
-              </a:ext>
-            </a:extLst>
-          </p:cNvPr>
-          <p:cNvCxnSpPr>
-            <a:cxnSpLocks/>
-            <a:stCxn id="46" idx="3"/>
-            <a:endCxn id="100" idx="1"/>
-          </p:cNvCxnSpPr>
-          <p:nvPr/>
-        </p:nvCxnSpPr>
-        <p:spPr>
-          <a:xfrm flipV="1">
-            <a:off x="7180685" y="4931411"/>
-            <a:ext cx="590964" cy="6"/>
-          </a:xfrm>
-          <a:prstGeom prst="straightConnector1">
-            <a:avLst/>
-          </a:prstGeom>
-          <a:ln>
-            <a:tailEnd type="triangle"/>
-          </a:ln>
-        </p:spPr>
-        <p:style>
-          <a:lnRef idx="1">
-            <a:schemeClr val="dk1"/>
-          </a:lnRef>
-          <a:fillRef idx="0">
-            <a:schemeClr val="dk1"/>
-          </a:fillRef>
-          <a:effectRef idx="0">
-            <a:schemeClr val="dk1"/>
-          </a:effectRef>
-          <a:fontRef idx="minor">
-            <a:schemeClr val="tx1"/>
-          </a:fontRef>
-        </p:style>
-      </p:cxnSp>
-      <p:cxnSp>
-        <p:nvCxnSpPr>
-          <p:cNvPr id="11" name="Straight Arrow Connector 10">
-            <a:extLst>
-              <a:ext uri="{FF2B5EF4-FFF2-40B4-BE49-F238E27FC236}">
-                <a16:creationId xmlns:a16="http://schemas.microsoft.com/office/drawing/2014/main" id="{74B8428D-DDD9-47A9-9E3E-CE58B34D07ED}"/>
-              </a:ext>
-            </a:extLst>
-          </p:cNvPr>
-          <p:cNvCxnSpPr>
-            <a:cxnSpLocks/>
-            <a:stCxn id="101" idx="0"/>
-            <a:endCxn id="27" idx="2"/>
-          </p:cNvCxnSpPr>
-          <p:nvPr/>
-        </p:nvCxnSpPr>
-        <p:spPr>
-          <a:xfrm flipV="1">
-            <a:off x="8559774" y="3760317"/>
-            <a:ext cx="12662" cy="829394"/>
+            <a:off x="6392565" y="5361026"/>
+            <a:ext cx="0" cy="613991"/>
           </a:xfrm>
           <a:prstGeom prst="straightConnector1">
             <a:avLst/>
@@ -9739,7 +9342,7 @@
         <p:spPr>
           <a:xfrm flipV="1">
             <a:off x="6392565" y="3812009"/>
-            <a:ext cx="2915" cy="777708"/>
+            <a:ext cx="2915" cy="715171"/>
           </a:xfrm>
           <a:prstGeom prst="straightConnector1">
             <a:avLst/>
@@ -9980,402 +9583,6 @@
           </a:fontRef>
         </p:style>
       </p:cxnSp>
-      <p:grpSp>
-        <p:nvGrpSpPr>
-          <p:cNvPr id="164" name="Group 163">
-            <a:extLst>
-              <a:ext uri="{FF2B5EF4-FFF2-40B4-BE49-F238E27FC236}">
-                <a16:creationId xmlns:a16="http://schemas.microsoft.com/office/drawing/2014/main" id="{90412FF0-2549-43C6-B8C1-D68DE13190E2}"/>
-              </a:ext>
-            </a:extLst>
-          </p:cNvPr>
-          <p:cNvGrpSpPr/>
-          <p:nvPr/>
-        </p:nvGrpSpPr>
-        <p:grpSpPr>
-          <a:xfrm>
-            <a:off x="3338649" y="4564326"/>
-            <a:ext cx="1576250" cy="859231"/>
-            <a:chOff x="5307874" y="2989652"/>
-            <a:chExt cx="1576250" cy="859231"/>
-          </a:xfrm>
-        </p:grpSpPr>
-        <p:grpSp>
-          <p:nvGrpSpPr>
-            <p:cNvPr id="165" name="Group 164">
-              <a:extLst>
-                <a:ext uri="{FF2B5EF4-FFF2-40B4-BE49-F238E27FC236}">
-                  <a16:creationId xmlns:a16="http://schemas.microsoft.com/office/drawing/2014/main" id="{5F2F2112-7A83-4A3F-A234-B4F5A7941D51}"/>
-                </a:ext>
-              </a:extLst>
-            </p:cNvPr>
-            <p:cNvGrpSpPr/>
-            <p:nvPr/>
-          </p:nvGrpSpPr>
-          <p:grpSpPr>
-            <a:xfrm>
-              <a:off x="5307874" y="3015037"/>
-              <a:ext cx="1576250" cy="833846"/>
-              <a:chOff x="6409426" y="1313975"/>
-              <a:chExt cx="1733910" cy="980651"/>
-            </a:xfrm>
-          </p:grpSpPr>
-          <p:sp>
-            <p:nvSpPr>
-              <p:cNvPr id="168" name="Rectangle: Rounded Corners 167">
-                <a:extLst>
-                  <a:ext uri="{FF2B5EF4-FFF2-40B4-BE49-F238E27FC236}">
-                    <a16:creationId xmlns:a16="http://schemas.microsoft.com/office/drawing/2014/main" id="{8649D63D-4649-467C-9BB5-E06994570F04}"/>
-                  </a:ext>
-                </a:extLst>
-              </p:cNvPr>
-              <p:cNvSpPr/>
-              <p:nvPr/>
-            </p:nvSpPr>
-            <p:spPr>
-              <a:xfrm>
-                <a:off x="6409426" y="1313975"/>
-                <a:ext cx="1733910" cy="980651"/>
-              </a:xfrm>
-              <a:prstGeom prst="roundRect">
-                <a:avLst/>
-              </a:prstGeom>
-            </p:spPr>
-            <p:style>
-              <a:lnRef idx="2">
-                <a:schemeClr val="accent1">
-                  <a:shade val="50000"/>
-                </a:schemeClr>
-              </a:lnRef>
-              <a:fillRef idx="1">
-                <a:schemeClr val="accent1"/>
-              </a:fillRef>
-              <a:effectRef idx="0">
-                <a:schemeClr val="accent1"/>
-              </a:effectRef>
-              <a:fontRef idx="minor">
-                <a:schemeClr val="lt1"/>
-              </a:fontRef>
-            </p:style>
-            <p:txBody>
-              <a:bodyPr rtlCol="0" anchor="ctr"/>
-              <a:lstStyle/>
-              <a:p>
-                <a:pPr algn="ctr"/>
-                <a:endParaRPr lang="en-GB" dirty="0"/>
-              </a:p>
-            </p:txBody>
-          </p:sp>
-          <p:cxnSp>
-            <p:nvCxnSpPr>
-              <p:cNvPr id="169" name="Straight Connector 168">
-                <a:extLst>
-                  <a:ext uri="{FF2B5EF4-FFF2-40B4-BE49-F238E27FC236}">
-                    <a16:creationId xmlns:a16="http://schemas.microsoft.com/office/drawing/2014/main" id="{6C655134-D01C-417A-9D76-E187581512F4}"/>
-                  </a:ext>
-                </a:extLst>
-              </p:cNvPr>
-              <p:cNvCxnSpPr/>
-              <p:nvPr/>
-            </p:nvCxnSpPr>
-            <p:spPr>
-              <a:xfrm>
-                <a:off x="6409426" y="1566524"/>
-                <a:ext cx="1733910" cy="0"/>
-              </a:xfrm>
-              <a:prstGeom prst="line">
-                <a:avLst/>
-              </a:prstGeom>
-            </p:spPr>
-            <p:style>
-              <a:lnRef idx="1">
-                <a:schemeClr val="dk1"/>
-              </a:lnRef>
-              <a:fillRef idx="0">
-                <a:schemeClr val="dk1"/>
-              </a:fillRef>
-              <a:effectRef idx="0">
-                <a:schemeClr val="dk1"/>
-              </a:effectRef>
-              <a:fontRef idx="minor">
-                <a:schemeClr val="tx1"/>
-              </a:fontRef>
-            </p:style>
-          </p:cxnSp>
-          <p:cxnSp>
-            <p:nvCxnSpPr>
-              <p:cNvPr id="170" name="Straight Connector 169">
-                <a:extLst>
-                  <a:ext uri="{FF2B5EF4-FFF2-40B4-BE49-F238E27FC236}">
-                    <a16:creationId xmlns:a16="http://schemas.microsoft.com/office/drawing/2014/main" id="{F7339A43-6F46-4D09-80C1-B0B3968B815B}"/>
-                  </a:ext>
-                </a:extLst>
-              </p:cNvPr>
-              <p:cNvCxnSpPr/>
-              <p:nvPr/>
-            </p:nvCxnSpPr>
-            <p:spPr>
-              <a:xfrm>
-                <a:off x="6409426" y="2012222"/>
-                <a:ext cx="1733910" cy="0"/>
-              </a:xfrm>
-              <a:prstGeom prst="line">
-                <a:avLst/>
-              </a:prstGeom>
-            </p:spPr>
-            <p:style>
-              <a:lnRef idx="1">
-                <a:schemeClr val="dk1"/>
-              </a:lnRef>
-              <a:fillRef idx="0">
-                <a:schemeClr val="dk1"/>
-              </a:fillRef>
-              <a:effectRef idx="0">
-                <a:schemeClr val="dk1"/>
-              </a:effectRef>
-              <a:fontRef idx="minor">
-                <a:schemeClr val="tx1"/>
-              </a:fontRef>
-            </p:style>
-          </p:cxnSp>
-          <p:cxnSp>
-            <p:nvCxnSpPr>
-              <p:cNvPr id="171" name="Straight Connector 170">
-                <a:extLst>
-                  <a:ext uri="{FF2B5EF4-FFF2-40B4-BE49-F238E27FC236}">
-                    <a16:creationId xmlns:a16="http://schemas.microsoft.com/office/drawing/2014/main" id="{5ABF8028-2C2A-49BB-8005-42F4BFD889BB}"/>
-                  </a:ext>
-                </a:extLst>
-              </p:cNvPr>
-              <p:cNvCxnSpPr/>
-              <p:nvPr/>
-            </p:nvCxnSpPr>
-            <p:spPr>
-              <a:xfrm flipV="1">
-                <a:off x="6823494" y="1313975"/>
-                <a:ext cx="0" cy="252549"/>
-              </a:xfrm>
-              <a:prstGeom prst="line">
-                <a:avLst/>
-              </a:prstGeom>
-            </p:spPr>
-            <p:style>
-              <a:lnRef idx="1">
-                <a:schemeClr val="dk1"/>
-              </a:lnRef>
-              <a:fillRef idx="0">
-                <a:schemeClr val="dk1"/>
-              </a:fillRef>
-              <a:effectRef idx="0">
-                <a:schemeClr val="dk1"/>
-              </a:effectRef>
-              <a:fontRef idx="minor">
-                <a:schemeClr val="tx1"/>
-              </a:fontRef>
-            </p:style>
-          </p:cxnSp>
-          <p:sp>
-            <p:nvSpPr>
-              <p:cNvPr id="172" name="Rectangle 171">
-                <a:extLst>
-                  <a:ext uri="{FF2B5EF4-FFF2-40B4-BE49-F238E27FC236}">
-                    <a16:creationId xmlns:a16="http://schemas.microsoft.com/office/drawing/2014/main" id="{21E02862-6A10-44C8-9B04-EECFD2795DB8}"/>
-                  </a:ext>
-                </a:extLst>
-              </p:cNvPr>
-              <p:cNvSpPr/>
-              <p:nvPr/>
-            </p:nvSpPr>
-            <p:spPr>
-              <a:xfrm>
-                <a:off x="6409426" y="1566524"/>
-                <a:ext cx="1733910" cy="445686"/>
-              </a:xfrm>
-              <a:prstGeom prst="rect">
-                <a:avLst/>
-              </a:prstGeom>
-            </p:spPr>
-            <p:style>
-              <a:lnRef idx="2">
-                <a:schemeClr val="dk1"/>
-              </a:lnRef>
-              <a:fillRef idx="1">
-                <a:schemeClr val="lt1"/>
-              </a:fillRef>
-              <a:effectRef idx="0">
-                <a:schemeClr val="dk1"/>
-              </a:effectRef>
-              <a:fontRef idx="minor">
-                <a:schemeClr val="dk1"/>
-              </a:fontRef>
-            </p:style>
-            <p:txBody>
-              <a:bodyPr rtlCol="0" anchor="ctr"/>
-              <a:lstStyle/>
-              <a:p>
-                <a:pPr algn="ctr"/>
-                <a:endParaRPr lang="en-GB"/>
-              </a:p>
-            </p:txBody>
-          </p:sp>
-        </p:grpSp>
-        <p:sp>
-          <p:nvSpPr>
-            <p:cNvPr id="166" name="TextBox 165">
-              <a:extLst>
-                <a:ext uri="{FF2B5EF4-FFF2-40B4-BE49-F238E27FC236}">
-                  <a16:creationId xmlns:a16="http://schemas.microsoft.com/office/drawing/2014/main" id="{6EDC8152-BFBF-467B-BE4A-8CC355698E53}"/>
-                </a:ext>
-              </a:extLst>
-            </p:cNvPr>
-            <p:cNvSpPr txBox="1"/>
-            <p:nvPr/>
-          </p:nvSpPr>
-          <p:spPr>
-            <a:xfrm>
-              <a:off x="5347645" y="2989652"/>
-              <a:ext cx="276038" cy="307777"/>
-            </a:xfrm>
-            <a:prstGeom prst="rect">
-              <a:avLst/>
-            </a:prstGeom>
-            <a:noFill/>
-          </p:spPr>
-          <p:txBody>
-            <a:bodyPr wrap="none" rtlCol="0">
-              <a:spAutoFit/>
-            </a:bodyPr>
-            <a:lstStyle/>
-            <a:p>
-              <a:r>
-                <a:rPr lang="en-GB" sz="1400" dirty="0"/>
-                <a:t>2</a:t>
-              </a:r>
-            </a:p>
-          </p:txBody>
-        </p:sp>
-        <p:sp>
-          <p:nvSpPr>
-            <p:cNvPr id="167" name="TextBox 166">
-              <a:extLst>
-                <a:ext uri="{FF2B5EF4-FFF2-40B4-BE49-F238E27FC236}">
-                  <a16:creationId xmlns:a16="http://schemas.microsoft.com/office/drawing/2014/main" id="{1CC8C72B-667F-4F3C-AE05-A9DA356F6449}"/>
-                </a:ext>
-              </a:extLst>
-            </p:cNvPr>
-            <p:cNvSpPr txBox="1"/>
-            <p:nvPr/>
-          </p:nvSpPr>
-          <p:spPr>
-            <a:xfrm>
-              <a:off x="5307874" y="3229779"/>
-              <a:ext cx="1576245" cy="253916"/>
-            </a:xfrm>
-            <a:prstGeom prst="rect">
-              <a:avLst/>
-            </a:prstGeom>
-            <a:noFill/>
-          </p:spPr>
-          <p:txBody>
-            <a:bodyPr wrap="square" lIns="91440" tIns="45720" rIns="91440" bIns="45720" rtlCol="0" anchor="t">
-              <a:spAutoFit/>
-            </a:bodyPr>
-            <a:lstStyle/>
-            <a:p>
-              <a:pPr algn="ctr"/>
-              <a:r>
-                <a:rPr lang="en-GB" sz="1050" dirty="0"/>
-                <a:t>Add Booking</a:t>
-              </a:r>
-            </a:p>
-          </p:txBody>
-        </p:sp>
-      </p:grpSp>
-      <p:cxnSp>
-        <p:nvCxnSpPr>
-          <p:cNvPr id="174" name="Straight Arrow Connector 173">
-            <a:extLst>
-              <a:ext uri="{FF2B5EF4-FFF2-40B4-BE49-F238E27FC236}">
-                <a16:creationId xmlns:a16="http://schemas.microsoft.com/office/drawing/2014/main" id="{8F1079B0-4A16-4314-ACBC-7049F0E0E5D6}"/>
-              </a:ext>
-            </a:extLst>
-          </p:cNvPr>
-          <p:cNvCxnSpPr>
-            <a:cxnSpLocks/>
-            <a:stCxn id="167" idx="1"/>
-            <a:endCxn id="33" idx="3"/>
-          </p:cNvCxnSpPr>
-          <p:nvPr/>
-        </p:nvCxnSpPr>
-        <p:spPr>
-          <a:xfrm flipH="1">
-            <a:off x="2697332" y="4931411"/>
-            <a:ext cx="641317" cy="0"/>
-          </a:xfrm>
-          <a:prstGeom prst="straightConnector1">
-            <a:avLst/>
-          </a:prstGeom>
-          <a:ln>
-            <a:tailEnd type="triangle"/>
-          </a:ln>
-        </p:spPr>
-        <p:style>
-          <a:lnRef idx="1">
-            <a:schemeClr val="dk1"/>
-          </a:lnRef>
-          <a:fillRef idx="0">
-            <a:schemeClr val="dk1"/>
-          </a:fillRef>
-          <a:effectRef idx="0">
-            <a:schemeClr val="dk1"/>
-          </a:effectRef>
-          <a:fontRef idx="minor">
-            <a:schemeClr val="tx1"/>
-          </a:fontRef>
-        </p:style>
-      </p:cxnSp>
-      <p:cxnSp>
-        <p:nvCxnSpPr>
-          <p:cNvPr id="182" name="Straight Arrow Connector 181">
-            <a:extLst>
-              <a:ext uri="{FF2B5EF4-FFF2-40B4-BE49-F238E27FC236}">
-                <a16:creationId xmlns:a16="http://schemas.microsoft.com/office/drawing/2014/main" id="{0E9D30F4-BC68-44F4-A78D-53BE86D921F3}"/>
-              </a:ext>
-            </a:extLst>
-          </p:cNvPr>
-          <p:cNvCxnSpPr>
-            <a:stCxn id="46" idx="1"/>
-            <a:endCxn id="167" idx="3"/>
-          </p:cNvCxnSpPr>
-          <p:nvPr/>
-        </p:nvCxnSpPr>
-        <p:spPr>
-          <a:xfrm flipH="1" flipV="1">
-            <a:off x="4914894" y="4931411"/>
-            <a:ext cx="689546" cy="6"/>
-          </a:xfrm>
-          <a:prstGeom prst="straightConnector1">
-            <a:avLst/>
-          </a:prstGeom>
-          <a:ln>
-            <a:tailEnd type="triangle"/>
-          </a:ln>
-        </p:spPr>
-        <p:style>
-          <a:lnRef idx="1">
-            <a:schemeClr val="dk1"/>
-          </a:lnRef>
-          <a:fillRef idx="0">
-            <a:schemeClr val="dk1"/>
-          </a:fillRef>
-          <a:effectRef idx="0">
-            <a:schemeClr val="dk1"/>
-          </a:effectRef>
-          <a:fontRef idx="minor">
-            <a:schemeClr val="tx1"/>
-          </a:fontRef>
-        </p:style>
-      </p:cxnSp>
       <p:cxnSp>
         <p:nvCxnSpPr>
           <p:cNvPr id="185" name="Straight Arrow Connector 184">
@@ -10437,7 +9644,7 @@
         <p:spPr>
           <a:xfrm flipV="1">
             <a:off x="7124082" y="1945520"/>
-            <a:ext cx="469398" cy="1179"/>
+            <a:ext cx="785202" cy="1179"/>
           </a:xfrm>
           <a:prstGeom prst="straightConnector1">
             <a:avLst/>
@@ -10480,11 +9687,11 @@
         <p:spPr>
           <a:xfrm flipH="1">
             <a:off x="7124085" y="1945520"/>
-            <a:ext cx="2045640" cy="4282046"/>
+            <a:ext cx="2361444" cy="4282046"/>
           </a:xfrm>
           <a:prstGeom prst="bentConnector3">
             <a:avLst>
-              <a:gd name="adj1" fmla="val -27006"/>
+              <a:gd name="adj1" fmla="val -9681"/>
             </a:avLst>
           </a:prstGeom>
           <a:ln>
@@ -10825,6 +10032,650 @@
           </a:fontRef>
         </p:style>
       </p:cxnSp>
+      <p:cxnSp>
+        <p:nvCxnSpPr>
+          <p:cNvPr id="12" name="Connector: Elbow 11">
+            <a:extLst>
+              <a:ext uri="{FF2B5EF4-FFF2-40B4-BE49-F238E27FC236}">
+                <a16:creationId xmlns:a16="http://schemas.microsoft.com/office/drawing/2014/main" id="{1DB174F1-BF87-E833-3B8E-DFEBA722CAFA}"/>
+              </a:ext>
+            </a:extLst>
+          </p:cNvPr>
+          <p:cNvCxnSpPr>
+            <a:stCxn id="46" idx="3"/>
+            <a:endCxn id="27" idx="2"/>
+          </p:cNvCxnSpPr>
+          <p:nvPr/>
+        </p:nvCxnSpPr>
+        <p:spPr>
+          <a:xfrm flipV="1">
+            <a:off x="7180685" y="3760317"/>
+            <a:ext cx="1391751" cy="1108563"/>
+          </a:xfrm>
+          <a:prstGeom prst="bentConnector2">
+            <a:avLst/>
+          </a:prstGeom>
+          <a:ln>
+            <a:tailEnd type="triangle"/>
+          </a:ln>
+        </p:spPr>
+        <p:style>
+          <a:lnRef idx="1">
+            <a:schemeClr val="dk1"/>
+          </a:lnRef>
+          <a:fillRef idx="0">
+            <a:schemeClr val="dk1"/>
+          </a:fillRef>
+          <a:effectRef idx="0">
+            <a:schemeClr val="dk1"/>
+          </a:effectRef>
+          <a:fontRef idx="minor">
+            <a:schemeClr val="tx1"/>
+          </a:fontRef>
+        </p:style>
+      </p:cxnSp>
+      <p:cxnSp>
+        <p:nvCxnSpPr>
+          <p:cNvPr id="63" name="Straight Arrow Connector 62">
+            <a:extLst>
+              <a:ext uri="{FF2B5EF4-FFF2-40B4-BE49-F238E27FC236}">
+                <a16:creationId xmlns:a16="http://schemas.microsoft.com/office/drawing/2014/main" id="{E75002DF-2A1D-FFC9-2F12-E35966B6A003}"/>
+              </a:ext>
+            </a:extLst>
+          </p:cNvPr>
+          <p:cNvCxnSpPr>
+            <a:stCxn id="46" idx="1"/>
+            <a:endCxn id="32" idx="3"/>
+          </p:cNvCxnSpPr>
+          <p:nvPr/>
+        </p:nvCxnSpPr>
+        <p:spPr>
+          <a:xfrm flipH="1">
+            <a:off x="2736977" y="4868880"/>
+            <a:ext cx="2867463" cy="3717"/>
+          </a:xfrm>
+          <a:prstGeom prst="straightConnector1">
+            <a:avLst/>
+          </a:prstGeom>
+          <a:ln>
+            <a:tailEnd type="triangle"/>
+          </a:ln>
+        </p:spPr>
+        <p:style>
+          <a:lnRef idx="1">
+            <a:schemeClr val="dk1"/>
+          </a:lnRef>
+          <a:fillRef idx="0">
+            <a:schemeClr val="dk1"/>
+          </a:fillRef>
+          <a:effectRef idx="0">
+            <a:schemeClr val="dk1"/>
+          </a:effectRef>
+          <a:fontRef idx="minor">
+            <a:schemeClr val="tx1"/>
+          </a:fontRef>
+        </p:style>
+      </p:cxnSp>
+      <p:sp>
+        <p:nvSpPr>
+          <p:cNvPr id="65" name="TextBox 64">
+            <a:extLst>
+              <a:ext uri="{FF2B5EF4-FFF2-40B4-BE49-F238E27FC236}">
+                <a16:creationId xmlns:a16="http://schemas.microsoft.com/office/drawing/2014/main" id="{88E4361F-6512-2A73-D286-D2672C4C3AD6}"/>
+              </a:ext>
+            </a:extLst>
+          </p:cNvPr>
+          <p:cNvSpPr txBox="1"/>
+          <p:nvPr/>
+        </p:nvSpPr>
+        <p:spPr>
+          <a:xfrm>
+            <a:off x="7301721" y="4609128"/>
+            <a:ext cx="1149674" cy="261610"/>
+          </a:xfrm>
+          <a:prstGeom prst="rect">
+            <a:avLst/>
+          </a:prstGeom>
+          <a:noFill/>
+        </p:spPr>
+        <p:txBody>
+          <a:bodyPr wrap="none" rtlCol="0">
+            <a:spAutoFit/>
+          </a:bodyPr>
+          <a:lstStyle/>
+          <a:p>
+            <a:r>
+              <a:rPr lang="en-GB" sz="1100" dirty="0"/>
+              <a:t>Customer details</a:t>
+            </a:r>
+          </a:p>
+        </p:txBody>
+      </p:sp>
+      <p:sp>
+        <p:nvSpPr>
+          <p:cNvPr id="152" name="TextBox 151">
+            <a:extLst>
+              <a:ext uri="{FF2B5EF4-FFF2-40B4-BE49-F238E27FC236}">
+                <a16:creationId xmlns:a16="http://schemas.microsoft.com/office/drawing/2014/main" id="{1C7CD4A7-6919-1E01-271A-4B0A320BEF1C}"/>
+              </a:ext>
+            </a:extLst>
+          </p:cNvPr>
+          <p:cNvSpPr txBox="1"/>
+          <p:nvPr/>
+        </p:nvSpPr>
+        <p:spPr>
+          <a:xfrm>
+            <a:off x="3607056" y="4604708"/>
+            <a:ext cx="1358064" cy="261610"/>
+          </a:xfrm>
+          <a:prstGeom prst="rect">
+            <a:avLst/>
+          </a:prstGeom>
+          <a:noFill/>
+        </p:spPr>
+        <p:txBody>
+          <a:bodyPr wrap="none" rtlCol="0">
+            <a:spAutoFit/>
+          </a:bodyPr>
+          <a:lstStyle/>
+          <a:p>
+            <a:r>
+              <a:rPr lang="en-GB" sz="1100" dirty="0"/>
+              <a:t>Booking Information</a:t>
+            </a:r>
+          </a:p>
+        </p:txBody>
+      </p:sp>
+      <p:sp>
+        <p:nvSpPr>
+          <p:cNvPr id="153" name="TextBox 152">
+            <a:extLst>
+              <a:ext uri="{FF2B5EF4-FFF2-40B4-BE49-F238E27FC236}">
+                <a16:creationId xmlns:a16="http://schemas.microsoft.com/office/drawing/2014/main" id="{BEF9F8EB-3938-4A62-79AD-A9B228CBDA50}"/>
+              </a:ext>
+            </a:extLst>
+          </p:cNvPr>
+          <p:cNvSpPr txBox="1"/>
+          <p:nvPr/>
+        </p:nvSpPr>
+        <p:spPr>
+          <a:xfrm>
+            <a:off x="3011531" y="3833994"/>
+            <a:ext cx="1648913" cy="430887"/>
+          </a:xfrm>
+          <a:prstGeom prst="rect">
+            <a:avLst/>
+          </a:prstGeom>
+          <a:noFill/>
+        </p:spPr>
+        <p:txBody>
+          <a:bodyPr wrap="square" rtlCol="0">
+            <a:spAutoFit/>
+          </a:bodyPr>
+          <a:lstStyle/>
+          <a:p>
+            <a:r>
+              <a:rPr lang="en-GB" sz="1100" dirty="0"/>
+              <a:t>Days stay / Parking Requirements</a:t>
+            </a:r>
+          </a:p>
+        </p:txBody>
+      </p:sp>
+      <p:sp>
+        <p:nvSpPr>
+          <p:cNvPr id="154" name="TextBox 153">
+            <a:extLst>
+              <a:ext uri="{FF2B5EF4-FFF2-40B4-BE49-F238E27FC236}">
+                <a16:creationId xmlns:a16="http://schemas.microsoft.com/office/drawing/2014/main" id="{ECC393F0-8908-75BE-7F14-0DE9E28DF477}"/>
+              </a:ext>
+            </a:extLst>
+          </p:cNvPr>
+          <p:cNvSpPr txBox="1"/>
+          <p:nvPr/>
+        </p:nvSpPr>
+        <p:spPr>
+          <a:xfrm>
+            <a:off x="4284816" y="1613998"/>
+            <a:ext cx="1024324" cy="430887"/>
+          </a:xfrm>
+          <a:prstGeom prst="rect">
+            <a:avLst/>
+          </a:prstGeom>
+          <a:noFill/>
+        </p:spPr>
+        <p:txBody>
+          <a:bodyPr wrap="square" rtlCol="0">
+            <a:spAutoFit/>
+          </a:bodyPr>
+          <a:lstStyle/>
+          <a:p>
+            <a:r>
+              <a:rPr lang="en-GB" sz="1100" dirty="0"/>
+              <a:t>Update Agency</a:t>
+            </a:r>
+          </a:p>
+        </p:txBody>
+      </p:sp>
+      <p:sp>
+        <p:nvSpPr>
+          <p:cNvPr id="155" name="TextBox 154">
+            <a:extLst>
+              <a:ext uri="{FF2B5EF4-FFF2-40B4-BE49-F238E27FC236}">
+                <a16:creationId xmlns:a16="http://schemas.microsoft.com/office/drawing/2014/main" id="{466ECDC8-1AC9-F358-156D-B79F0721957F}"/>
+              </a:ext>
+            </a:extLst>
+          </p:cNvPr>
+          <p:cNvSpPr txBox="1"/>
+          <p:nvPr/>
+        </p:nvSpPr>
+        <p:spPr>
+          <a:xfrm>
+            <a:off x="1931430" y="602268"/>
+            <a:ext cx="1024324" cy="600164"/>
+          </a:xfrm>
+          <a:prstGeom prst="rect">
+            <a:avLst/>
+          </a:prstGeom>
+          <a:noFill/>
+        </p:spPr>
+        <p:txBody>
+          <a:bodyPr wrap="square" rtlCol="0">
+            <a:spAutoFit/>
+          </a:bodyPr>
+          <a:lstStyle/>
+          <a:p>
+            <a:r>
+              <a:rPr lang="en-GB" sz="1100" dirty="0"/>
+              <a:t>Parking Confirmation / Cost to Hotel</a:t>
+            </a:r>
+          </a:p>
+        </p:txBody>
+      </p:sp>
+      <p:sp>
+        <p:nvSpPr>
+          <p:cNvPr id="156" name="TextBox 155">
+            <a:extLst>
+              <a:ext uri="{FF2B5EF4-FFF2-40B4-BE49-F238E27FC236}">
+                <a16:creationId xmlns:a16="http://schemas.microsoft.com/office/drawing/2014/main" id="{EF9FCBCD-82BE-D178-8D98-9D71EB2BE155}"/>
+              </a:ext>
+            </a:extLst>
+          </p:cNvPr>
+          <p:cNvSpPr txBox="1"/>
+          <p:nvPr/>
+        </p:nvSpPr>
+        <p:spPr>
+          <a:xfrm>
+            <a:off x="4284816" y="5694894"/>
+            <a:ext cx="1024324" cy="430887"/>
+          </a:xfrm>
+          <a:prstGeom prst="rect">
+            <a:avLst/>
+          </a:prstGeom>
+          <a:noFill/>
+        </p:spPr>
+        <p:txBody>
+          <a:bodyPr wrap="square" rtlCol="0">
+            <a:spAutoFit/>
+          </a:bodyPr>
+          <a:lstStyle/>
+          <a:p>
+            <a:r>
+              <a:rPr lang="en-GB" sz="1100" dirty="0"/>
+              <a:t>Confirmation / Parking Bay</a:t>
+            </a:r>
+          </a:p>
+        </p:txBody>
+      </p:sp>
+      <p:sp>
+        <p:nvSpPr>
+          <p:cNvPr id="157" name="TextBox 156">
+            <a:extLst>
+              <a:ext uri="{FF2B5EF4-FFF2-40B4-BE49-F238E27FC236}">
+                <a16:creationId xmlns:a16="http://schemas.microsoft.com/office/drawing/2014/main" id="{8C964EAC-F3C5-7DD5-67A4-8C5E3C4C70CA}"/>
+              </a:ext>
+            </a:extLst>
+          </p:cNvPr>
+          <p:cNvSpPr txBox="1"/>
+          <p:nvPr/>
+        </p:nvSpPr>
+        <p:spPr>
+          <a:xfrm>
+            <a:off x="6413524" y="497604"/>
+            <a:ext cx="1024324" cy="415498"/>
+          </a:xfrm>
+          <a:prstGeom prst="rect">
+            <a:avLst/>
+          </a:prstGeom>
+          <a:noFill/>
+        </p:spPr>
+        <p:txBody>
+          <a:bodyPr wrap="square" rtlCol="0">
+            <a:spAutoFit/>
+          </a:bodyPr>
+          <a:lstStyle/>
+          <a:p>
+            <a:r>
+              <a:rPr lang="en-GB" sz="1050" dirty="0"/>
+              <a:t>ABC hotel invoice</a:t>
+            </a:r>
+          </a:p>
+        </p:txBody>
+      </p:sp>
+      <p:sp>
+        <p:nvSpPr>
+          <p:cNvPr id="158" name="TextBox 157">
+            <a:extLst>
+              <a:ext uri="{FF2B5EF4-FFF2-40B4-BE49-F238E27FC236}">
+                <a16:creationId xmlns:a16="http://schemas.microsoft.com/office/drawing/2014/main" id="{64EA30F6-EFF5-B2F6-442C-7A1F00296699}"/>
+              </a:ext>
+            </a:extLst>
+          </p:cNvPr>
+          <p:cNvSpPr txBox="1"/>
+          <p:nvPr/>
+        </p:nvSpPr>
+        <p:spPr>
+          <a:xfrm>
+            <a:off x="8185244" y="5796678"/>
+            <a:ext cx="1024324" cy="430887"/>
+          </a:xfrm>
+          <a:prstGeom prst="rect">
+            <a:avLst/>
+          </a:prstGeom>
+          <a:noFill/>
+        </p:spPr>
+        <p:txBody>
+          <a:bodyPr wrap="square" rtlCol="0">
+            <a:spAutoFit/>
+          </a:bodyPr>
+          <a:lstStyle/>
+          <a:p>
+            <a:r>
+              <a:rPr lang="en-GB" sz="1100" dirty="0"/>
+              <a:t>Total / Days stay</a:t>
+            </a:r>
+          </a:p>
+        </p:txBody>
+      </p:sp>
+      <p:sp>
+        <p:nvSpPr>
+          <p:cNvPr id="159" name="TextBox 158">
+            <a:extLst>
+              <a:ext uri="{FF2B5EF4-FFF2-40B4-BE49-F238E27FC236}">
+                <a16:creationId xmlns:a16="http://schemas.microsoft.com/office/drawing/2014/main" id="{594ED779-8EED-5E39-0568-B1172EC4ED28}"/>
+              </a:ext>
+            </a:extLst>
+          </p:cNvPr>
+          <p:cNvSpPr txBox="1"/>
+          <p:nvPr/>
+        </p:nvSpPr>
+        <p:spPr>
+          <a:xfrm>
+            <a:off x="10916172" y="2999447"/>
+            <a:ext cx="1024324" cy="600164"/>
+          </a:xfrm>
+          <a:prstGeom prst="rect">
+            <a:avLst/>
+          </a:prstGeom>
+          <a:noFill/>
+        </p:spPr>
+        <p:txBody>
+          <a:bodyPr wrap="square" rtlCol="0">
+            <a:spAutoFit/>
+          </a:bodyPr>
+          <a:lstStyle/>
+          <a:p>
+            <a:r>
+              <a:rPr lang="en-GB" sz="1100" dirty="0"/>
+              <a:t>Message / email confirmation</a:t>
+            </a:r>
+          </a:p>
+        </p:txBody>
+      </p:sp>
+      <p:sp>
+        <p:nvSpPr>
+          <p:cNvPr id="161" name="TextBox 160">
+            <a:extLst>
+              <a:ext uri="{FF2B5EF4-FFF2-40B4-BE49-F238E27FC236}">
+                <a16:creationId xmlns:a16="http://schemas.microsoft.com/office/drawing/2014/main" id="{06F3DDD0-0CD5-3A18-97E6-F97A594733ED}"/>
+              </a:ext>
+            </a:extLst>
+          </p:cNvPr>
+          <p:cNvSpPr txBox="1"/>
+          <p:nvPr/>
+        </p:nvSpPr>
+        <p:spPr>
+          <a:xfrm>
+            <a:off x="10902313" y="1309926"/>
+            <a:ext cx="1024324" cy="430887"/>
+          </a:xfrm>
+          <a:prstGeom prst="rect">
+            <a:avLst/>
+          </a:prstGeom>
+          <a:noFill/>
+        </p:spPr>
+        <p:txBody>
+          <a:bodyPr wrap="square" rtlCol="0">
+            <a:spAutoFit/>
+          </a:bodyPr>
+          <a:lstStyle/>
+          <a:p>
+            <a:r>
+              <a:rPr lang="en-GB" sz="1100" dirty="0"/>
+              <a:t>Bank payment received</a:t>
+            </a:r>
+          </a:p>
+        </p:txBody>
+      </p:sp>
+      <p:sp>
+        <p:nvSpPr>
+          <p:cNvPr id="173" name="TextBox 172">
+            <a:extLst>
+              <a:ext uri="{FF2B5EF4-FFF2-40B4-BE49-F238E27FC236}">
+                <a16:creationId xmlns:a16="http://schemas.microsoft.com/office/drawing/2014/main" id="{FEAD7341-CD49-8DFB-CCFB-FB35717E8E90}"/>
+              </a:ext>
+            </a:extLst>
+          </p:cNvPr>
+          <p:cNvSpPr txBox="1"/>
+          <p:nvPr/>
+        </p:nvSpPr>
+        <p:spPr>
+          <a:xfrm>
+            <a:off x="9209491" y="462081"/>
+            <a:ext cx="1024324" cy="430887"/>
+          </a:xfrm>
+          <a:prstGeom prst="rect">
+            <a:avLst/>
+          </a:prstGeom>
+          <a:noFill/>
+        </p:spPr>
+        <p:txBody>
+          <a:bodyPr wrap="square" rtlCol="0">
+            <a:spAutoFit/>
+          </a:bodyPr>
+          <a:lstStyle/>
+          <a:p>
+            <a:r>
+              <a:rPr lang="en-GB" sz="1100" dirty="0"/>
+              <a:t>Payment details</a:t>
+            </a:r>
+          </a:p>
+        </p:txBody>
+      </p:sp>
+      <p:sp>
+        <p:nvSpPr>
+          <p:cNvPr id="175" name="TextBox 174">
+            <a:extLst>
+              <a:ext uri="{FF2B5EF4-FFF2-40B4-BE49-F238E27FC236}">
+                <a16:creationId xmlns:a16="http://schemas.microsoft.com/office/drawing/2014/main" id="{07AA6AD5-61B2-5183-5BA6-96B1092F68A8}"/>
+              </a:ext>
+            </a:extLst>
+          </p:cNvPr>
+          <p:cNvSpPr txBox="1"/>
+          <p:nvPr/>
+        </p:nvSpPr>
+        <p:spPr>
+          <a:xfrm>
+            <a:off x="6375767" y="2348138"/>
+            <a:ext cx="1024324" cy="600164"/>
+          </a:xfrm>
+          <a:prstGeom prst="rect">
+            <a:avLst/>
+          </a:prstGeom>
+          <a:noFill/>
+        </p:spPr>
+        <p:txBody>
+          <a:bodyPr wrap="square" rtlCol="0">
+            <a:spAutoFit/>
+          </a:bodyPr>
+          <a:lstStyle/>
+          <a:p>
+            <a:r>
+              <a:rPr lang="en-GB" sz="1100" dirty="0"/>
+              <a:t>Privatised Payment Information</a:t>
+            </a:r>
+          </a:p>
+        </p:txBody>
+      </p:sp>
+      <p:sp>
+        <p:nvSpPr>
+          <p:cNvPr id="177" name="TextBox 176">
+            <a:extLst>
+              <a:ext uri="{FF2B5EF4-FFF2-40B4-BE49-F238E27FC236}">
+                <a16:creationId xmlns:a16="http://schemas.microsoft.com/office/drawing/2014/main" id="{D04729D3-4877-FF75-707B-5C8374D7B36A}"/>
+              </a:ext>
+            </a:extLst>
+          </p:cNvPr>
+          <p:cNvSpPr txBox="1"/>
+          <p:nvPr/>
+        </p:nvSpPr>
+        <p:spPr>
+          <a:xfrm>
+            <a:off x="6369458" y="3968005"/>
+            <a:ext cx="1024324" cy="430887"/>
+          </a:xfrm>
+          <a:prstGeom prst="rect">
+            <a:avLst/>
+          </a:prstGeom>
+          <a:noFill/>
+        </p:spPr>
+        <p:txBody>
+          <a:bodyPr wrap="square" rtlCol="0">
+            <a:spAutoFit/>
+          </a:bodyPr>
+          <a:lstStyle/>
+          <a:p>
+            <a:r>
+              <a:rPr lang="en-GB" sz="1100" dirty="0"/>
+              <a:t>Payment details</a:t>
+            </a:r>
+          </a:p>
+        </p:txBody>
+      </p:sp>
+      <p:sp>
+        <p:nvSpPr>
+          <p:cNvPr id="179" name="TextBox 178">
+            <a:extLst>
+              <a:ext uri="{FF2B5EF4-FFF2-40B4-BE49-F238E27FC236}">
+                <a16:creationId xmlns:a16="http://schemas.microsoft.com/office/drawing/2014/main" id="{BA7AFE13-F832-36E7-9C59-9E4BF7B4EE31}"/>
+              </a:ext>
+            </a:extLst>
+          </p:cNvPr>
+          <p:cNvSpPr txBox="1"/>
+          <p:nvPr/>
+        </p:nvSpPr>
+        <p:spPr>
+          <a:xfrm>
+            <a:off x="7071134" y="1718820"/>
+            <a:ext cx="1024324" cy="261610"/>
+          </a:xfrm>
+          <a:prstGeom prst="rect">
+            <a:avLst/>
+          </a:prstGeom>
+          <a:noFill/>
+        </p:spPr>
+        <p:txBody>
+          <a:bodyPr wrap="square" rtlCol="0">
+            <a:spAutoFit/>
+          </a:bodyPr>
+          <a:lstStyle/>
+          <a:p>
+            <a:r>
+              <a:rPr lang="en-GB" sz="1050" dirty="0"/>
+              <a:t>Confirmation</a:t>
+            </a:r>
+          </a:p>
+        </p:txBody>
+      </p:sp>
+      <p:sp>
+        <p:nvSpPr>
+          <p:cNvPr id="181" name="TextBox 180">
+            <a:extLst>
+              <a:ext uri="{FF2B5EF4-FFF2-40B4-BE49-F238E27FC236}">
+                <a16:creationId xmlns:a16="http://schemas.microsoft.com/office/drawing/2014/main" id="{D34D4DDE-1698-F486-1054-BACDC48558A4}"/>
+              </a:ext>
+            </a:extLst>
+          </p:cNvPr>
+          <p:cNvSpPr txBox="1"/>
+          <p:nvPr/>
+        </p:nvSpPr>
+        <p:spPr>
+          <a:xfrm>
+            <a:off x="845056" y="3548912"/>
+            <a:ext cx="1367876" cy="430887"/>
+          </a:xfrm>
+          <a:prstGeom prst="rect">
+            <a:avLst/>
+          </a:prstGeom>
+          <a:noFill/>
+        </p:spPr>
+        <p:txBody>
+          <a:bodyPr wrap="square" rtlCol="0">
+            <a:spAutoFit/>
+          </a:bodyPr>
+          <a:lstStyle/>
+          <a:p>
+            <a:r>
+              <a:rPr lang="en-GB" sz="1100" dirty="0"/>
+              <a:t>Meal type / days stay</a:t>
+            </a:r>
+          </a:p>
+        </p:txBody>
+      </p:sp>
+      <p:sp>
+        <p:nvSpPr>
+          <p:cNvPr id="183" name="TextBox 182">
+            <a:extLst>
+              <a:ext uri="{FF2B5EF4-FFF2-40B4-BE49-F238E27FC236}">
+                <a16:creationId xmlns:a16="http://schemas.microsoft.com/office/drawing/2014/main" id="{772501EF-ACD4-2407-B1F1-6765FEFEFE55}"/>
+              </a:ext>
+            </a:extLst>
+          </p:cNvPr>
+          <p:cNvSpPr txBox="1"/>
+          <p:nvPr/>
+        </p:nvSpPr>
+        <p:spPr>
+          <a:xfrm>
+            <a:off x="2030985" y="2072454"/>
+            <a:ext cx="1648913" cy="261610"/>
+          </a:xfrm>
+          <a:prstGeom prst="rect">
+            <a:avLst/>
+          </a:prstGeom>
+          <a:noFill/>
+        </p:spPr>
+        <p:txBody>
+          <a:bodyPr wrap="square" rtlCol="0">
+            <a:spAutoFit/>
+          </a:bodyPr>
+          <a:lstStyle/>
+          <a:p>
+            <a:r>
+              <a:rPr lang="en-GB" sz="1100" dirty="0"/>
+              <a:t>Meal order</a:t>
+            </a:r>
+          </a:p>
+        </p:txBody>
+      </p:sp>
     </p:spTree>
     <p:extLst>
       <p:ext uri="{BB962C8B-B14F-4D97-AF65-F5344CB8AC3E}">
@@ -10886,6 +10737,5578 @@
             <a:r>
               <a:rPr lang="en-GB" dirty="0"/>
               <a:t>Level 2 DFD (Process 1 – Process Booking)</a:t>
+            </a:r>
+          </a:p>
+        </p:txBody>
+      </p:sp>
+      <p:grpSp>
+        <p:nvGrpSpPr>
+          <p:cNvPr id="3" name="Group 2">
+            <a:extLst>
+              <a:ext uri="{FF2B5EF4-FFF2-40B4-BE49-F238E27FC236}">
+                <a16:creationId xmlns:a16="http://schemas.microsoft.com/office/drawing/2014/main" id="{C7B3FBCA-2D23-70E5-9B6E-569A6ED4D555}"/>
+              </a:ext>
+            </a:extLst>
+          </p:cNvPr>
+          <p:cNvGrpSpPr/>
+          <p:nvPr/>
+        </p:nvGrpSpPr>
+        <p:grpSpPr>
+          <a:xfrm>
+            <a:off x="4244929" y="3126068"/>
+            <a:ext cx="1576255" cy="859231"/>
+            <a:chOff x="5307869" y="2989652"/>
+            <a:chExt cx="1576255" cy="859231"/>
+          </a:xfrm>
+        </p:grpSpPr>
+        <p:grpSp>
+          <p:nvGrpSpPr>
+            <p:cNvPr id="4" name="Group 3">
+              <a:extLst>
+                <a:ext uri="{FF2B5EF4-FFF2-40B4-BE49-F238E27FC236}">
+                  <a16:creationId xmlns:a16="http://schemas.microsoft.com/office/drawing/2014/main" id="{340763C4-93E0-C35E-BED7-9780863C1893}"/>
+                </a:ext>
+              </a:extLst>
+            </p:cNvPr>
+            <p:cNvGrpSpPr/>
+            <p:nvPr/>
+          </p:nvGrpSpPr>
+          <p:grpSpPr>
+            <a:xfrm>
+              <a:off x="5307874" y="3015037"/>
+              <a:ext cx="1576250" cy="833846"/>
+              <a:chOff x="6409426" y="1313975"/>
+              <a:chExt cx="1733910" cy="980651"/>
+            </a:xfrm>
+          </p:grpSpPr>
+          <p:sp>
+            <p:nvSpPr>
+              <p:cNvPr id="7" name="Rectangle: Rounded Corners 6">
+                <a:extLst>
+                  <a:ext uri="{FF2B5EF4-FFF2-40B4-BE49-F238E27FC236}">
+                    <a16:creationId xmlns:a16="http://schemas.microsoft.com/office/drawing/2014/main" id="{5C6D2DAF-8885-C330-9E43-911715B5C429}"/>
+                  </a:ext>
+                </a:extLst>
+              </p:cNvPr>
+              <p:cNvSpPr/>
+              <p:nvPr/>
+            </p:nvSpPr>
+            <p:spPr>
+              <a:xfrm>
+                <a:off x="6409426" y="1313975"/>
+                <a:ext cx="1733910" cy="980651"/>
+              </a:xfrm>
+              <a:prstGeom prst="roundRect">
+                <a:avLst/>
+              </a:prstGeom>
+            </p:spPr>
+            <p:style>
+              <a:lnRef idx="2">
+                <a:schemeClr val="accent1">
+                  <a:shade val="50000"/>
+                </a:schemeClr>
+              </a:lnRef>
+              <a:fillRef idx="1">
+                <a:schemeClr val="accent1"/>
+              </a:fillRef>
+              <a:effectRef idx="0">
+                <a:schemeClr val="accent1"/>
+              </a:effectRef>
+              <a:fontRef idx="minor">
+                <a:schemeClr val="lt1"/>
+              </a:fontRef>
+            </p:style>
+            <p:txBody>
+              <a:bodyPr rtlCol="0" anchor="ctr"/>
+              <a:lstStyle/>
+              <a:p>
+                <a:pPr algn="ctr"/>
+                <a:endParaRPr lang="en-GB" dirty="0"/>
+              </a:p>
+            </p:txBody>
+          </p:sp>
+          <p:cxnSp>
+            <p:nvCxnSpPr>
+              <p:cNvPr id="8" name="Straight Connector 7">
+                <a:extLst>
+                  <a:ext uri="{FF2B5EF4-FFF2-40B4-BE49-F238E27FC236}">
+                    <a16:creationId xmlns:a16="http://schemas.microsoft.com/office/drawing/2014/main" id="{29B811E9-DA83-2500-8DBB-979E04191AC9}"/>
+                  </a:ext>
+                </a:extLst>
+              </p:cNvPr>
+              <p:cNvCxnSpPr/>
+              <p:nvPr/>
+            </p:nvCxnSpPr>
+            <p:spPr>
+              <a:xfrm>
+                <a:off x="6409426" y="1566524"/>
+                <a:ext cx="1733910" cy="0"/>
+              </a:xfrm>
+              <a:prstGeom prst="line">
+                <a:avLst/>
+              </a:prstGeom>
+            </p:spPr>
+            <p:style>
+              <a:lnRef idx="1">
+                <a:schemeClr val="dk1"/>
+              </a:lnRef>
+              <a:fillRef idx="0">
+                <a:schemeClr val="dk1"/>
+              </a:fillRef>
+              <a:effectRef idx="0">
+                <a:schemeClr val="dk1"/>
+              </a:effectRef>
+              <a:fontRef idx="minor">
+                <a:schemeClr val="tx1"/>
+              </a:fontRef>
+            </p:style>
+          </p:cxnSp>
+          <p:cxnSp>
+            <p:nvCxnSpPr>
+              <p:cNvPr id="9" name="Straight Connector 8">
+                <a:extLst>
+                  <a:ext uri="{FF2B5EF4-FFF2-40B4-BE49-F238E27FC236}">
+                    <a16:creationId xmlns:a16="http://schemas.microsoft.com/office/drawing/2014/main" id="{9A0D8035-A75C-7A26-CBD4-06E7F49C5E1B}"/>
+                  </a:ext>
+                </a:extLst>
+              </p:cNvPr>
+              <p:cNvCxnSpPr/>
+              <p:nvPr/>
+            </p:nvCxnSpPr>
+            <p:spPr>
+              <a:xfrm>
+                <a:off x="6409426" y="2012222"/>
+                <a:ext cx="1733910" cy="0"/>
+              </a:xfrm>
+              <a:prstGeom prst="line">
+                <a:avLst/>
+              </a:prstGeom>
+            </p:spPr>
+            <p:style>
+              <a:lnRef idx="1">
+                <a:schemeClr val="dk1"/>
+              </a:lnRef>
+              <a:fillRef idx="0">
+                <a:schemeClr val="dk1"/>
+              </a:fillRef>
+              <a:effectRef idx="0">
+                <a:schemeClr val="dk1"/>
+              </a:effectRef>
+              <a:fontRef idx="minor">
+                <a:schemeClr val="tx1"/>
+              </a:fontRef>
+            </p:style>
+          </p:cxnSp>
+          <p:cxnSp>
+            <p:nvCxnSpPr>
+              <p:cNvPr id="10" name="Straight Connector 9">
+                <a:extLst>
+                  <a:ext uri="{FF2B5EF4-FFF2-40B4-BE49-F238E27FC236}">
+                    <a16:creationId xmlns:a16="http://schemas.microsoft.com/office/drawing/2014/main" id="{E952E2D7-5682-7599-21F4-F41B0240103C}"/>
+                  </a:ext>
+                </a:extLst>
+              </p:cNvPr>
+              <p:cNvCxnSpPr/>
+              <p:nvPr/>
+            </p:nvCxnSpPr>
+            <p:spPr>
+              <a:xfrm flipV="1">
+                <a:off x="6823494" y="1313975"/>
+                <a:ext cx="0" cy="252549"/>
+              </a:xfrm>
+              <a:prstGeom prst="line">
+                <a:avLst/>
+              </a:prstGeom>
+            </p:spPr>
+            <p:style>
+              <a:lnRef idx="1">
+                <a:schemeClr val="dk1"/>
+              </a:lnRef>
+              <a:fillRef idx="0">
+                <a:schemeClr val="dk1"/>
+              </a:fillRef>
+              <a:effectRef idx="0">
+                <a:schemeClr val="dk1"/>
+              </a:effectRef>
+              <a:fontRef idx="minor">
+                <a:schemeClr val="tx1"/>
+              </a:fontRef>
+            </p:style>
+          </p:cxnSp>
+          <p:sp>
+            <p:nvSpPr>
+              <p:cNvPr id="11" name="Rectangle 10">
+                <a:extLst>
+                  <a:ext uri="{FF2B5EF4-FFF2-40B4-BE49-F238E27FC236}">
+                    <a16:creationId xmlns:a16="http://schemas.microsoft.com/office/drawing/2014/main" id="{AE97FE61-9179-B43F-A8C8-B832342F92BD}"/>
+                  </a:ext>
+                </a:extLst>
+              </p:cNvPr>
+              <p:cNvSpPr/>
+              <p:nvPr/>
+            </p:nvSpPr>
+            <p:spPr>
+              <a:xfrm>
+                <a:off x="6409426" y="1566524"/>
+                <a:ext cx="1733910" cy="445686"/>
+              </a:xfrm>
+              <a:prstGeom prst="rect">
+                <a:avLst/>
+              </a:prstGeom>
+            </p:spPr>
+            <p:style>
+              <a:lnRef idx="2">
+                <a:schemeClr val="dk1"/>
+              </a:lnRef>
+              <a:fillRef idx="1">
+                <a:schemeClr val="lt1"/>
+              </a:fillRef>
+              <a:effectRef idx="0">
+                <a:schemeClr val="dk1"/>
+              </a:effectRef>
+              <a:fontRef idx="minor">
+                <a:schemeClr val="dk1"/>
+              </a:fontRef>
+            </p:style>
+            <p:txBody>
+              <a:bodyPr rtlCol="0" anchor="ctr"/>
+              <a:lstStyle/>
+              <a:p>
+                <a:pPr algn="ctr"/>
+                <a:endParaRPr lang="en-GB"/>
+              </a:p>
+            </p:txBody>
+          </p:sp>
+        </p:grpSp>
+        <p:sp>
+          <p:nvSpPr>
+            <p:cNvPr id="5" name="TextBox 4">
+              <a:extLst>
+                <a:ext uri="{FF2B5EF4-FFF2-40B4-BE49-F238E27FC236}">
+                  <a16:creationId xmlns:a16="http://schemas.microsoft.com/office/drawing/2014/main" id="{FC3024F0-C599-E1B6-F22E-23621B6ABBD0}"/>
+                </a:ext>
+              </a:extLst>
+            </p:cNvPr>
+            <p:cNvSpPr txBox="1"/>
+            <p:nvPr/>
+          </p:nvSpPr>
+          <p:spPr>
+            <a:xfrm>
+              <a:off x="5307869" y="2989652"/>
+              <a:ext cx="431528" cy="261610"/>
+            </a:xfrm>
+            <a:prstGeom prst="rect">
+              <a:avLst/>
+            </a:prstGeom>
+            <a:noFill/>
+          </p:spPr>
+          <p:txBody>
+            <a:bodyPr wrap="none" rtlCol="0">
+              <a:spAutoFit/>
+            </a:bodyPr>
+            <a:lstStyle/>
+            <a:p>
+              <a:r>
+                <a:rPr lang="en-GB" sz="1100" dirty="0">
+                  <a:solidFill>
+                    <a:schemeClr val="bg1"/>
+                  </a:solidFill>
+                </a:rPr>
+                <a:t>1 : 2</a:t>
+              </a:r>
+            </a:p>
+          </p:txBody>
+        </p:sp>
+        <p:sp>
+          <p:nvSpPr>
+            <p:cNvPr id="6" name="TextBox 5">
+              <a:extLst>
+                <a:ext uri="{FF2B5EF4-FFF2-40B4-BE49-F238E27FC236}">
+                  <a16:creationId xmlns:a16="http://schemas.microsoft.com/office/drawing/2014/main" id="{63937C06-C327-CC74-05FE-7C4EA54E7FD4}"/>
+                </a:ext>
+              </a:extLst>
+            </p:cNvPr>
+            <p:cNvSpPr txBox="1"/>
+            <p:nvPr/>
+          </p:nvSpPr>
+          <p:spPr>
+            <a:xfrm>
+              <a:off x="5307874" y="3229779"/>
+              <a:ext cx="1576245" cy="415498"/>
+            </a:xfrm>
+            <a:prstGeom prst="rect">
+              <a:avLst/>
+            </a:prstGeom>
+            <a:noFill/>
+          </p:spPr>
+          <p:txBody>
+            <a:bodyPr wrap="square" lIns="91440" tIns="45720" rIns="91440" bIns="45720" rtlCol="0" anchor="t">
+              <a:spAutoFit/>
+            </a:bodyPr>
+            <a:lstStyle/>
+            <a:p>
+              <a:pPr algn="ctr"/>
+              <a:r>
+                <a:rPr lang="en-GB" sz="1050" dirty="0"/>
+                <a:t>Get Tables / Combine data</a:t>
+              </a:r>
+            </a:p>
+          </p:txBody>
+        </p:sp>
+      </p:grpSp>
+      <p:grpSp>
+        <p:nvGrpSpPr>
+          <p:cNvPr id="12" name="Group 11">
+            <a:extLst>
+              <a:ext uri="{FF2B5EF4-FFF2-40B4-BE49-F238E27FC236}">
+                <a16:creationId xmlns:a16="http://schemas.microsoft.com/office/drawing/2014/main" id="{85A45A15-574F-7F67-19B2-E4BA19FC9194}"/>
+              </a:ext>
+            </a:extLst>
+          </p:cNvPr>
+          <p:cNvGrpSpPr/>
+          <p:nvPr/>
+        </p:nvGrpSpPr>
+        <p:grpSpPr>
+          <a:xfrm>
+            <a:off x="7251890" y="1699444"/>
+            <a:ext cx="1576255" cy="859231"/>
+            <a:chOff x="5307869" y="2989652"/>
+            <a:chExt cx="1576255" cy="859231"/>
+          </a:xfrm>
+        </p:grpSpPr>
+        <p:grpSp>
+          <p:nvGrpSpPr>
+            <p:cNvPr id="13" name="Group 12">
+              <a:extLst>
+                <a:ext uri="{FF2B5EF4-FFF2-40B4-BE49-F238E27FC236}">
+                  <a16:creationId xmlns:a16="http://schemas.microsoft.com/office/drawing/2014/main" id="{5B7D0EDC-017F-ADE5-99E9-A2D0075267FB}"/>
+                </a:ext>
+              </a:extLst>
+            </p:cNvPr>
+            <p:cNvGrpSpPr/>
+            <p:nvPr/>
+          </p:nvGrpSpPr>
+          <p:grpSpPr>
+            <a:xfrm>
+              <a:off x="5307874" y="3015037"/>
+              <a:ext cx="1576250" cy="833846"/>
+              <a:chOff x="6409426" y="1313975"/>
+              <a:chExt cx="1733910" cy="980651"/>
+            </a:xfrm>
+          </p:grpSpPr>
+          <p:sp>
+            <p:nvSpPr>
+              <p:cNvPr id="16" name="Rectangle: Rounded Corners 15">
+                <a:extLst>
+                  <a:ext uri="{FF2B5EF4-FFF2-40B4-BE49-F238E27FC236}">
+                    <a16:creationId xmlns:a16="http://schemas.microsoft.com/office/drawing/2014/main" id="{BF949D91-507F-ADC5-D230-36D61F28486A}"/>
+                  </a:ext>
+                </a:extLst>
+              </p:cNvPr>
+              <p:cNvSpPr/>
+              <p:nvPr/>
+            </p:nvSpPr>
+            <p:spPr>
+              <a:xfrm>
+                <a:off x="6409426" y="1313975"/>
+                <a:ext cx="1733910" cy="980651"/>
+              </a:xfrm>
+              <a:prstGeom prst="roundRect">
+                <a:avLst/>
+              </a:prstGeom>
+            </p:spPr>
+            <p:style>
+              <a:lnRef idx="2">
+                <a:schemeClr val="accent1">
+                  <a:shade val="50000"/>
+                </a:schemeClr>
+              </a:lnRef>
+              <a:fillRef idx="1">
+                <a:schemeClr val="accent1"/>
+              </a:fillRef>
+              <a:effectRef idx="0">
+                <a:schemeClr val="accent1"/>
+              </a:effectRef>
+              <a:fontRef idx="minor">
+                <a:schemeClr val="lt1"/>
+              </a:fontRef>
+            </p:style>
+            <p:txBody>
+              <a:bodyPr rtlCol="0" anchor="ctr"/>
+              <a:lstStyle/>
+              <a:p>
+                <a:pPr algn="ctr"/>
+                <a:endParaRPr lang="en-GB" dirty="0"/>
+              </a:p>
+            </p:txBody>
+          </p:sp>
+          <p:cxnSp>
+            <p:nvCxnSpPr>
+              <p:cNvPr id="17" name="Straight Connector 16">
+                <a:extLst>
+                  <a:ext uri="{FF2B5EF4-FFF2-40B4-BE49-F238E27FC236}">
+                    <a16:creationId xmlns:a16="http://schemas.microsoft.com/office/drawing/2014/main" id="{7870BA33-2315-EE88-4488-154B5AFA7EB8}"/>
+                  </a:ext>
+                </a:extLst>
+              </p:cNvPr>
+              <p:cNvCxnSpPr/>
+              <p:nvPr/>
+            </p:nvCxnSpPr>
+            <p:spPr>
+              <a:xfrm>
+                <a:off x="6409426" y="1566524"/>
+                <a:ext cx="1733910" cy="0"/>
+              </a:xfrm>
+              <a:prstGeom prst="line">
+                <a:avLst/>
+              </a:prstGeom>
+            </p:spPr>
+            <p:style>
+              <a:lnRef idx="1">
+                <a:schemeClr val="dk1"/>
+              </a:lnRef>
+              <a:fillRef idx="0">
+                <a:schemeClr val="dk1"/>
+              </a:fillRef>
+              <a:effectRef idx="0">
+                <a:schemeClr val="dk1"/>
+              </a:effectRef>
+              <a:fontRef idx="minor">
+                <a:schemeClr val="tx1"/>
+              </a:fontRef>
+            </p:style>
+          </p:cxnSp>
+          <p:cxnSp>
+            <p:nvCxnSpPr>
+              <p:cNvPr id="18" name="Straight Connector 17">
+                <a:extLst>
+                  <a:ext uri="{FF2B5EF4-FFF2-40B4-BE49-F238E27FC236}">
+                    <a16:creationId xmlns:a16="http://schemas.microsoft.com/office/drawing/2014/main" id="{E2D0B900-BB7C-10EE-6C66-DF3B25838C86}"/>
+                  </a:ext>
+                </a:extLst>
+              </p:cNvPr>
+              <p:cNvCxnSpPr/>
+              <p:nvPr/>
+            </p:nvCxnSpPr>
+            <p:spPr>
+              <a:xfrm>
+                <a:off x="6409426" y="2012222"/>
+                <a:ext cx="1733910" cy="0"/>
+              </a:xfrm>
+              <a:prstGeom prst="line">
+                <a:avLst/>
+              </a:prstGeom>
+            </p:spPr>
+            <p:style>
+              <a:lnRef idx="1">
+                <a:schemeClr val="dk1"/>
+              </a:lnRef>
+              <a:fillRef idx="0">
+                <a:schemeClr val="dk1"/>
+              </a:fillRef>
+              <a:effectRef idx="0">
+                <a:schemeClr val="dk1"/>
+              </a:effectRef>
+              <a:fontRef idx="minor">
+                <a:schemeClr val="tx1"/>
+              </a:fontRef>
+            </p:style>
+          </p:cxnSp>
+          <p:cxnSp>
+            <p:nvCxnSpPr>
+              <p:cNvPr id="19" name="Straight Connector 18">
+                <a:extLst>
+                  <a:ext uri="{FF2B5EF4-FFF2-40B4-BE49-F238E27FC236}">
+                    <a16:creationId xmlns:a16="http://schemas.microsoft.com/office/drawing/2014/main" id="{766483B9-C6A1-AA33-0945-D6ED9ED609A9}"/>
+                  </a:ext>
+                </a:extLst>
+              </p:cNvPr>
+              <p:cNvCxnSpPr/>
+              <p:nvPr/>
+            </p:nvCxnSpPr>
+            <p:spPr>
+              <a:xfrm flipV="1">
+                <a:off x="6823494" y="1313975"/>
+                <a:ext cx="0" cy="252549"/>
+              </a:xfrm>
+              <a:prstGeom prst="line">
+                <a:avLst/>
+              </a:prstGeom>
+            </p:spPr>
+            <p:style>
+              <a:lnRef idx="1">
+                <a:schemeClr val="dk1"/>
+              </a:lnRef>
+              <a:fillRef idx="0">
+                <a:schemeClr val="dk1"/>
+              </a:fillRef>
+              <a:effectRef idx="0">
+                <a:schemeClr val="dk1"/>
+              </a:effectRef>
+              <a:fontRef idx="minor">
+                <a:schemeClr val="tx1"/>
+              </a:fontRef>
+            </p:style>
+          </p:cxnSp>
+          <p:sp>
+            <p:nvSpPr>
+              <p:cNvPr id="21" name="Rectangle 20">
+                <a:extLst>
+                  <a:ext uri="{FF2B5EF4-FFF2-40B4-BE49-F238E27FC236}">
+                    <a16:creationId xmlns:a16="http://schemas.microsoft.com/office/drawing/2014/main" id="{147A583F-5223-6202-4752-1DB42E036822}"/>
+                  </a:ext>
+                </a:extLst>
+              </p:cNvPr>
+              <p:cNvSpPr/>
+              <p:nvPr/>
+            </p:nvSpPr>
+            <p:spPr>
+              <a:xfrm>
+                <a:off x="6409426" y="1566524"/>
+                <a:ext cx="1733910" cy="445686"/>
+              </a:xfrm>
+              <a:prstGeom prst="rect">
+                <a:avLst/>
+              </a:prstGeom>
+            </p:spPr>
+            <p:style>
+              <a:lnRef idx="2">
+                <a:schemeClr val="dk1"/>
+              </a:lnRef>
+              <a:fillRef idx="1">
+                <a:schemeClr val="lt1"/>
+              </a:fillRef>
+              <a:effectRef idx="0">
+                <a:schemeClr val="dk1"/>
+              </a:effectRef>
+              <a:fontRef idx="minor">
+                <a:schemeClr val="dk1"/>
+              </a:fontRef>
+            </p:style>
+            <p:txBody>
+              <a:bodyPr rtlCol="0" anchor="ctr"/>
+              <a:lstStyle/>
+              <a:p>
+                <a:pPr algn="ctr"/>
+                <a:endParaRPr lang="en-GB"/>
+              </a:p>
+            </p:txBody>
+          </p:sp>
+        </p:grpSp>
+        <p:sp>
+          <p:nvSpPr>
+            <p:cNvPr id="14" name="TextBox 13">
+              <a:extLst>
+                <a:ext uri="{FF2B5EF4-FFF2-40B4-BE49-F238E27FC236}">
+                  <a16:creationId xmlns:a16="http://schemas.microsoft.com/office/drawing/2014/main" id="{FA843C0C-FA81-A0BA-2CF5-60085AD21A1A}"/>
+                </a:ext>
+              </a:extLst>
+            </p:cNvPr>
+            <p:cNvSpPr txBox="1"/>
+            <p:nvPr/>
+          </p:nvSpPr>
+          <p:spPr>
+            <a:xfrm>
+              <a:off x="5307869" y="2989652"/>
+              <a:ext cx="431528" cy="261610"/>
+            </a:xfrm>
+            <a:prstGeom prst="rect">
+              <a:avLst/>
+            </a:prstGeom>
+            <a:noFill/>
+          </p:spPr>
+          <p:txBody>
+            <a:bodyPr wrap="none" rtlCol="0">
+              <a:spAutoFit/>
+            </a:bodyPr>
+            <a:lstStyle/>
+            <a:p>
+              <a:r>
+                <a:rPr lang="en-GB" sz="1100" dirty="0">
+                  <a:solidFill>
+                    <a:schemeClr val="bg1"/>
+                  </a:solidFill>
+                </a:rPr>
+                <a:t>1 : 4</a:t>
+              </a:r>
+            </a:p>
+          </p:txBody>
+        </p:sp>
+        <p:sp>
+          <p:nvSpPr>
+            <p:cNvPr id="15" name="TextBox 14">
+              <a:extLst>
+                <a:ext uri="{FF2B5EF4-FFF2-40B4-BE49-F238E27FC236}">
+                  <a16:creationId xmlns:a16="http://schemas.microsoft.com/office/drawing/2014/main" id="{FDA79AA6-1084-73EE-9023-6337E2D53509}"/>
+                </a:ext>
+              </a:extLst>
+            </p:cNvPr>
+            <p:cNvSpPr txBox="1"/>
+            <p:nvPr/>
+          </p:nvSpPr>
+          <p:spPr>
+            <a:xfrm>
+              <a:off x="5307874" y="3229779"/>
+              <a:ext cx="1576245" cy="253916"/>
+            </a:xfrm>
+            <a:prstGeom prst="rect">
+              <a:avLst/>
+            </a:prstGeom>
+            <a:noFill/>
+          </p:spPr>
+          <p:txBody>
+            <a:bodyPr wrap="square" lIns="91440" tIns="45720" rIns="91440" bIns="45720" rtlCol="0" anchor="t">
+              <a:spAutoFit/>
+            </a:bodyPr>
+            <a:lstStyle/>
+            <a:p>
+              <a:pPr algn="ctr"/>
+              <a:r>
+                <a:rPr lang="en-GB" sz="1050" dirty="0"/>
+                <a:t>Append Booking Record</a:t>
+              </a:r>
+            </a:p>
+          </p:txBody>
+        </p:sp>
+      </p:grpSp>
+      <p:grpSp>
+        <p:nvGrpSpPr>
+          <p:cNvPr id="22" name="Group 21">
+            <a:extLst>
+              <a:ext uri="{FF2B5EF4-FFF2-40B4-BE49-F238E27FC236}">
+                <a16:creationId xmlns:a16="http://schemas.microsoft.com/office/drawing/2014/main" id="{183CDA06-CBE0-F30B-BFB4-40A5B1AD8A9D}"/>
+              </a:ext>
+            </a:extLst>
+          </p:cNvPr>
+          <p:cNvGrpSpPr/>
+          <p:nvPr/>
+        </p:nvGrpSpPr>
+        <p:grpSpPr>
+          <a:xfrm>
+            <a:off x="7265678" y="4829606"/>
+            <a:ext cx="1576255" cy="859231"/>
+            <a:chOff x="5307869" y="2989652"/>
+            <a:chExt cx="1576255" cy="859231"/>
+          </a:xfrm>
+        </p:grpSpPr>
+        <p:grpSp>
+          <p:nvGrpSpPr>
+            <p:cNvPr id="23" name="Group 22">
+              <a:extLst>
+                <a:ext uri="{FF2B5EF4-FFF2-40B4-BE49-F238E27FC236}">
+                  <a16:creationId xmlns:a16="http://schemas.microsoft.com/office/drawing/2014/main" id="{81EA34F4-17AF-BB77-8694-A30037731A1A}"/>
+                </a:ext>
+              </a:extLst>
+            </p:cNvPr>
+            <p:cNvGrpSpPr/>
+            <p:nvPr/>
+          </p:nvGrpSpPr>
+          <p:grpSpPr>
+            <a:xfrm>
+              <a:off x="5307874" y="3015037"/>
+              <a:ext cx="1576250" cy="833846"/>
+              <a:chOff x="6409426" y="1313975"/>
+              <a:chExt cx="1733910" cy="980651"/>
+            </a:xfrm>
+          </p:grpSpPr>
+          <p:sp>
+            <p:nvSpPr>
+              <p:cNvPr id="26" name="Rectangle: Rounded Corners 25">
+                <a:extLst>
+                  <a:ext uri="{FF2B5EF4-FFF2-40B4-BE49-F238E27FC236}">
+                    <a16:creationId xmlns:a16="http://schemas.microsoft.com/office/drawing/2014/main" id="{53B6CFB0-CE28-D250-D962-9B41B1323206}"/>
+                  </a:ext>
+                </a:extLst>
+              </p:cNvPr>
+              <p:cNvSpPr/>
+              <p:nvPr/>
+            </p:nvSpPr>
+            <p:spPr>
+              <a:xfrm>
+                <a:off x="6409426" y="1313975"/>
+                <a:ext cx="1733910" cy="980651"/>
+              </a:xfrm>
+              <a:prstGeom prst="roundRect">
+                <a:avLst/>
+              </a:prstGeom>
+            </p:spPr>
+            <p:style>
+              <a:lnRef idx="2">
+                <a:schemeClr val="accent1">
+                  <a:shade val="50000"/>
+                </a:schemeClr>
+              </a:lnRef>
+              <a:fillRef idx="1">
+                <a:schemeClr val="accent1"/>
+              </a:fillRef>
+              <a:effectRef idx="0">
+                <a:schemeClr val="accent1"/>
+              </a:effectRef>
+              <a:fontRef idx="minor">
+                <a:schemeClr val="lt1"/>
+              </a:fontRef>
+            </p:style>
+            <p:txBody>
+              <a:bodyPr rtlCol="0" anchor="ctr"/>
+              <a:lstStyle/>
+              <a:p>
+                <a:pPr algn="ctr"/>
+                <a:endParaRPr lang="en-GB" dirty="0"/>
+              </a:p>
+            </p:txBody>
+          </p:sp>
+          <p:cxnSp>
+            <p:nvCxnSpPr>
+              <p:cNvPr id="27" name="Straight Connector 26">
+                <a:extLst>
+                  <a:ext uri="{FF2B5EF4-FFF2-40B4-BE49-F238E27FC236}">
+                    <a16:creationId xmlns:a16="http://schemas.microsoft.com/office/drawing/2014/main" id="{E9E89A4F-EEC3-BC71-BFC5-785EEDF263D8}"/>
+                  </a:ext>
+                </a:extLst>
+              </p:cNvPr>
+              <p:cNvCxnSpPr/>
+              <p:nvPr/>
+            </p:nvCxnSpPr>
+            <p:spPr>
+              <a:xfrm>
+                <a:off x="6409426" y="1566524"/>
+                <a:ext cx="1733910" cy="0"/>
+              </a:xfrm>
+              <a:prstGeom prst="line">
+                <a:avLst/>
+              </a:prstGeom>
+            </p:spPr>
+            <p:style>
+              <a:lnRef idx="1">
+                <a:schemeClr val="dk1"/>
+              </a:lnRef>
+              <a:fillRef idx="0">
+                <a:schemeClr val="dk1"/>
+              </a:fillRef>
+              <a:effectRef idx="0">
+                <a:schemeClr val="dk1"/>
+              </a:effectRef>
+              <a:fontRef idx="minor">
+                <a:schemeClr val="tx1"/>
+              </a:fontRef>
+            </p:style>
+          </p:cxnSp>
+          <p:cxnSp>
+            <p:nvCxnSpPr>
+              <p:cNvPr id="28" name="Straight Connector 27">
+                <a:extLst>
+                  <a:ext uri="{FF2B5EF4-FFF2-40B4-BE49-F238E27FC236}">
+                    <a16:creationId xmlns:a16="http://schemas.microsoft.com/office/drawing/2014/main" id="{9DB00274-1A3E-AF9D-9730-DB944EB5D9EE}"/>
+                  </a:ext>
+                </a:extLst>
+              </p:cNvPr>
+              <p:cNvCxnSpPr/>
+              <p:nvPr/>
+            </p:nvCxnSpPr>
+            <p:spPr>
+              <a:xfrm>
+                <a:off x="6409426" y="2012222"/>
+                <a:ext cx="1733910" cy="0"/>
+              </a:xfrm>
+              <a:prstGeom prst="line">
+                <a:avLst/>
+              </a:prstGeom>
+            </p:spPr>
+            <p:style>
+              <a:lnRef idx="1">
+                <a:schemeClr val="dk1"/>
+              </a:lnRef>
+              <a:fillRef idx="0">
+                <a:schemeClr val="dk1"/>
+              </a:fillRef>
+              <a:effectRef idx="0">
+                <a:schemeClr val="dk1"/>
+              </a:effectRef>
+              <a:fontRef idx="minor">
+                <a:schemeClr val="tx1"/>
+              </a:fontRef>
+            </p:style>
+          </p:cxnSp>
+          <p:cxnSp>
+            <p:nvCxnSpPr>
+              <p:cNvPr id="29" name="Straight Connector 28">
+                <a:extLst>
+                  <a:ext uri="{FF2B5EF4-FFF2-40B4-BE49-F238E27FC236}">
+                    <a16:creationId xmlns:a16="http://schemas.microsoft.com/office/drawing/2014/main" id="{61BB1903-5A4A-537A-6682-A48B26DEC8C7}"/>
+                  </a:ext>
+                </a:extLst>
+              </p:cNvPr>
+              <p:cNvCxnSpPr/>
+              <p:nvPr/>
+            </p:nvCxnSpPr>
+            <p:spPr>
+              <a:xfrm flipV="1">
+                <a:off x="6823494" y="1313975"/>
+                <a:ext cx="0" cy="252549"/>
+              </a:xfrm>
+              <a:prstGeom prst="line">
+                <a:avLst/>
+              </a:prstGeom>
+            </p:spPr>
+            <p:style>
+              <a:lnRef idx="1">
+                <a:schemeClr val="dk1"/>
+              </a:lnRef>
+              <a:fillRef idx="0">
+                <a:schemeClr val="dk1"/>
+              </a:fillRef>
+              <a:effectRef idx="0">
+                <a:schemeClr val="dk1"/>
+              </a:effectRef>
+              <a:fontRef idx="minor">
+                <a:schemeClr val="tx1"/>
+              </a:fontRef>
+            </p:style>
+          </p:cxnSp>
+          <p:sp>
+            <p:nvSpPr>
+              <p:cNvPr id="30" name="Rectangle 29">
+                <a:extLst>
+                  <a:ext uri="{FF2B5EF4-FFF2-40B4-BE49-F238E27FC236}">
+                    <a16:creationId xmlns:a16="http://schemas.microsoft.com/office/drawing/2014/main" id="{F9B7CE8C-1C06-85DB-CE25-4355140CA22C}"/>
+                  </a:ext>
+                </a:extLst>
+              </p:cNvPr>
+              <p:cNvSpPr/>
+              <p:nvPr/>
+            </p:nvSpPr>
+            <p:spPr>
+              <a:xfrm>
+                <a:off x="6409426" y="1566524"/>
+                <a:ext cx="1733910" cy="445686"/>
+              </a:xfrm>
+              <a:prstGeom prst="rect">
+                <a:avLst/>
+              </a:prstGeom>
+            </p:spPr>
+            <p:style>
+              <a:lnRef idx="2">
+                <a:schemeClr val="dk1"/>
+              </a:lnRef>
+              <a:fillRef idx="1">
+                <a:schemeClr val="lt1"/>
+              </a:fillRef>
+              <a:effectRef idx="0">
+                <a:schemeClr val="dk1"/>
+              </a:effectRef>
+              <a:fontRef idx="minor">
+                <a:schemeClr val="dk1"/>
+              </a:fontRef>
+            </p:style>
+            <p:txBody>
+              <a:bodyPr rtlCol="0" anchor="ctr"/>
+              <a:lstStyle/>
+              <a:p>
+                <a:pPr algn="ctr"/>
+                <a:endParaRPr lang="en-GB"/>
+              </a:p>
+            </p:txBody>
+          </p:sp>
+        </p:grpSp>
+        <p:sp>
+          <p:nvSpPr>
+            <p:cNvPr id="24" name="TextBox 23">
+              <a:extLst>
+                <a:ext uri="{FF2B5EF4-FFF2-40B4-BE49-F238E27FC236}">
+                  <a16:creationId xmlns:a16="http://schemas.microsoft.com/office/drawing/2014/main" id="{1E5FA81C-E366-BB21-1BDF-7DA139809E7C}"/>
+                </a:ext>
+              </a:extLst>
+            </p:cNvPr>
+            <p:cNvSpPr txBox="1"/>
+            <p:nvPr/>
+          </p:nvSpPr>
+          <p:spPr>
+            <a:xfrm>
+              <a:off x="5307869" y="2989652"/>
+              <a:ext cx="431528" cy="261610"/>
+            </a:xfrm>
+            <a:prstGeom prst="rect">
+              <a:avLst/>
+            </a:prstGeom>
+            <a:noFill/>
+          </p:spPr>
+          <p:txBody>
+            <a:bodyPr wrap="none" rtlCol="0">
+              <a:spAutoFit/>
+            </a:bodyPr>
+            <a:lstStyle/>
+            <a:p>
+              <a:r>
+                <a:rPr lang="en-GB" sz="1100" dirty="0">
+                  <a:solidFill>
+                    <a:schemeClr val="bg1"/>
+                  </a:solidFill>
+                </a:rPr>
+                <a:t>1 : 7</a:t>
+              </a:r>
+            </a:p>
+          </p:txBody>
+        </p:sp>
+        <p:sp>
+          <p:nvSpPr>
+            <p:cNvPr id="25" name="TextBox 24">
+              <a:extLst>
+                <a:ext uri="{FF2B5EF4-FFF2-40B4-BE49-F238E27FC236}">
+                  <a16:creationId xmlns:a16="http://schemas.microsoft.com/office/drawing/2014/main" id="{BAEE33CE-9002-DE88-F9EE-756EEA652653}"/>
+                </a:ext>
+              </a:extLst>
+            </p:cNvPr>
+            <p:cNvSpPr txBox="1"/>
+            <p:nvPr/>
+          </p:nvSpPr>
+          <p:spPr>
+            <a:xfrm>
+              <a:off x="5307874" y="3229779"/>
+              <a:ext cx="1576245" cy="253916"/>
+            </a:xfrm>
+            <a:prstGeom prst="rect">
+              <a:avLst/>
+            </a:prstGeom>
+            <a:noFill/>
+          </p:spPr>
+          <p:txBody>
+            <a:bodyPr wrap="square" lIns="91440" tIns="45720" rIns="91440" bIns="45720" rtlCol="0" anchor="t">
+              <a:spAutoFit/>
+            </a:bodyPr>
+            <a:lstStyle/>
+            <a:p>
+              <a:pPr algn="ctr"/>
+              <a:r>
+                <a:rPr lang="en-GB" sz="1050" dirty="0"/>
+                <a:t>Append Meal Record </a:t>
+              </a:r>
+            </a:p>
+          </p:txBody>
+        </p:sp>
+      </p:grpSp>
+      <p:grpSp>
+        <p:nvGrpSpPr>
+          <p:cNvPr id="40" name="Group 39">
+            <a:extLst>
+              <a:ext uri="{FF2B5EF4-FFF2-40B4-BE49-F238E27FC236}">
+                <a16:creationId xmlns:a16="http://schemas.microsoft.com/office/drawing/2014/main" id="{DEB9D163-BCCD-1FB6-8DFE-0EB3A0F3E258}"/>
+              </a:ext>
+            </a:extLst>
+          </p:cNvPr>
+          <p:cNvGrpSpPr/>
+          <p:nvPr/>
+        </p:nvGrpSpPr>
+        <p:grpSpPr>
+          <a:xfrm>
+            <a:off x="7251890" y="3775675"/>
+            <a:ext cx="1576255" cy="859231"/>
+            <a:chOff x="5307869" y="2989652"/>
+            <a:chExt cx="1576255" cy="859231"/>
+          </a:xfrm>
+        </p:grpSpPr>
+        <p:grpSp>
+          <p:nvGrpSpPr>
+            <p:cNvPr id="41" name="Group 40">
+              <a:extLst>
+                <a:ext uri="{FF2B5EF4-FFF2-40B4-BE49-F238E27FC236}">
+                  <a16:creationId xmlns:a16="http://schemas.microsoft.com/office/drawing/2014/main" id="{8B00D267-F68A-21C3-ACE5-91D21792822B}"/>
+                </a:ext>
+              </a:extLst>
+            </p:cNvPr>
+            <p:cNvGrpSpPr/>
+            <p:nvPr/>
+          </p:nvGrpSpPr>
+          <p:grpSpPr>
+            <a:xfrm>
+              <a:off x="5307874" y="3015037"/>
+              <a:ext cx="1576250" cy="833846"/>
+              <a:chOff x="6409426" y="1313975"/>
+              <a:chExt cx="1733910" cy="980651"/>
+            </a:xfrm>
+          </p:grpSpPr>
+          <p:sp>
+            <p:nvSpPr>
+              <p:cNvPr id="44" name="Rectangle: Rounded Corners 43">
+                <a:extLst>
+                  <a:ext uri="{FF2B5EF4-FFF2-40B4-BE49-F238E27FC236}">
+                    <a16:creationId xmlns:a16="http://schemas.microsoft.com/office/drawing/2014/main" id="{B7D65ADA-95F2-8E17-1FBF-366ABD7711BA}"/>
+                  </a:ext>
+                </a:extLst>
+              </p:cNvPr>
+              <p:cNvSpPr/>
+              <p:nvPr/>
+            </p:nvSpPr>
+            <p:spPr>
+              <a:xfrm>
+                <a:off x="6409426" y="1313975"/>
+                <a:ext cx="1733910" cy="980651"/>
+              </a:xfrm>
+              <a:prstGeom prst="roundRect">
+                <a:avLst/>
+              </a:prstGeom>
+            </p:spPr>
+            <p:style>
+              <a:lnRef idx="2">
+                <a:schemeClr val="accent1">
+                  <a:shade val="50000"/>
+                </a:schemeClr>
+              </a:lnRef>
+              <a:fillRef idx="1">
+                <a:schemeClr val="accent1"/>
+              </a:fillRef>
+              <a:effectRef idx="0">
+                <a:schemeClr val="accent1"/>
+              </a:effectRef>
+              <a:fontRef idx="minor">
+                <a:schemeClr val="lt1"/>
+              </a:fontRef>
+            </p:style>
+            <p:txBody>
+              <a:bodyPr rtlCol="0" anchor="ctr"/>
+              <a:lstStyle/>
+              <a:p>
+                <a:pPr algn="ctr"/>
+                <a:endParaRPr lang="en-GB" dirty="0"/>
+              </a:p>
+            </p:txBody>
+          </p:sp>
+          <p:cxnSp>
+            <p:nvCxnSpPr>
+              <p:cNvPr id="45" name="Straight Connector 44">
+                <a:extLst>
+                  <a:ext uri="{FF2B5EF4-FFF2-40B4-BE49-F238E27FC236}">
+                    <a16:creationId xmlns:a16="http://schemas.microsoft.com/office/drawing/2014/main" id="{08DE998F-E485-05BC-B38F-B52A900138FE}"/>
+                  </a:ext>
+                </a:extLst>
+              </p:cNvPr>
+              <p:cNvCxnSpPr/>
+              <p:nvPr/>
+            </p:nvCxnSpPr>
+            <p:spPr>
+              <a:xfrm>
+                <a:off x="6409426" y="1566524"/>
+                <a:ext cx="1733910" cy="0"/>
+              </a:xfrm>
+              <a:prstGeom prst="line">
+                <a:avLst/>
+              </a:prstGeom>
+            </p:spPr>
+            <p:style>
+              <a:lnRef idx="1">
+                <a:schemeClr val="dk1"/>
+              </a:lnRef>
+              <a:fillRef idx="0">
+                <a:schemeClr val="dk1"/>
+              </a:fillRef>
+              <a:effectRef idx="0">
+                <a:schemeClr val="dk1"/>
+              </a:effectRef>
+              <a:fontRef idx="minor">
+                <a:schemeClr val="tx1"/>
+              </a:fontRef>
+            </p:style>
+          </p:cxnSp>
+          <p:cxnSp>
+            <p:nvCxnSpPr>
+              <p:cNvPr id="46" name="Straight Connector 45">
+                <a:extLst>
+                  <a:ext uri="{FF2B5EF4-FFF2-40B4-BE49-F238E27FC236}">
+                    <a16:creationId xmlns:a16="http://schemas.microsoft.com/office/drawing/2014/main" id="{C608AB6B-74B1-8E96-A7A2-D3BA18798FE8}"/>
+                  </a:ext>
+                </a:extLst>
+              </p:cNvPr>
+              <p:cNvCxnSpPr/>
+              <p:nvPr/>
+            </p:nvCxnSpPr>
+            <p:spPr>
+              <a:xfrm>
+                <a:off x="6409426" y="2012222"/>
+                <a:ext cx="1733910" cy="0"/>
+              </a:xfrm>
+              <a:prstGeom prst="line">
+                <a:avLst/>
+              </a:prstGeom>
+            </p:spPr>
+            <p:style>
+              <a:lnRef idx="1">
+                <a:schemeClr val="dk1"/>
+              </a:lnRef>
+              <a:fillRef idx="0">
+                <a:schemeClr val="dk1"/>
+              </a:fillRef>
+              <a:effectRef idx="0">
+                <a:schemeClr val="dk1"/>
+              </a:effectRef>
+              <a:fontRef idx="minor">
+                <a:schemeClr val="tx1"/>
+              </a:fontRef>
+            </p:style>
+          </p:cxnSp>
+          <p:cxnSp>
+            <p:nvCxnSpPr>
+              <p:cNvPr id="47" name="Straight Connector 46">
+                <a:extLst>
+                  <a:ext uri="{FF2B5EF4-FFF2-40B4-BE49-F238E27FC236}">
+                    <a16:creationId xmlns:a16="http://schemas.microsoft.com/office/drawing/2014/main" id="{BD3853FE-C0DE-A8D5-284D-442B51C6AFC6}"/>
+                  </a:ext>
+                </a:extLst>
+              </p:cNvPr>
+              <p:cNvCxnSpPr/>
+              <p:nvPr/>
+            </p:nvCxnSpPr>
+            <p:spPr>
+              <a:xfrm flipV="1">
+                <a:off x="6823494" y="1313975"/>
+                <a:ext cx="0" cy="252549"/>
+              </a:xfrm>
+              <a:prstGeom prst="line">
+                <a:avLst/>
+              </a:prstGeom>
+            </p:spPr>
+            <p:style>
+              <a:lnRef idx="1">
+                <a:schemeClr val="dk1"/>
+              </a:lnRef>
+              <a:fillRef idx="0">
+                <a:schemeClr val="dk1"/>
+              </a:fillRef>
+              <a:effectRef idx="0">
+                <a:schemeClr val="dk1"/>
+              </a:effectRef>
+              <a:fontRef idx="minor">
+                <a:schemeClr val="tx1"/>
+              </a:fontRef>
+            </p:style>
+          </p:cxnSp>
+          <p:sp>
+            <p:nvSpPr>
+              <p:cNvPr id="48" name="Rectangle 47">
+                <a:extLst>
+                  <a:ext uri="{FF2B5EF4-FFF2-40B4-BE49-F238E27FC236}">
+                    <a16:creationId xmlns:a16="http://schemas.microsoft.com/office/drawing/2014/main" id="{69598BAA-0727-058D-78B8-5B4A3E2F62AE}"/>
+                  </a:ext>
+                </a:extLst>
+              </p:cNvPr>
+              <p:cNvSpPr/>
+              <p:nvPr/>
+            </p:nvSpPr>
+            <p:spPr>
+              <a:xfrm>
+                <a:off x="6409426" y="1566524"/>
+                <a:ext cx="1733910" cy="445686"/>
+              </a:xfrm>
+              <a:prstGeom prst="rect">
+                <a:avLst/>
+              </a:prstGeom>
+            </p:spPr>
+            <p:style>
+              <a:lnRef idx="2">
+                <a:schemeClr val="dk1"/>
+              </a:lnRef>
+              <a:fillRef idx="1">
+                <a:schemeClr val="lt1"/>
+              </a:fillRef>
+              <a:effectRef idx="0">
+                <a:schemeClr val="dk1"/>
+              </a:effectRef>
+              <a:fontRef idx="minor">
+                <a:schemeClr val="dk1"/>
+              </a:fontRef>
+            </p:style>
+            <p:txBody>
+              <a:bodyPr rtlCol="0" anchor="ctr"/>
+              <a:lstStyle/>
+              <a:p>
+                <a:pPr algn="ctr"/>
+                <a:endParaRPr lang="en-GB"/>
+              </a:p>
+            </p:txBody>
+          </p:sp>
+        </p:grpSp>
+        <p:sp>
+          <p:nvSpPr>
+            <p:cNvPr id="42" name="TextBox 41">
+              <a:extLst>
+                <a:ext uri="{FF2B5EF4-FFF2-40B4-BE49-F238E27FC236}">
+                  <a16:creationId xmlns:a16="http://schemas.microsoft.com/office/drawing/2014/main" id="{D40A3D0E-7118-C8D1-ABAE-5F765B814A28}"/>
+                </a:ext>
+              </a:extLst>
+            </p:cNvPr>
+            <p:cNvSpPr txBox="1"/>
+            <p:nvPr/>
+          </p:nvSpPr>
+          <p:spPr>
+            <a:xfrm>
+              <a:off x="5307869" y="2989652"/>
+              <a:ext cx="431528" cy="261610"/>
+            </a:xfrm>
+            <a:prstGeom prst="rect">
+              <a:avLst/>
+            </a:prstGeom>
+            <a:noFill/>
+          </p:spPr>
+          <p:txBody>
+            <a:bodyPr wrap="none" rtlCol="0">
+              <a:spAutoFit/>
+            </a:bodyPr>
+            <a:lstStyle/>
+            <a:p>
+              <a:r>
+                <a:rPr lang="en-GB" sz="1100" dirty="0">
+                  <a:solidFill>
+                    <a:schemeClr val="bg1"/>
+                  </a:solidFill>
+                </a:rPr>
+                <a:t>1 : 6</a:t>
+              </a:r>
+            </a:p>
+          </p:txBody>
+        </p:sp>
+        <p:sp>
+          <p:nvSpPr>
+            <p:cNvPr id="43" name="TextBox 42">
+              <a:extLst>
+                <a:ext uri="{FF2B5EF4-FFF2-40B4-BE49-F238E27FC236}">
+                  <a16:creationId xmlns:a16="http://schemas.microsoft.com/office/drawing/2014/main" id="{F1B5B20A-70DC-7D49-06A4-E560FD377E89}"/>
+                </a:ext>
+              </a:extLst>
+            </p:cNvPr>
+            <p:cNvSpPr txBox="1"/>
+            <p:nvPr/>
+          </p:nvSpPr>
+          <p:spPr>
+            <a:xfrm>
+              <a:off x="5307874" y="3229779"/>
+              <a:ext cx="1576245" cy="253916"/>
+            </a:xfrm>
+            <a:prstGeom prst="rect">
+              <a:avLst/>
+            </a:prstGeom>
+            <a:noFill/>
+          </p:spPr>
+          <p:txBody>
+            <a:bodyPr wrap="square" lIns="91440" tIns="45720" rIns="91440" bIns="45720" rtlCol="0" anchor="t">
+              <a:spAutoFit/>
+            </a:bodyPr>
+            <a:lstStyle/>
+            <a:p>
+              <a:pPr algn="ctr"/>
+              <a:r>
+                <a:rPr lang="en-GB" sz="1050" dirty="0"/>
+                <a:t>Append Payment Record </a:t>
+              </a:r>
+            </a:p>
+          </p:txBody>
+        </p:sp>
+      </p:grpSp>
+      <p:grpSp>
+        <p:nvGrpSpPr>
+          <p:cNvPr id="50" name="Group 49">
+            <a:extLst>
+              <a:ext uri="{FF2B5EF4-FFF2-40B4-BE49-F238E27FC236}">
+                <a16:creationId xmlns:a16="http://schemas.microsoft.com/office/drawing/2014/main" id="{2D7E9B6C-A50F-0287-5D61-80D683D49041}"/>
+              </a:ext>
+            </a:extLst>
+          </p:cNvPr>
+          <p:cNvGrpSpPr/>
+          <p:nvPr/>
+        </p:nvGrpSpPr>
+        <p:grpSpPr>
+          <a:xfrm>
+            <a:off x="7265678" y="2696453"/>
+            <a:ext cx="1576255" cy="859231"/>
+            <a:chOff x="5307869" y="2989652"/>
+            <a:chExt cx="1576255" cy="859231"/>
+          </a:xfrm>
+        </p:grpSpPr>
+        <p:grpSp>
+          <p:nvGrpSpPr>
+            <p:cNvPr id="51" name="Group 50">
+              <a:extLst>
+                <a:ext uri="{FF2B5EF4-FFF2-40B4-BE49-F238E27FC236}">
+                  <a16:creationId xmlns:a16="http://schemas.microsoft.com/office/drawing/2014/main" id="{1A314BCE-6FDD-12A5-B15E-39C002F9CEDA}"/>
+                </a:ext>
+              </a:extLst>
+            </p:cNvPr>
+            <p:cNvGrpSpPr/>
+            <p:nvPr/>
+          </p:nvGrpSpPr>
+          <p:grpSpPr>
+            <a:xfrm>
+              <a:off x="5307874" y="3015037"/>
+              <a:ext cx="1576250" cy="833846"/>
+              <a:chOff x="6409426" y="1313975"/>
+              <a:chExt cx="1733910" cy="980651"/>
+            </a:xfrm>
+          </p:grpSpPr>
+          <p:sp>
+            <p:nvSpPr>
+              <p:cNvPr id="54" name="Rectangle: Rounded Corners 53">
+                <a:extLst>
+                  <a:ext uri="{FF2B5EF4-FFF2-40B4-BE49-F238E27FC236}">
+                    <a16:creationId xmlns:a16="http://schemas.microsoft.com/office/drawing/2014/main" id="{988F98B8-BAB7-5CAB-DEDD-DBCF28058603}"/>
+                  </a:ext>
+                </a:extLst>
+              </p:cNvPr>
+              <p:cNvSpPr/>
+              <p:nvPr/>
+            </p:nvSpPr>
+            <p:spPr>
+              <a:xfrm>
+                <a:off x="6409426" y="1313975"/>
+                <a:ext cx="1733910" cy="980651"/>
+              </a:xfrm>
+              <a:prstGeom prst="roundRect">
+                <a:avLst/>
+              </a:prstGeom>
+            </p:spPr>
+            <p:style>
+              <a:lnRef idx="2">
+                <a:schemeClr val="accent1">
+                  <a:shade val="50000"/>
+                </a:schemeClr>
+              </a:lnRef>
+              <a:fillRef idx="1">
+                <a:schemeClr val="accent1"/>
+              </a:fillRef>
+              <a:effectRef idx="0">
+                <a:schemeClr val="accent1"/>
+              </a:effectRef>
+              <a:fontRef idx="minor">
+                <a:schemeClr val="lt1"/>
+              </a:fontRef>
+            </p:style>
+            <p:txBody>
+              <a:bodyPr rtlCol="0" anchor="ctr"/>
+              <a:lstStyle/>
+              <a:p>
+                <a:pPr algn="ctr"/>
+                <a:endParaRPr lang="en-GB" dirty="0"/>
+              </a:p>
+            </p:txBody>
+          </p:sp>
+          <p:cxnSp>
+            <p:nvCxnSpPr>
+              <p:cNvPr id="55" name="Straight Connector 54">
+                <a:extLst>
+                  <a:ext uri="{FF2B5EF4-FFF2-40B4-BE49-F238E27FC236}">
+                    <a16:creationId xmlns:a16="http://schemas.microsoft.com/office/drawing/2014/main" id="{3DAD3A47-EF80-8A1D-BD7B-5A7028F6F021}"/>
+                  </a:ext>
+                </a:extLst>
+              </p:cNvPr>
+              <p:cNvCxnSpPr/>
+              <p:nvPr/>
+            </p:nvCxnSpPr>
+            <p:spPr>
+              <a:xfrm>
+                <a:off x="6409426" y="1566524"/>
+                <a:ext cx="1733910" cy="0"/>
+              </a:xfrm>
+              <a:prstGeom prst="line">
+                <a:avLst/>
+              </a:prstGeom>
+            </p:spPr>
+            <p:style>
+              <a:lnRef idx="1">
+                <a:schemeClr val="dk1"/>
+              </a:lnRef>
+              <a:fillRef idx="0">
+                <a:schemeClr val="dk1"/>
+              </a:fillRef>
+              <a:effectRef idx="0">
+                <a:schemeClr val="dk1"/>
+              </a:effectRef>
+              <a:fontRef idx="minor">
+                <a:schemeClr val="tx1"/>
+              </a:fontRef>
+            </p:style>
+          </p:cxnSp>
+          <p:cxnSp>
+            <p:nvCxnSpPr>
+              <p:cNvPr id="56" name="Straight Connector 55">
+                <a:extLst>
+                  <a:ext uri="{FF2B5EF4-FFF2-40B4-BE49-F238E27FC236}">
+                    <a16:creationId xmlns:a16="http://schemas.microsoft.com/office/drawing/2014/main" id="{DC8BAA18-4C3C-CC56-5404-C4D6CDBE8664}"/>
+                  </a:ext>
+                </a:extLst>
+              </p:cNvPr>
+              <p:cNvCxnSpPr/>
+              <p:nvPr/>
+            </p:nvCxnSpPr>
+            <p:spPr>
+              <a:xfrm>
+                <a:off x="6409426" y="2012222"/>
+                <a:ext cx="1733910" cy="0"/>
+              </a:xfrm>
+              <a:prstGeom prst="line">
+                <a:avLst/>
+              </a:prstGeom>
+            </p:spPr>
+            <p:style>
+              <a:lnRef idx="1">
+                <a:schemeClr val="dk1"/>
+              </a:lnRef>
+              <a:fillRef idx="0">
+                <a:schemeClr val="dk1"/>
+              </a:fillRef>
+              <a:effectRef idx="0">
+                <a:schemeClr val="dk1"/>
+              </a:effectRef>
+              <a:fontRef idx="minor">
+                <a:schemeClr val="tx1"/>
+              </a:fontRef>
+            </p:style>
+          </p:cxnSp>
+          <p:cxnSp>
+            <p:nvCxnSpPr>
+              <p:cNvPr id="57" name="Straight Connector 56">
+                <a:extLst>
+                  <a:ext uri="{FF2B5EF4-FFF2-40B4-BE49-F238E27FC236}">
+                    <a16:creationId xmlns:a16="http://schemas.microsoft.com/office/drawing/2014/main" id="{421A4CB2-BAF2-B260-3342-E0C94B779710}"/>
+                  </a:ext>
+                </a:extLst>
+              </p:cNvPr>
+              <p:cNvCxnSpPr/>
+              <p:nvPr/>
+            </p:nvCxnSpPr>
+            <p:spPr>
+              <a:xfrm flipV="1">
+                <a:off x="6823494" y="1313975"/>
+                <a:ext cx="0" cy="252549"/>
+              </a:xfrm>
+              <a:prstGeom prst="line">
+                <a:avLst/>
+              </a:prstGeom>
+            </p:spPr>
+            <p:style>
+              <a:lnRef idx="1">
+                <a:schemeClr val="dk1"/>
+              </a:lnRef>
+              <a:fillRef idx="0">
+                <a:schemeClr val="dk1"/>
+              </a:fillRef>
+              <a:effectRef idx="0">
+                <a:schemeClr val="dk1"/>
+              </a:effectRef>
+              <a:fontRef idx="minor">
+                <a:schemeClr val="tx1"/>
+              </a:fontRef>
+            </p:style>
+          </p:cxnSp>
+          <p:sp>
+            <p:nvSpPr>
+              <p:cNvPr id="58" name="Rectangle 57">
+                <a:extLst>
+                  <a:ext uri="{FF2B5EF4-FFF2-40B4-BE49-F238E27FC236}">
+                    <a16:creationId xmlns:a16="http://schemas.microsoft.com/office/drawing/2014/main" id="{166057B6-3FA3-036C-AF73-B56039757EA5}"/>
+                  </a:ext>
+                </a:extLst>
+              </p:cNvPr>
+              <p:cNvSpPr/>
+              <p:nvPr/>
+            </p:nvSpPr>
+            <p:spPr>
+              <a:xfrm>
+                <a:off x="6409426" y="1566524"/>
+                <a:ext cx="1733910" cy="445686"/>
+              </a:xfrm>
+              <a:prstGeom prst="rect">
+                <a:avLst/>
+              </a:prstGeom>
+            </p:spPr>
+            <p:style>
+              <a:lnRef idx="2">
+                <a:schemeClr val="dk1"/>
+              </a:lnRef>
+              <a:fillRef idx="1">
+                <a:schemeClr val="lt1"/>
+              </a:fillRef>
+              <a:effectRef idx="0">
+                <a:schemeClr val="dk1"/>
+              </a:effectRef>
+              <a:fontRef idx="minor">
+                <a:schemeClr val="dk1"/>
+              </a:fontRef>
+            </p:style>
+            <p:txBody>
+              <a:bodyPr rtlCol="0" anchor="ctr"/>
+              <a:lstStyle/>
+              <a:p>
+                <a:pPr algn="ctr"/>
+                <a:endParaRPr lang="en-GB"/>
+              </a:p>
+            </p:txBody>
+          </p:sp>
+        </p:grpSp>
+        <p:sp>
+          <p:nvSpPr>
+            <p:cNvPr id="52" name="TextBox 51">
+              <a:extLst>
+                <a:ext uri="{FF2B5EF4-FFF2-40B4-BE49-F238E27FC236}">
+                  <a16:creationId xmlns:a16="http://schemas.microsoft.com/office/drawing/2014/main" id="{30148C75-3FCF-3D73-4AA9-65FDA507AA72}"/>
+                </a:ext>
+              </a:extLst>
+            </p:cNvPr>
+            <p:cNvSpPr txBox="1"/>
+            <p:nvPr/>
+          </p:nvSpPr>
+          <p:spPr>
+            <a:xfrm>
+              <a:off x="5307869" y="2989652"/>
+              <a:ext cx="431528" cy="261610"/>
+            </a:xfrm>
+            <a:prstGeom prst="rect">
+              <a:avLst/>
+            </a:prstGeom>
+            <a:noFill/>
+          </p:spPr>
+          <p:txBody>
+            <a:bodyPr wrap="none" rtlCol="0">
+              <a:spAutoFit/>
+            </a:bodyPr>
+            <a:lstStyle/>
+            <a:p>
+              <a:r>
+                <a:rPr lang="en-GB" sz="1100" dirty="0">
+                  <a:solidFill>
+                    <a:schemeClr val="bg1"/>
+                  </a:solidFill>
+                </a:rPr>
+                <a:t>1 : 5</a:t>
+              </a:r>
+            </a:p>
+          </p:txBody>
+        </p:sp>
+        <p:sp>
+          <p:nvSpPr>
+            <p:cNvPr id="53" name="TextBox 52">
+              <a:extLst>
+                <a:ext uri="{FF2B5EF4-FFF2-40B4-BE49-F238E27FC236}">
+                  <a16:creationId xmlns:a16="http://schemas.microsoft.com/office/drawing/2014/main" id="{939C5D02-BD04-E909-11D8-8699688EC698}"/>
+                </a:ext>
+              </a:extLst>
+            </p:cNvPr>
+            <p:cNvSpPr txBox="1"/>
+            <p:nvPr/>
+          </p:nvSpPr>
+          <p:spPr>
+            <a:xfrm>
+              <a:off x="5307874" y="3229779"/>
+              <a:ext cx="1576245" cy="253916"/>
+            </a:xfrm>
+            <a:prstGeom prst="rect">
+              <a:avLst/>
+            </a:prstGeom>
+            <a:noFill/>
+          </p:spPr>
+          <p:txBody>
+            <a:bodyPr wrap="square" lIns="91440" tIns="45720" rIns="91440" bIns="45720" rtlCol="0" anchor="t">
+              <a:spAutoFit/>
+            </a:bodyPr>
+            <a:lstStyle/>
+            <a:p>
+              <a:pPr algn="ctr"/>
+              <a:r>
+                <a:rPr lang="en-GB" sz="1050" dirty="0"/>
+                <a:t>Append Room Record </a:t>
+              </a:r>
+            </a:p>
+          </p:txBody>
+        </p:sp>
+      </p:grpSp>
+      <p:sp>
+        <p:nvSpPr>
+          <p:cNvPr id="68" name="Rectangle 67">
+            <a:extLst>
+              <a:ext uri="{FF2B5EF4-FFF2-40B4-BE49-F238E27FC236}">
+                <a16:creationId xmlns:a16="http://schemas.microsoft.com/office/drawing/2014/main" id="{A5ECF74C-C190-6859-AA87-D6489CB96896}"/>
+              </a:ext>
+            </a:extLst>
+          </p:cNvPr>
+          <p:cNvSpPr/>
+          <p:nvPr/>
+        </p:nvSpPr>
+        <p:spPr>
+          <a:xfrm>
+            <a:off x="4301536" y="1096323"/>
+            <a:ext cx="1463040" cy="505097"/>
+          </a:xfrm>
+          <a:prstGeom prst="rect">
+            <a:avLst/>
+          </a:prstGeom>
+        </p:spPr>
+        <p:style>
+          <a:lnRef idx="2">
+            <a:schemeClr val="accent1">
+              <a:shade val="50000"/>
+            </a:schemeClr>
+          </a:lnRef>
+          <a:fillRef idx="1">
+            <a:schemeClr val="accent1"/>
+          </a:fillRef>
+          <a:effectRef idx="0">
+            <a:schemeClr val="accent1"/>
+          </a:effectRef>
+          <a:fontRef idx="minor">
+            <a:schemeClr val="lt1"/>
+          </a:fontRef>
+        </p:style>
+        <p:txBody>
+          <a:bodyPr rtlCol="0" anchor="ctr"/>
+          <a:lstStyle/>
+          <a:p>
+            <a:pPr algn="ctr"/>
+            <a:r>
+              <a:rPr lang="en-GB" sz="1400" dirty="0"/>
+              <a:t>Data</a:t>
+            </a:r>
+          </a:p>
+        </p:txBody>
+      </p:sp>
+      <p:grpSp>
+        <p:nvGrpSpPr>
+          <p:cNvPr id="69" name="Group 68">
+            <a:extLst>
+              <a:ext uri="{FF2B5EF4-FFF2-40B4-BE49-F238E27FC236}">
+                <a16:creationId xmlns:a16="http://schemas.microsoft.com/office/drawing/2014/main" id="{24CD9709-8D45-0691-7654-57E35DC3B9D3}"/>
+              </a:ext>
+            </a:extLst>
+          </p:cNvPr>
+          <p:cNvGrpSpPr/>
+          <p:nvPr/>
+        </p:nvGrpSpPr>
+        <p:grpSpPr>
+          <a:xfrm>
+            <a:off x="10361721" y="2129060"/>
+            <a:ext cx="1615895" cy="577386"/>
+            <a:chOff x="8505645" y="1579216"/>
+            <a:chExt cx="1615895" cy="577386"/>
+          </a:xfrm>
+        </p:grpSpPr>
+        <p:grpSp>
+          <p:nvGrpSpPr>
+            <p:cNvPr id="70" name="Group 69">
+              <a:extLst>
+                <a:ext uri="{FF2B5EF4-FFF2-40B4-BE49-F238E27FC236}">
+                  <a16:creationId xmlns:a16="http://schemas.microsoft.com/office/drawing/2014/main" id="{C93AF35E-D65C-3BD2-19B5-338C9938A4DB}"/>
+                </a:ext>
+              </a:extLst>
+            </p:cNvPr>
+            <p:cNvGrpSpPr/>
+            <p:nvPr/>
+          </p:nvGrpSpPr>
+          <p:grpSpPr>
+            <a:xfrm>
+              <a:off x="8505645" y="1579216"/>
+              <a:ext cx="1576250" cy="577386"/>
+              <a:chOff x="8505645" y="1579216"/>
+              <a:chExt cx="1576250" cy="577386"/>
+            </a:xfrm>
+          </p:grpSpPr>
+          <p:sp>
+            <p:nvSpPr>
+              <p:cNvPr id="72" name="Rectangle 71">
+                <a:extLst>
+                  <a:ext uri="{FF2B5EF4-FFF2-40B4-BE49-F238E27FC236}">
+                    <a16:creationId xmlns:a16="http://schemas.microsoft.com/office/drawing/2014/main" id="{5132E63D-517F-A6F0-891F-6EDB5F7EB30F}"/>
+                  </a:ext>
+                </a:extLst>
+              </p:cNvPr>
+              <p:cNvSpPr/>
+              <p:nvPr/>
+            </p:nvSpPr>
+            <p:spPr>
+              <a:xfrm>
+                <a:off x="8505645" y="1579216"/>
+                <a:ext cx="1576250" cy="577386"/>
+              </a:xfrm>
+              <a:prstGeom prst="rect">
+                <a:avLst/>
+              </a:prstGeom>
+            </p:spPr>
+            <p:style>
+              <a:lnRef idx="2">
+                <a:schemeClr val="accent1">
+                  <a:shade val="50000"/>
+                </a:schemeClr>
+              </a:lnRef>
+              <a:fillRef idx="1">
+                <a:schemeClr val="accent1"/>
+              </a:fillRef>
+              <a:effectRef idx="0">
+                <a:schemeClr val="accent1"/>
+              </a:effectRef>
+              <a:fontRef idx="minor">
+                <a:schemeClr val="lt1"/>
+              </a:fontRef>
+            </p:style>
+            <p:txBody>
+              <a:bodyPr rtlCol="0" anchor="ctr"/>
+              <a:lstStyle/>
+              <a:p>
+                <a:pPr algn="ctr"/>
+                <a:endParaRPr lang="en-GB" dirty="0"/>
+              </a:p>
+            </p:txBody>
+          </p:sp>
+          <p:sp>
+            <p:nvSpPr>
+              <p:cNvPr id="73" name="Rectangle 72">
+                <a:extLst>
+                  <a:ext uri="{FF2B5EF4-FFF2-40B4-BE49-F238E27FC236}">
+                    <a16:creationId xmlns:a16="http://schemas.microsoft.com/office/drawing/2014/main" id="{8ACA090C-D6CA-6EF2-971C-3DEEFAA71588}"/>
+                  </a:ext>
+                </a:extLst>
+              </p:cNvPr>
+              <p:cNvSpPr/>
+              <p:nvPr/>
+            </p:nvSpPr>
+            <p:spPr>
+              <a:xfrm>
+                <a:off x="8505645" y="1579216"/>
+                <a:ext cx="467553" cy="577386"/>
+              </a:xfrm>
+              <a:prstGeom prst="rect">
+                <a:avLst/>
+              </a:prstGeom>
+            </p:spPr>
+            <p:style>
+              <a:lnRef idx="1">
+                <a:schemeClr val="dk1"/>
+              </a:lnRef>
+              <a:fillRef idx="2">
+                <a:schemeClr val="dk1"/>
+              </a:fillRef>
+              <a:effectRef idx="1">
+                <a:schemeClr val="dk1"/>
+              </a:effectRef>
+              <a:fontRef idx="minor">
+                <a:schemeClr val="dk1"/>
+              </a:fontRef>
+            </p:style>
+            <p:txBody>
+              <a:bodyPr rtlCol="0" anchor="ctr"/>
+              <a:lstStyle/>
+              <a:p>
+                <a:pPr algn="ctr"/>
+                <a:endParaRPr lang="en-GB"/>
+              </a:p>
+            </p:txBody>
+          </p:sp>
+          <p:sp>
+            <p:nvSpPr>
+              <p:cNvPr id="74" name="TextBox 73">
+                <a:extLst>
+                  <a:ext uri="{FF2B5EF4-FFF2-40B4-BE49-F238E27FC236}">
+                    <a16:creationId xmlns:a16="http://schemas.microsoft.com/office/drawing/2014/main" id="{0E4D0C30-20C0-DAEA-840F-5187EB62C262}"/>
+                  </a:ext>
+                </a:extLst>
+              </p:cNvPr>
+              <p:cNvSpPr txBox="1"/>
+              <p:nvPr/>
+            </p:nvSpPr>
+            <p:spPr>
+              <a:xfrm>
+                <a:off x="8607370" y="1593651"/>
+                <a:ext cx="386644" cy="307777"/>
+              </a:xfrm>
+              <a:prstGeom prst="rect">
+                <a:avLst/>
+              </a:prstGeom>
+              <a:noFill/>
+            </p:spPr>
+            <p:txBody>
+              <a:bodyPr wrap="none" rtlCol="0">
+                <a:spAutoFit/>
+              </a:bodyPr>
+              <a:lstStyle/>
+              <a:p>
+                <a:r>
+                  <a:rPr lang="en-GB" sz="1400" dirty="0"/>
+                  <a:t>D2</a:t>
+                </a:r>
+              </a:p>
+            </p:txBody>
+          </p:sp>
+        </p:grpSp>
+        <p:sp>
+          <p:nvSpPr>
+            <p:cNvPr id="71" name="TextBox 70">
+              <a:extLst>
+                <a:ext uri="{FF2B5EF4-FFF2-40B4-BE49-F238E27FC236}">
+                  <a16:creationId xmlns:a16="http://schemas.microsoft.com/office/drawing/2014/main" id="{DF6E681B-C387-832A-59AA-34D5179D9DD5}"/>
+                </a:ext>
+              </a:extLst>
+            </p:cNvPr>
+            <p:cNvSpPr txBox="1"/>
+            <p:nvPr/>
+          </p:nvSpPr>
+          <p:spPr>
+            <a:xfrm>
+              <a:off x="8973198" y="1693679"/>
+              <a:ext cx="1148342" cy="230832"/>
+            </a:xfrm>
+            <a:prstGeom prst="rect">
+              <a:avLst/>
+            </a:prstGeom>
+            <a:noFill/>
+          </p:spPr>
+          <p:txBody>
+            <a:bodyPr wrap="square" lIns="91440" tIns="45720" rIns="91440" bIns="45720" rtlCol="0" anchor="t">
+              <a:spAutoFit/>
+            </a:bodyPr>
+            <a:lstStyle/>
+            <a:p>
+              <a:pPr algn="ctr"/>
+              <a:r>
+                <a:rPr lang="en-GB" sz="900" dirty="0">
+                  <a:solidFill>
+                    <a:schemeClr val="bg1"/>
+                  </a:solidFill>
+                  <a:cs typeface="Calibri"/>
+                </a:rPr>
+                <a:t>Booking Records</a:t>
+              </a:r>
+            </a:p>
+          </p:txBody>
+        </p:sp>
+      </p:grpSp>
+      <p:grpSp>
+        <p:nvGrpSpPr>
+          <p:cNvPr id="75" name="Group 74">
+            <a:extLst>
+              <a:ext uri="{FF2B5EF4-FFF2-40B4-BE49-F238E27FC236}">
+                <a16:creationId xmlns:a16="http://schemas.microsoft.com/office/drawing/2014/main" id="{3F552051-1456-7C3E-4F10-1DE68C05E958}"/>
+              </a:ext>
+            </a:extLst>
+          </p:cNvPr>
+          <p:cNvGrpSpPr/>
+          <p:nvPr/>
+        </p:nvGrpSpPr>
+        <p:grpSpPr>
+          <a:xfrm>
+            <a:off x="10361721" y="1327164"/>
+            <a:ext cx="1615895" cy="577386"/>
+            <a:chOff x="8505645" y="1579216"/>
+            <a:chExt cx="1615895" cy="577386"/>
+          </a:xfrm>
+        </p:grpSpPr>
+        <p:grpSp>
+          <p:nvGrpSpPr>
+            <p:cNvPr id="76" name="Group 75">
+              <a:extLst>
+                <a:ext uri="{FF2B5EF4-FFF2-40B4-BE49-F238E27FC236}">
+                  <a16:creationId xmlns:a16="http://schemas.microsoft.com/office/drawing/2014/main" id="{D41E2D84-B617-43DF-801B-2BD94CBA651D}"/>
+                </a:ext>
+              </a:extLst>
+            </p:cNvPr>
+            <p:cNvGrpSpPr/>
+            <p:nvPr/>
+          </p:nvGrpSpPr>
+          <p:grpSpPr>
+            <a:xfrm>
+              <a:off x="8505645" y="1579216"/>
+              <a:ext cx="1576250" cy="577386"/>
+              <a:chOff x="8505645" y="1579216"/>
+              <a:chExt cx="1576250" cy="577386"/>
+            </a:xfrm>
+          </p:grpSpPr>
+          <p:sp>
+            <p:nvSpPr>
+              <p:cNvPr id="78" name="Rectangle 77">
+                <a:extLst>
+                  <a:ext uri="{FF2B5EF4-FFF2-40B4-BE49-F238E27FC236}">
+                    <a16:creationId xmlns:a16="http://schemas.microsoft.com/office/drawing/2014/main" id="{A972FBDF-E726-1A62-5D77-DC71E570B649}"/>
+                  </a:ext>
+                </a:extLst>
+              </p:cNvPr>
+              <p:cNvSpPr/>
+              <p:nvPr/>
+            </p:nvSpPr>
+            <p:spPr>
+              <a:xfrm>
+                <a:off x="8505645" y="1579216"/>
+                <a:ext cx="1576250" cy="577386"/>
+              </a:xfrm>
+              <a:prstGeom prst="rect">
+                <a:avLst/>
+              </a:prstGeom>
+            </p:spPr>
+            <p:style>
+              <a:lnRef idx="2">
+                <a:schemeClr val="accent1">
+                  <a:shade val="50000"/>
+                </a:schemeClr>
+              </a:lnRef>
+              <a:fillRef idx="1">
+                <a:schemeClr val="accent1"/>
+              </a:fillRef>
+              <a:effectRef idx="0">
+                <a:schemeClr val="accent1"/>
+              </a:effectRef>
+              <a:fontRef idx="minor">
+                <a:schemeClr val="lt1"/>
+              </a:fontRef>
+            </p:style>
+            <p:txBody>
+              <a:bodyPr rtlCol="0" anchor="ctr"/>
+              <a:lstStyle/>
+              <a:p>
+                <a:pPr algn="ctr"/>
+                <a:endParaRPr lang="en-GB" dirty="0"/>
+              </a:p>
+            </p:txBody>
+          </p:sp>
+          <p:sp>
+            <p:nvSpPr>
+              <p:cNvPr id="79" name="Rectangle 78">
+                <a:extLst>
+                  <a:ext uri="{FF2B5EF4-FFF2-40B4-BE49-F238E27FC236}">
+                    <a16:creationId xmlns:a16="http://schemas.microsoft.com/office/drawing/2014/main" id="{A87F585A-081E-15C4-9E5D-02CFB0C8F933}"/>
+                  </a:ext>
+                </a:extLst>
+              </p:cNvPr>
+              <p:cNvSpPr/>
+              <p:nvPr/>
+            </p:nvSpPr>
+            <p:spPr>
+              <a:xfrm>
+                <a:off x="8505645" y="1579216"/>
+                <a:ext cx="467553" cy="577386"/>
+              </a:xfrm>
+              <a:prstGeom prst="rect">
+                <a:avLst/>
+              </a:prstGeom>
+            </p:spPr>
+            <p:style>
+              <a:lnRef idx="1">
+                <a:schemeClr val="dk1"/>
+              </a:lnRef>
+              <a:fillRef idx="2">
+                <a:schemeClr val="dk1"/>
+              </a:fillRef>
+              <a:effectRef idx="1">
+                <a:schemeClr val="dk1"/>
+              </a:effectRef>
+              <a:fontRef idx="minor">
+                <a:schemeClr val="dk1"/>
+              </a:fontRef>
+            </p:style>
+            <p:txBody>
+              <a:bodyPr rtlCol="0" anchor="ctr"/>
+              <a:lstStyle/>
+              <a:p>
+                <a:pPr algn="ctr"/>
+                <a:endParaRPr lang="en-GB"/>
+              </a:p>
+            </p:txBody>
+          </p:sp>
+          <p:sp>
+            <p:nvSpPr>
+              <p:cNvPr id="80" name="TextBox 79">
+                <a:extLst>
+                  <a:ext uri="{FF2B5EF4-FFF2-40B4-BE49-F238E27FC236}">
+                    <a16:creationId xmlns:a16="http://schemas.microsoft.com/office/drawing/2014/main" id="{0DB7B383-3F78-9C61-FE9F-55E8E2CAAC78}"/>
+                  </a:ext>
+                </a:extLst>
+              </p:cNvPr>
+              <p:cNvSpPr txBox="1"/>
+              <p:nvPr/>
+            </p:nvSpPr>
+            <p:spPr>
+              <a:xfrm>
+                <a:off x="8607370" y="1593651"/>
+                <a:ext cx="386644" cy="307777"/>
+              </a:xfrm>
+              <a:prstGeom prst="rect">
+                <a:avLst/>
+              </a:prstGeom>
+              <a:noFill/>
+            </p:spPr>
+            <p:txBody>
+              <a:bodyPr wrap="none" rtlCol="0">
+                <a:spAutoFit/>
+              </a:bodyPr>
+              <a:lstStyle/>
+              <a:p>
+                <a:r>
+                  <a:rPr lang="en-GB" sz="1400" dirty="0"/>
+                  <a:t>D1</a:t>
+                </a:r>
+              </a:p>
+            </p:txBody>
+          </p:sp>
+        </p:grpSp>
+        <p:sp>
+          <p:nvSpPr>
+            <p:cNvPr id="77" name="TextBox 76">
+              <a:extLst>
+                <a:ext uri="{FF2B5EF4-FFF2-40B4-BE49-F238E27FC236}">
+                  <a16:creationId xmlns:a16="http://schemas.microsoft.com/office/drawing/2014/main" id="{F68FB5EB-B881-C5B4-07ED-3FBCF67E9051}"/>
+                </a:ext>
+              </a:extLst>
+            </p:cNvPr>
+            <p:cNvSpPr txBox="1"/>
+            <p:nvPr/>
+          </p:nvSpPr>
+          <p:spPr>
+            <a:xfrm>
+              <a:off x="8973198" y="1693679"/>
+              <a:ext cx="1148342" cy="230832"/>
+            </a:xfrm>
+            <a:prstGeom prst="rect">
+              <a:avLst/>
+            </a:prstGeom>
+            <a:noFill/>
+          </p:spPr>
+          <p:txBody>
+            <a:bodyPr wrap="square" lIns="91440" tIns="45720" rIns="91440" bIns="45720" rtlCol="0" anchor="t">
+              <a:spAutoFit/>
+            </a:bodyPr>
+            <a:lstStyle/>
+            <a:p>
+              <a:pPr algn="ctr"/>
+              <a:r>
+                <a:rPr lang="en-GB" sz="900" dirty="0">
+                  <a:solidFill>
+                    <a:schemeClr val="bg1"/>
+                  </a:solidFill>
+                  <a:cs typeface="Calibri"/>
+                </a:rPr>
+                <a:t>Customer Records</a:t>
+              </a:r>
+              <a:endParaRPr lang="en-GB" sz="900" dirty="0">
+                <a:solidFill>
+                  <a:schemeClr val="bg1"/>
+                </a:solidFill>
+              </a:endParaRPr>
+            </a:p>
+          </p:txBody>
+        </p:sp>
+      </p:grpSp>
+      <p:sp>
+        <p:nvSpPr>
+          <p:cNvPr id="2" name="TextBox 1">
+            <a:extLst>
+              <a:ext uri="{FF2B5EF4-FFF2-40B4-BE49-F238E27FC236}">
+                <a16:creationId xmlns:a16="http://schemas.microsoft.com/office/drawing/2014/main" id="{324637E2-6309-B657-7490-80D03D24BAEF}"/>
+              </a:ext>
+            </a:extLst>
+          </p:cNvPr>
+          <p:cNvSpPr txBox="1"/>
+          <p:nvPr/>
+        </p:nvSpPr>
+        <p:spPr>
+          <a:xfrm>
+            <a:off x="1464252" y="5464986"/>
+            <a:ext cx="1899605" cy="830997"/>
+          </a:xfrm>
+          <a:prstGeom prst="rect">
+            <a:avLst/>
+          </a:prstGeom>
+          <a:noFill/>
+        </p:spPr>
+        <p:txBody>
+          <a:bodyPr wrap="square" rtlCol="0">
+            <a:spAutoFit/>
+          </a:bodyPr>
+          <a:lstStyle/>
+          <a:p>
+            <a:r>
+              <a:rPr lang="en-GB" sz="1200" dirty="0"/>
+              <a:t>Optional Databases:</a:t>
+            </a:r>
+          </a:p>
+          <a:p>
+            <a:r>
+              <a:rPr lang="en-GB" sz="1200" b="1" dirty="0"/>
+              <a:t>D3 – Meals</a:t>
+            </a:r>
+          </a:p>
+          <a:p>
+            <a:r>
+              <a:rPr lang="en-GB" sz="1200" b="1" dirty="0"/>
+              <a:t>D4 – Payments</a:t>
+            </a:r>
+          </a:p>
+          <a:p>
+            <a:r>
+              <a:rPr lang="en-GB" sz="1200" b="1" dirty="0"/>
+              <a:t>D5 – Rooms</a:t>
+            </a:r>
+          </a:p>
+        </p:txBody>
+      </p:sp>
+      <p:grpSp>
+        <p:nvGrpSpPr>
+          <p:cNvPr id="81" name="Group 80">
+            <a:extLst>
+              <a:ext uri="{FF2B5EF4-FFF2-40B4-BE49-F238E27FC236}">
+                <a16:creationId xmlns:a16="http://schemas.microsoft.com/office/drawing/2014/main" id="{A9783CD5-3ADC-6903-3F50-5E5059B40C73}"/>
+              </a:ext>
+            </a:extLst>
+          </p:cNvPr>
+          <p:cNvGrpSpPr/>
+          <p:nvPr/>
+        </p:nvGrpSpPr>
+        <p:grpSpPr>
+          <a:xfrm>
+            <a:off x="10361721" y="2981963"/>
+            <a:ext cx="1615895" cy="577386"/>
+            <a:chOff x="8505645" y="1579216"/>
+            <a:chExt cx="1615895" cy="577386"/>
+          </a:xfrm>
+        </p:grpSpPr>
+        <p:grpSp>
+          <p:nvGrpSpPr>
+            <p:cNvPr id="82" name="Group 81">
+              <a:extLst>
+                <a:ext uri="{FF2B5EF4-FFF2-40B4-BE49-F238E27FC236}">
+                  <a16:creationId xmlns:a16="http://schemas.microsoft.com/office/drawing/2014/main" id="{BAD44D4E-2949-5784-80C7-2625C12A0569}"/>
+                </a:ext>
+              </a:extLst>
+            </p:cNvPr>
+            <p:cNvGrpSpPr/>
+            <p:nvPr/>
+          </p:nvGrpSpPr>
+          <p:grpSpPr>
+            <a:xfrm>
+              <a:off x="8505645" y="1579216"/>
+              <a:ext cx="1576250" cy="577386"/>
+              <a:chOff x="8505645" y="1579216"/>
+              <a:chExt cx="1576250" cy="577386"/>
+            </a:xfrm>
+          </p:grpSpPr>
+          <p:sp>
+            <p:nvSpPr>
+              <p:cNvPr id="84" name="Rectangle 83">
+                <a:extLst>
+                  <a:ext uri="{FF2B5EF4-FFF2-40B4-BE49-F238E27FC236}">
+                    <a16:creationId xmlns:a16="http://schemas.microsoft.com/office/drawing/2014/main" id="{3098C0A4-DB67-3FF7-8970-3E0A1086EA18}"/>
+                  </a:ext>
+                </a:extLst>
+              </p:cNvPr>
+              <p:cNvSpPr/>
+              <p:nvPr/>
+            </p:nvSpPr>
+            <p:spPr>
+              <a:xfrm>
+                <a:off x="8505645" y="1579216"/>
+                <a:ext cx="1576250" cy="577386"/>
+              </a:xfrm>
+              <a:prstGeom prst="rect">
+                <a:avLst/>
+              </a:prstGeom>
+            </p:spPr>
+            <p:style>
+              <a:lnRef idx="2">
+                <a:schemeClr val="accent1">
+                  <a:shade val="50000"/>
+                </a:schemeClr>
+              </a:lnRef>
+              <a:fillRef idx="1">
+                <a:schemeClr val="accent1"/>
+              </a:fillRef>
+              <a:effectRef idx="0">
+                <a:schemeClr val="accent1"/>
+              </a:effectRef>
+              <a:fontRef idx="minor">
+                <a:schemeClr val="lt1"/>
+              </a:fontRef>
+            </p:style>
+            <p:txBody>
+              <a:bodyPr rtlCol="0" anchor="ctr"/>
+              <a:lstStyle/>
+              <a:p>
+                <a:pPr algn="ctr"/>
+                <a:endParaRPr lang="en-GB" dirty="0"/>
+              </a:p>
+            </p:txBody>
+          </p:sp>
+          <p:sp>
+            <p:nvSpPr>
+              <p:cNvPr id="85" name="Rectangle 84">
+                <a:extLst>
+                  <a:ext uri="{FF2B5EF4-FFF2-40B4-BE49-F238E27FC236}">
+                    <a16:creationId xmlns:a16="http://schemas.microsoft.com/office/drawing/2014/main" id="{2B9732DE-C5D3-38A8-75BE-5BDD289593EE}"/>
+                  </a:ext>
+                </a:extLst>
+              </p:cNvPr>
+              <p:cNvSpPr/>
+              <p:nvPr/>
+            </p:nvSpPr>
+            <p:spPr>
+              <a:xfrm>
+                <a:off x="8505645" y="1579216"/>
+                <a:ext cx="467553" cy="577386"/>
+              </a:xfrm>
+              <a:prstGeom prst="rect">
+                <a:avLst/>
+              </a:prstGeom>
+            </p:spPr>
+            <p:style>
+              <a:lnRef idx="1">
+                <a:schemeClr val="dk1"/>
+              </a:lnRef>
+              <a:fillRef idx="2">
+                <a:schemeClr val="dk1"/>
+              </a:fillRef>
+              <a:effectRef idx="1">
+                <a:schemeClr val="dk1"/>
+              </a:effectRef>
+              <a:fontRef idx="minor">
+                <a:schemeClr val="dk1"/>
+              </a:fontRef>
+            </p:style>
+            <p:txBody>
+              <a:bodyPr rtlCol="0" anchor="ctr"/>
+              <a:lstStyle/>
+              <a:p>
+                <a:pPr algn="ctr"/>
+                <a:endParaRPr lang="en-GB"/>
+              </a:p>
+            </p:txBody>
+          </p:sp>
+          <p:sp>
+            <p:nvSpPr>
+              <p:cNvPr id="86" name="TextBox 85">
+                <a:extLst>
+                  <a:ext uri="{FF2B5EF4-FFF2-40B4-BE49-F238E27FC236}">
+                    <a16:creationId xmlns:a16="http://schemas.microsoft.com/office/drawing/2014/main" id="{B03D4700-612E-7158-E72F-B09938DC9749}"/>
+                  </a:ext>
+                </a:extLst>
+              </p:cNvPr>
+              <p:cNvSpPr txBox="1"/>
+              <p:nvPr/>
+            </p:nvSpPr>
+            <p:spPr>
+              <a:xfrm>
+                <a:off x="8607370" y="1593651"/>
+                <a:ext cx="386644" cy="307777"/>
+              </a:xfrm>
+              <a:prstGeom prst="rect">
+                <a:avLst/>
+              </a:prstGeom>
+              <a:noFill/>
+            </p:spPr>
+            <p:txBody>
+              <a:bodyPr wrap="none" rtlCol="0">
+                <a:spAutoFit/>
+              </a:bodyPr>
+              <a:lstStyle/>
+              <a:p>
+                <a:r>
+                  <a:rPr lang="en-GB" sz="1400" dirty="0"/>
+                  <a:t>D3</a:t>
+                </a:r>
+              </a:p>
+            </p:txBody>
+          </p:sp>
+        </p:grpSp>
+        <p:sp>
+          <p:nvSpPr>
+            <p:cNvPr id="83" name="TextBox 82">
+              <a:extLst>
+                <a:ext uri="{FF2B5EF4-FFF2-40B4-BE49-F238E27FC236}">
+                  <a16:creationId xmlns:a16="http://schemas.microsoft.com/office/drawing/2014/main" id="{2CABD0F0-5C99-DEC2-F58D-751E895FB014}"/>
+                </a:ext>
+              </a:extLst>
+            </p:cNvPr>
+            <p:cNvSpPr txBox="1"/>
+            <p:nvPr/>
+          </p:nvSpPr>
+          <p:spPr>
+            <a:xfrm>
+              <a:off x="8973198" y="1693679"/>
+              <a:ext cx="1148342" cy="230832"/>
+            </a:xfrm>
+            <a:prstGeom prst="rect">
+              <a:avLst/>
+            </a:prstGeom>
+            <a:noFill/>
+          </p:spPr>
+          <p:txBody>
+            <a:bodyPr wrap="square" lIns="91440" tIns="45720" rIns="91440" bIns="45720" rtlCol="0" anchor="t">
+              <a:spAutoFit/>
+            </a:bodyPr>
+            <a:lstStyle/>
+            <a:p>
+              <a:pPr algn="ctr"/>
+              <a:r>
+                <a:rPr lang="en-GB" sz="900" dirty="0">
+                  <a:solidFill>
+                    <a:schemeClr val="bg1"/>
+                  </a:solidFill>
+                  <a:cs typeface="Calibri"/>
+                </a:rPr>
+                <a:t>Meal Orders</a:t>
+              </a:r>
+            </a:p>
+          </p:txBody>
+        </p:sp>
+      </p:grpSp>
+      <p:grpSp>
+        <p:nvGrpSpPr>
+          <p:cNvPr id="88" name="Group 87">
+            <a:extLst>
+              <a:ext uri="{FF2B5EF4-FFF2-40B4-BE49-F238E27FC236}">
+                <a16:creationId xmlns:a16="http://schemas.microsoft.com/office/drawing/2014/main" id="{323D9296-90E4-FB97-D7AA-F517C46A1643}"/>
+              </a:ext>
+            </a:extLst>
+          </p:cNvPr>
+          <p:cNvGrpSpPr/>
+          <p:nvPr/>
+        </p:nvGrpSpPr>
+        <p:grpSpPr>
+          <a:xfrm>
+            <a:off x="10361721" y="3796686"/>
+            <a:ext cx="1615895" cy="577386"/>
+            <a:chOff x="8505645" y="1579216"/>
+            <a:chExt cx="1615895" cy="577386"/>
+          </a:xfrm>
+        </p:grpSpPr>
+        <p:grpSp>
+          <p:nvGrpSpPr>
+            <p:cNvPr id="89" name="Group 88">
+              <a:extLst>
+                <a:ext uri="{FF2B5EF4-FFF2-40B4-BE49-F238E27FC236}">
+                  <a16:creationId xmlns:a16="http://schemas.microsoft.com/office/drawing/2014/main" id="{861348B0-3AE9-BABC-B5CD-D4C395E694B7}"/>
+                </a:ext>
+              </a:extLst>
+            </p:cNvPr>
+            <p:cNvGrpSpPr/>
+            <p:nvPr/>
+          </p:nvGrpSpPr>
+          <p:grpSpPr>
+            <a:xfrm>
+              <a:off x="8505645" y="1579216"/>
+              <a:ext cx="1576250" cy="577386"/>
+              <a:chOff x="8505645" y="1579216"/>
+              <a:chExt cx="1576250" cy="577386"/>
+            </a:xfrm>
+          </p:grpSpPr>
+          <p:sp>
+            <p:nvSpPr>
+              <p:cNvPr id="91" name="Rectangle 90">
+                <a:extLst>
+                  <a:ext uri="{FF2B5EF4-FFF2-40B4-BE49-F238E27FC236}">
+                    <a16:creationId xmlns:a16="http://schemas.microsoft.com/office/drawing/2014/main" id="{056ACF38-5E9D-EDDE-6E97-2F953BA1C50E}"/>
+                  </a:ext>
+                </a:extLst>
+              </p:cNvPr>
+              <p:cNvSpPr/>
+              <p:nvPr/>
+            </p:nvSpPr>
+            <p:spPr>
+              <a:xfrm>
+                <a:off x="8505645" y="1579216"/>
+                <a:ext cx="1576250" cy="577386"/>
+              </a:xfrm>
+              <a:prstGeom prst="rect">
+                <a:avLst/>
+              </a:prstGeom>
+            </p:spPr>
+            <p:style>
+              <a:lnRef idx="2">
+                <a:schemeClr val="accent1">
+                  <a:shade val="50000"/>
+                </a:schemeClr>
+              </a:lnRef>
+              <a:fillRef idx="1">
+                <a:schemeClr val="accent1"/>
+              </a:fillRef>
+              <a:effectRef idx="0">
+                <a:schemeClr val="accent1"/>
+              </a:effectRef>
+              <a:fontRef idx="minor">
+                <a:schemeClr val="lt1"/>
+              </a:fontRef>
+            </p:style>
+            <p:txBody>
+              <a:bodyPr rtlCol="0" anchor="ctr"/>
+              <a:lstStyle/>
+              <a:p>
+                <a:pPr algn="ctr"/>
+                <a:endParaRPr lang="en-GB" dirty="0"/>
+              </a:p>
+            </p:txBody>
+          </p:sp>
+          <p:sp>
+            <p:nvSpPr>
+              <p:cNvPr id="92" name="Rectangle 91">
+                <a:extLst>
+                  <a:ext uri="{FF2B5EF4-FFF2-40B4-BE49-F238E27FC236}">
+                    <a16:creationId xmlns:a16="http://schemas.microsoft.com/office/drawing/2014/main" id="{F5053764-418D-5056-40C0-3C7C002EA6E5}"/>
+                  </a:ext>
+                </a:extLst>
+              </p:cNvPr>
+              <p:cNvSpPr/>
+              <p:nvPr/>
+            </p:nvSpPr>
+            <p:spPr>
+              <a:xfrm>
+                <a:off x="8505645" y="1579216"/>
+                <a:ext cx="467553" cy="577386"/>
+              </a:xfrm>
+              <a:prstGeom prst="rect">
+                <a:avLst/>
+              </a:prstGeom>
+            </p:spPr>
+            <p:style>
+              <a:lnRef idx="1">
+                <a:schemeClr val="dk1"/>
+              </a:lnRef>
+              <a:fillRef idx="2">
+                <a:schemeClr val="dk1"/>
+              </a:fillRef>
+              <a:effectRef idx="1">
+                <a:schemeClr val="dk1"/>
+              </a:effectRef>
+              <a:fontRef idx="minor">
+                <a:schemeClr val="dk1"/>
+              </a:fontRef>
+            </p:style>
+            <p:txBody>
+              <a:bodyPr rtlCol="0" anchor="ctr"/>
+              <a:lstStyle/>
+              <a:p>
+                <a:pPr algn="ctr"/>
+                <a:endParaRPr lang="en-GB"/>
+              </a:p>
+            </p:txBody>
+          </p:sp>
+          <p:sp>
+            <p:nvSpPr>
+              <p:cNvPr id="93" name="TextBox 92">
+                <a:extLst>
+                  <a:ext uri="{FF2B5EF4-FFF2-40B4-BE49-F238E27FC236}">
+                    <a16:creationId xmlns:a16="http://schemas.microsoft.com/office/drawing/2014/main" id="{E1DB8DC9-E8E8-11A9-0EBD-6294B1027022}"/>
+                  </a:ext>
+                </a:extLst>
+              </p:cNvPr>
+              <p:cNvSpPr txBox="1"/>
+              <p:nvPr/>
+            </p:nvSpPr>
+            <p:spPr>
+              <a:xfrm>
+                <a:off x="8607370" y="1593651"/>
+                <a:ext cx="386644" cy="307777"/>
+              </a:xfrm>
+              <a:prstGeom prst="rect">
+                <a:avLst/>
+              </a:prstGeom>
+              <a:noFill/>
+            </p:spPr>
+            <p:txBody>
+              <a:bodyPr wrap="none" rtlCol="0">
+                <a:spAutoFit/>
+              </a:bodyPr>
+              <a:lstStyle/>
+              <a:p>
+                <a:r>
+                  <a:rPr lang="en-GB" sz="1400" dirty="0"/>
+                  <a:t>D4</a:t>
+                </a:r>
+              </a:p>
+            </p:txBody>
+          </p:sp>
+        </p:grpSp>
+        <p:sp>
+          <p:nvSpPr>
+            <p:cNvPr id="90" name="TextBox 89">
+              <a:extLst>
+                <a:ext uri="{FF2B5EF4-FFF2-40B4-BE49-F238E27FC236}">
+                  <a16:creationId xmlns:a16="http://schemas.microsoft.com/office/drawing/2014/main" id="{4D9203ED-DF1B-4A6C-BD1A-FA24A96C5233}"/>
+                </a:ext>
+              </a:extLst>
+            </p:cNvPr>
+            <p:cNvSpPr txBox="1"/>
+            <p:nvPr/>
+          </p:nvSpPr>
+          <p:spPr>
+            <a:xfrm>
+              <a:off x="8973198" y="1693679"/>
+              <a:ext cx="1148342" cy="230832"/>
+            </a:xfrm>
+            <a:prstGeom prst="rect">
+              <a:avLst/>
+            </a:prstGeom>
+            <a:noFill/>
+          </p:spPr>
+          <p:txBody>
+            <a:bodyPr wrap="square" lIns="91440" tIns="45720" rIns="91440" bIns="45720" rtlCol="0" anchor="t">
+              <a:spAutoFit/>
+            </a:bodyPr>
+            <a:lstStyle/>
+            <a:p>
+              <a:pPr algn="ctr"/>
+              <a:r>
+                <a:rPr lang="en-GB" sz="900" dirty="0">
+                  <a:solidFill>
+                    <a:schemeClr val="bg1"/>
+                  </a:solidFill>
+                  <a:cs typeface="Calibri"/>
+                </a:rPr>
+                <a:t>Payment Records</a:t>
+              </a:r>
+            </a:p>
+          </p:txBody>
+        </p:sp>
+      </p:grpSp>
+      <p:grpSp>
+        <p:nvGrpSpPr>
+          <p:cNvPr id="94" name="Group 93">
+            <a:extLst>
+              <a:ext uri="{FF2B5EF4-FFF2-40B4-BE49-F238E27FC236}">
+                <a16:creationId xmlns:a16="http://schemas.microsoft.com/office/drawing/2014/main" id="{8AD1D4B7-6639-A78C-9721-D45D80EA7EC8}"/>
+              </a:ext>
+            </a:extLst>
+          </p:cNvPr>
+          <p:cNvGrpSpPr/>
+          <p:nvPr/>
+        </p:nvGrpSpPr>
+        <p:grpSpPr>
+          <a:xfrm>
+            <a:off x="10361721" y="4656664"/>
+            <a:ext cx="1615895" cy="577386"/>
+            <a:chOff x="8505645" y="1579216"/>
+            <a:chExt cx="1615895" cy="577386"/>
+          </a:xfrm>
+        </p:grpSpPr>
+        <p:grpSp>
+          <p:nvGrpSpPr>
+            <p:cNvPr id="95" name="Group 94">
+              <a:extLst>
+                <a:ext uri="{FF2B5EF4-FFF2-40B4-BE49-F238E27FC236}">
+                  <a16:creationId xmlns:a16="http://schemas.microsoft.com/office/drawing/2014/main" id="{6650B944-B65C-AB10-B28F-52B3805EACE5}"/>
+                </a:ext>
+              </a:extLst>
+            </p:cNvPr>
+            <p:cNvGrpSpPr/>
+            <p:nvPr/>
+          </p:nvGrpSpPr>
+          <p:grpSpPr>
+            <a:xfrm>
+              <a:off x="8505645" y="1579216"/>
+              <a:ext cx="1576250" cy="577386"/>
+              <a:chOff x="8505645" y="1579216"/>
+              <a:chExt cx="1576250" cy="577386"/>
+            </a:xfrm>
+          </p:grpSpPr>
+          <p:sp>
+            <p:nvSpPr>
+              <p:cNvPr id="97" name="Rectangle 96">
+                <a:extLst>
+                  <a:ext uri="{FF2B5EF4-FFF2-40B4-BE49-F238E27FC236}">
+                    <a16:creationId xmlns:a16="http://schemas.microsoft.com/office/drawing/2014/main" id="{CB87A239-2200-FD98-C4A9-2E1DAA312D44}"/>
+                  </a:ext>
+                </a:extLst>
+              </p:cNvPr>
+              <p:cNvSpPr/>
+              <p:nvPr/>
+            </p:nvSpPr>
+            <p:spPr>
+              <a:xfrm>
+                <a:off x="8505645" y="1579216"/>
+                <a:ext cx="1576250" cy="577386"/>
+              </a:xfrm>
+              <a:prstGeom prst="rect">
+                <a:avLst/>
+              </a:prstGeom>
+            </p:spPr>
+            <p:style>
+              <a:lnRef idx="2">
+                <a:schemeClr val="accent1">
+                  <a:shade val="50000"/>
+                </a:schemeClr>
+              </a:lnRef>
+              <a:fillRef idx="1">
+                <a:schemeClr val="accent1"/>
+              </a:fillRef>
+              <a:effectRef idx="0">
+                <a:schemeClr val="accent1"/>
+              </a:effectRef>
+              <a:fontRef idx="minor">
+                <a:schemeClr val="lt1"/>
+              </a:fontRef>
+            </p:style>
+            <p:txBody>
+              <a:bodyPr rtlCol="0" anchor="ctr"/>
+              <a:lstStyle/>
+              <a:p>
+                <a:pPr algn="ctr"/>
+                <a:endParaRPr lang="en-GB" dirty="0"/>
+              </a:p>
+            </p:txBody>
+          </p:sp>
+          <p:sp>
+            <p:nvSpPr>
+              <p:cNvPr id="98" name="Rectangle 97">
+                <a:extLst>
+                  <a:ext uri="{FF2B5EF4-FFF2-40B4-BE49-F238E27FC236}">
+                    <a16:creationId xmlns:a16="http://schemas.microsoft.com/office/drawing/2014/main" id="{A46BF043-4970-4BF1-3677-74C97E783C14}"/>
+                  </a:ext>
+                </a:extLst>
+              </p:cNvPr>
+              <p:cNvSpPr/>
+              <p:nvPr/>
+            </p:nvSpPr>
+            <p:spPr>
+              <a:xfrm>
+                <a:off x="8505645" y="1579216"/>
+                <a:ext cx="467553" cy="577386"/>
+              </a:xfrm>
+              <a:prstGeom prst="rect">
+                <a:avLst/>
+              </a:prstGeom>
+            </p:spPr>
+            <p:style>
+              <a:lnRef idx="1">
+                <a:schemeClr val="dk1"/>
+              </a:lnRef>
+              <a:fillRef idx="2">
+                <a:schemeClr val="dk1"/>
+              </a:fillRef>
+              <a:effectRef idx="1">
+                <a:schemeClr val="dk1"/>
+              </a:effectRef>
+              <a:fontRef idx="minor">
+                <a:schemeClr val="dk1"/>
+              </a:fontRef>
+            </p:style>
+            <p:txBody>
+              <a:bodyPr rtlCol="0" anchor="ctr"/>
+              <a:lstStyle/>
+              <a:p>
+                <a:pPr algn="ctr"/>
+                <a:endParaRPr lang="en-GB"/>
+              </a:p>
+            </p:txBody>
+          </p:sp>
+          <p:sp>
+            <p:nvSpPr>
+              <p:cNvPr id="99" name="TextBox 98">
+                <a:extLst>
+                  <a:ext uri="{FF2B5EF4-FFF2-40B4-BE49-F238E27FC236}">
+                    <a16:creationId xmlns:a16="http://schemas.microsoft.com/office/drawing/2014/main" id="{EA620328-CCC6-BD12-D912-9C010213CEA0}"/>
+                  </a:ext>
+                </a:extLst>
+              </p:cNvPr>
+              <p:cNvSpPr txBox="1"/>
+              <p:nvPr/>
+            </p:nvSpPr>
+            <p:spPr>
+              <a:xfrm>
+                <a:off x="8607370" y="1593651"/>
+                <a:ext cx="386644" cy="307777"/>
+              </a:xfrm>
+              <a:prstGeom prst="rect">
+                <a:avLst/>
+              </a:prstGeom>
+              <a:noFill/>
+            </p:spPr>
+            <p:txBody>
+              <a:bodyPr wrap="none" rtlCol="0">
+                <a:spAutoFit/>
+              </a:bodyPr>
+              <a:lstStyle/>
+              <a:p>
+                <a:r>
+                  <a:rPr lang="en-GB" sz="1400" dirty="0"/>
+                  <a:t>D5</a:t>
+                </a:r>
+              </a:p>
+            </p:txBody>
+          </p:sp>
+        </p:grpSp>
+        <p:sp>
+          <p:nvSpPr>
+            <p:cNvPr id="96" name="TextBox 95">
+              <a:extLst>
+                <a:ext uri="{FF2B5EF4-FFF2-40B4-BE49-F238E27FC236}">
+                  <a16:creationId xmlns:a16="http://schemas.microsoft.com/office/drawing/2014/main" id="{DC0AC794-FB93-0FE1-D4D1-6D78E140D488}"/>
+                </a:ext>
+              </a:extLst>
+            </p:cNvPr>
+            <p:cNvSpPr txBox="1"/>
+            <p:nvPr/>
+          </p:nvSpPr>
+          <p:spPr>
+            <a:xfrm>
+              <a:off x="8973198" y="1693679"/>
+              <a:ext cx="1148342" cy="230832"/>
+            </a:xfrm>
+            <a:prstGeom prst="rect">
+              <a:avLst/>
+            </a:prstGeom>
+            <a:noFill/>
+          </p:spPr>
+          <p:txBody>
+            <a:bodyPr wrap="square" lIns="91440" tIns="45720" rIns="91440" bIns="45720" rtlCol="0" anchor="t">
+              <a:spAutoFit/>
+            </a:bodyPr>
+            <a:lstStyle/>
+            <a:p>
+              <a:pPr algn="ctr"/>
+              <a:r>
+                <a:rPr lang="en-GB" sz="900" dirty="0">
+                  <a:solidFill>
+                    <a:schemeClr val="bg1"/>
+                  </a:solidFill>
+                  <a:cs typeface="Calibri"/>
+                </a:rPr>
+                <a:t>Room Records</a:t>
+              </a:r>
+            </a:p>
+          </p:txBody>
+        </p:sp>
+      </p:grpSp>
+      <p:grpSp>
+        <p:nvGrpSpPr>
+          <p:cNvPr id="100" name="Group 99">
+            <a:extLst>
+              <a:ext uri="{FF2B5EF4-FFF2-40B4-BE49-F238E27FC236}">
+                <a16:creationId xmlns:a16="http://schemas.microsoft.com/office/drawing/2014/main" id="{276386F2-F9DD-6570-7301-49506F6E6ED3}"/>
+              </a:ext>
+            </a:extLst>
+          </p:cNvPr>
+          <p:cNvGrpSpPr/>
+          <p:nvPr/>
+        </p:nvGrpSpPr>
+        <p:grpSpPr>
+          <a:xfrm>
+            <a:off x="7265678" y="688820"/>
+            <a:ext cx="1576255" cy="859231"/>
+            <a:chOff x="5307869" y="2989652"/>
+            <a:chExt cx="1576255" cy="859231"/>
+          </a:xfrm>
+        </p:grpSpPr>
+        <p:grpSp>
+          <p:nvGrpSpPr>
+            <p:cNvPr id="101" name="Group 100">
+              <a:extLst>
+                <a:ext uri="{FF2B5EF4-FFF2-40B4-BE49-F238E27FC236}">
+                  <a16:creationId xmlns:a16="http://schemas.microsoft.com/office/drawing/2014/main" id="{A31989EB-388D-02E0-F62A-EEDBEE0FF6B7}"/>
+                </a:ext>
+              </a:extLst>
+            </p:cNvPr>
+            <p:cNvGrpSpPr/>
+            <p:nvPr/>
+          </p:nvGrpSpPr>
+          <p:grpSpPr>
+            <a:xfrm>
+              <a:off x="5307874" y="3015037"/>
+              <a:ext cx="1576250" cy="833846"/>
+              <a:chOff x="6409426" y="1313975"/>
+              <a:chExt cx="1733910" cy="980651"/>
+            </a:xfrm>
+          </p:grpSpPr>
+          <p:sp>
+            <p:nvSpPr>
+              <p:cNvPr id="104" name="Rectangle: Rounded Corners 103">
+                <a:extLst>
+                  <a:ext uri="{FF2B5EF4-FFF2-40B4-BE49-F238E27FC236}">
+                    <a16:creationId xmlns:a16="http://schemas.microsoft.com/office/drawing/2014/main" id="{1B3A6776-5AE1-C567-E188-5F1B76F6B927}"/>
+                  </a:ext>
+                </a:extLst>
+              </p:cNvPr>
+              <p:cNvSpPr/>
+              <p:nvPr/>
+            </p:nvSpPr>
+            <p:spPr>
+              <a:xfrm>
+                <a:off x="6409426" y="1313975"/>
+                <a:ext cx="1733910" cy="980651"/>
+              </a:xfrm>
+              <a:prstGeom prst="roundRect">
+                <a:avLst/>
+              </a:prstGeom>
+            </p:spPr>
+            <p:style>
+              <a:lnRef idx="2">
+                <a:schemeClr val="accent1">
+                  <a:shade val="50000"/>
+                </a:schemeClr>
+              </a:lnRef>
+              <a:fillRef idx="1">
+                <a:schemeClr val="accent1"/>
+              </a:fillRef>
+              <a:effectRef idx="0">
+                <a:schemeClr val="accent1"/>
+              </a:effectRef>
+              <a:fontRef idx="minor">
+                <a:schemeClr val="lt1"/>
+              </a:fontRef>
+            </p:style>
+            <p:txBody>
+              <a:bodyPr rtlCol="0" anchor="ctr"/>
+              <a:lstStyle/>
+              <a:p>
+                <a:pPr algn="ctr"/>
+                <a:endParaRPr lang="en-GB" dirty="0"/>
+              </a:p>
+            </p:txBody>
+          </p:sp>
+          <p:cxnSp>
+            <p:nvCxnSpPr>
+              <p:cNvPr id="105" name="Straight Connector 104">
+                <a:extLst>
+                  <a:ext uri="{FF2B5EF4-FFF2-40B4-BE49-F238E27FC236}">
+                    <a16:creationId xmlns:a16="http://schemas.microsoft.com/office/drawing/2014/main" id="{CBCE3BF1-4B21-BEEE-F3C4-7AB15743DF9F}"/>
+                  </a:ext>
+                </a:extLst>
+              </p:cNvPr>
+              <p:cNvCxnSpPr/>
+              <p:nvPr/>
+            </p:nvCxnSpPr>
+            <p:spPr>
+              <a:xfrm>
+                <a:off x="6409426" y="1566524"/>
+                <a:ext cx="1733910" cy="0"/>
+              </a:xfrm>
+              <a:prstGeom prst="line">
+                <a:avLst/>
+              </a:prstGeom>
+            </p:spPr>
+            <p:style>
+              <a:lnRef idx="1">
+                <a:schemeClr val="dk1"/>
+              </a:lnRef>
+              <a:fillRef idx="0">
+                <a:schemeClr val="dk1"/>
+              </a:fillRef>
+              <a:effectRef idx="0">
+                <a:schemeClr val="dk1"/>
+              </a:effectRef>
+              <a:fontRef idx="minor">
+                <a:schemeClr val="tx1"/>
+              </a:fontRef>
+            </p:style>
+          </p:cxnSp>
+          <p:cxnSp>
+            <p:nvCxnSpPr>
+              <p:cNvPr id="106" name="Straight Connector 105">
+                <a:extLst>
+                  <a:ext uri="{FF2B5EF4-FFF2-40B4-BE49-F238E27FC236}">
+                    <a16:creationId xmlns:a16="http://schemas.microsoft.com/office/drawing/2014/main" id="{FFE43FEC-1E67-FA97-DD6D-EDD95567FC6C}"/>
+                  </a:ext>
+                </a:extLst>
+              </p:cNvPr>
+              <p:cNvCxnSpPr/>
+              <p:nvPr/>
+            </p:nvCxnSpPr>
+            <p:spPr>
+              <a:xfrm>
+                <a:off x="6409426" y="2012222"/>
+                <a:ext cx="1733910" cy="0"/>
+              </a:xfrm>
+              <a:prstGeom prst="line">
+                <a:avLst/>
+              </a:prstGeom>
+            </p:spPr>
+            <p:style>
+              <a:lnRef idx="1">
+                <a:schemeClr val="dk1"/>
+              </a:lnRef>
+              <a:fillRef idx="0">
+                <a:schemeClr val="dk1"/>
+              </a:fillRef>
+              <a:effectRef idx="0">
+                <a:schemeClr val="dk1"/>
+              </a:effectRef>
+              <a:fontRef idx="minor">
+                <a:schemeClr val="tx1"/>
+              </a:fontRef>
+            </p:style>
+          </p:cxnSp>
+          <p:cxnSp>
+            <p:nvCxnSpPr>
+              <p:cNvPr id="107" name="Straight Connector 106">
+                <a:extLst>
+                  <a:ext uri="{FF2B5EF4-FFF2-40B4-BE49-F238E27FC236}">
+                    <a16:creationId xmlns:a16="http://schemas.microsoft.com/office/drawing/2014/main" id="{F6D4B3DC-B1B1-B226-4EB8-1A40BC7FD8E1}"/>
+                  </a:ext>
+                </a:extLst>
+              </p:cNvPr>
+              <p:cNvCxnSpPr/>
+              <p:nvPr/>
+            </p:nvCxnSpPr>
+            <p:spPr>
+              <a:xfrm flipV="1">
+                <a:off x="6823494" y="1313975"/>
+                <a:ext cx="0" cy="252549"/>
+              </a:xfrm>
+              <a:prstGeom prst="line">
+                <a:avLst/>
+              </a:prstGeom>
+            </p:spPr>
+            <p:style>
+              <a:lnRef idx="1">
+                <a:schemeClr val="dk1"/>
+              </a:lnRef>
+              <a:fillRef idx="0">
+                <a:schemeClr val="dk1"/>
+              </a:fillRef>
+              <a:effectRef idx="0">
+                <a:schemeClr val="dk1"/>
+              </a:effectRef>
+              <a:fontRef idx="minor">
+                <a:schemeClr val="tx1"/>
+              </a:fontRef>
+            </p:style>
+          </p:cxnSp>
+          <p:sp>
+            <p:nvSpPr>
+              <p:cNvPr id="108" name="Rectangle 107">
+                <a:extLst>
+                  <a:ext uri="{FF2B5EF4-FFF2-40B4-BE49-F238E27FC236}">
+                    <a16:creationId xmlns:a16="http://schemas.microsoft.com/office/drawing/2014/main" id="{9344BAB7-1CDD-7C6A-63FA-3D5966C3F3CA}"/>
+                  </a:ext>
+                </a:extLst>
+              </p:cNvPr>
+              <p:cNvSpPr/>
+              <p:nvPr/>
+            </p:nvSpPr>
+            <p:spPr>
+              <a:xfrm>
+                <a:off x="6409426" y="1566524"/>
+                <a:ext cx="1733910" cy="445686"/>
+              </a:xfrm>
+              <a:prstGeom prst="rect">
+                <a:avLst/>
+              </a:prstGeom>
+            </p:spPr>
+            <p:style>
+              <a:lnRef idx="2">
+                <a:schemeClr val="dk1"/>
+              </a:lnRef>
+              <a:fillRef idx="1">
+                <a:schemeClr val="lt1"/>
+              </a:fillRef>
+              <a:effectRef idx="0">
+                <a:schemeClr val="dk1"/>
+              </a:effectRef>
+              <a:fontRef idx="minor">
+                <a:schemeClr val="dk1"/>
+              </a:fontRef>
+            </p:style>
+            <p:txBody>
+              <a:bodyPr rtlCol="0" anchor="ctr"/>
+              <a:lstStyle/>
+              <a:p>
+                <a:pPr algn="ctr"/>
+                <a:endParaRPr lang="en-GB"/>
+              </a:p>
+            </p:txBody>
+          </p:sp>
+        </p:grpSp>
+        <p:sp>
+          <p:nvSpPr>
+            <p:cNvPr id="102" name="TextBox 101">
+              <a:extLst>
+                <a:ext uri="{FF2B5EF4-FFF2-40B4-BE49-F238E27FC236}">
+                  <a16:creationId xmlns:a16="http://schemas.microsoft.com/office/drawing/2014/main" id="{2878BEF1-7167-6A1B-72DC-053CFB929149}"/>
+                </a:ext>
+              </a:extLst>
+            </p:cNvPr>
+            <p:cNvSpPr txBox="1"/>
+            <p:nvPr/>
+          </p:nvSpPr>
+          <p:spPr>
+            <a:xfrm>
+              <a:off x="5307869" y="2989652"/>
+              <a:ext cx="431528" cy="261610"/>
+            </a:xfrm>
+            <a:prstGeom prst="rect">
+              <a:avLst/>
+            </a:prstGeom>
+            <a:noFill/>
+          </p:spPr>
+          <p:txBody>
+            <a:bodyPr wrap="none" rtlCol="0">
+              <a:spAutoFit/>
+            </a:bodyPr>
+            <a:lstStyle/>
+            <a:p>
+              <a:r>
+                <a:rPr lang="en-GB" sz="1100" dirty="0">
+                  <a:solidFill>
+                    <a:schemeClr val="bg1"/>
+                  </a:solidFill>
+                </a:rPr>
+                <a:t>1 : 3</a:t>
+              </a:r>
+            </a:p>
+          </p:txBody>
+        </p:sp>
+        <p:sp>
+          <p:nvSpPr>
+            <p:cNvPr id="103" name="TextBox 102">
+              <a:extLst>
+                <a:ext uri="{FF2B5EF4-FFF2-40B4-BE49-F238E27FC236}">
+                  <a16:creationId xmlns:a16="http://schemas.microsoft.com/office/drawing/2014/main" id="{7E7FE34A-3CFB-E3A0-7C64-F18CBF3225AF}"/>
+                </a:ext>
+              </a:extLst>
+            </p:cNvPr>
+            <p:cNvSpPr txBox="1"/>
+            <p:nvPr/>
+          </p:nvSpPr>
+          <p:spPr>
+            <a:xfrm>
+              <a:off x="5307874" y="3229779"/>
+              <a:ext cx="1576245" cy="415498"/>
+            </a:xfrm>
+            <a:prstGeom prst="rect">
+              <a:avLst/>
+            </a:prstGeom>
+            <a:noFill/>
+          </p:spPr>
+          <p:txBody>
+            <a:bodyPr wrap="square" lIns="91440" tIns="45720" rIns="91440" bIns="45720" rtlCol="0" anchor="t">
+              <a:spAutoFit/>
+            </a:bodyPr>
+            <a:lstStyle/>
+            <a:p>
+              <a:pPr algn="ctr"/>
+              <a:r>
+                <a:rPr lang="en-GB" sz="1050" dirty="0"/>
+                <a:t>Append Customer Record</a:t>
+              </a:r>
+            </a:p>
+          </p:txBody>
+        </p:sp>
+      </p:grpSp>
+      <p:cxnSp>
+        <p:nvCxnSpPr>
+          <p:cNvPr id="110" name="Connector: Elbow 109">
+            <a:extLst>
+              <a:ext uri="{FF2B5EF4-FFF2-40B4-BE49-F238E27FC236}">
+                <a16:creationId xmlns:a16="http://schemas.microsoft.com/office/drawing/2014/main" id="{343C0E48-FDBB-299B-983F-45396397CCEC}"/>
+              </a:ext>
+            </a:extLst>
+          </p:cNvPr>
+          <p:cNvCxnSpPr>
+            <a:cxnSpLocks/>
+          </p:cNvCxnSpPr>
+          <p:nvPr/>
+        </p:nvCxnSpPr>
+        <p:spPr>
+          <a:xfrm rot="10800000" flipH="1" flipV="1">
+            <a:off x="8841929" y="1136697"/>
+            <a:ext cx="1519793" cy="479161"/>
+          </a:xfrm>
+          <a:prstGeom prst="bentConnector3">
+            <a:avLst/>
+          </a:prstGeom>
+          <a:ln>
+            <a:tailEnd type="triangle"/>
+          </a:ln>
+        </p:spPr>
+        <p:style>
+          <a:lnRef idx="1">
+            <a:schemeClr val="accent1"/>
+          </a:lnRef>
+          <a:fillRef idx="0">
+            <a:schemeClr val="accent1"/>
+          </a:fillRef>
+          <a:effectRef idx="0">
+            <a:schemeClr val="accent1"/>
+          </a:effectRef>
+          <a:fontRef idx="minor">
+            <a:schemeClr val="tx1"/>
+          </a:fontRef>
+        </p:style>
+      </p:cxnSp>
+      <p:cxnSp>
+        <p:nvCxnSpPr>
+          <p:cNvPr id="112" name="Connector: Elbow 111">
+            <a:extLst>
+              <a:ext uri="{FF2B5EF4-FFF2-40B4-BE49-F238E27FC236}">
+                <a16:creationId xmlns:a16="http://schemas.microsoft.com/office/drawing/2014/main" id="{CE9D7C3F-721A-3968-A62D-3C26BC017C5D}"/>
+              </a:ext>
+            </a:extLst>
+          </p:cNvPr>
+          <p:cNvCxnSpPr>
+            <a:cxnSpLocks/>
+          </p:cNvCxnSpPr>
+          <p:nvPr/>
+        </p:nvCxnSpPr>
+        <p:spPr>
+          <a:xfrm rot="10800000" flipH="1" flipV="1">
+            <a:off x="8828145" y="2129055"/>
+            <a:ext cx="1533576" cy="288699"/>
+          </a:xfrm>
+          <a:prstGeom prst="bentConnector3">
+            <a:avLst/>
+          </a:prstGeom>
+          <a:ln>
+            <a:tailEnd type="triangle"/>
+          </a:ln>
+        </p:spPr>
+        <p:style>
+          <a:lnRef idx="1">
+            <a:schemeClr val="accent1"/>
+          </a:lnRef>
+          <a:fillRef idx="0">
+            <a:schemeClr val="accent1"/>
+          </a:fillRef>
+          <a:effectRef idx="0">
+            <a:schemeClr val="accent1"/>
+          </a:effectRef>
+          <a:fontRef idx="minor">
+            <a:schemeClr val="tx1"/>
+          </a:fontRef>
+        </p:style>
+      </p:cxnSp>
+      <p:cxnSp>
+        <p:nvCxnSpPr>
+          <p:cNvPr id="115" name="Connector: Elbow 114">
+            <a:extLst>
+              <a:ext uri="{FF2B5EF4-FFF2-40B4-BE49-F238E27FC236}">
+                <a16:creationId xmlns:a16="http://schemas.microsoft.com/office/drawing/2014/main" id="{D6BAE399-7C04-0D4A-539B-E1E6EA7ED24F}"/>
+              </a:ext>
+            </a:extLst>
+          </p:cNvPr>
+          <p:cNvCxnSpPr>
+            <a:cxnSpLocks/>
+          </p:cNvCxnSpPr>
+          <p:nvPr/>
+        </p:nvCxnSpPr>
+        <p:spPr>
+          <a:xfrm rot="10800000" flipH="1" flipV="1">
+            <a:off x="8841933" y="3126064"/>
+            <a:ext cx="1519788" cy="144593"/>
+          </a:xfrm>
+          <a:prstGeom prst="bentConnector3">
+            <a:avLst/>
+          </a:prstGeom>
+          <a:ln>
+            <a:tailEnd type="triangle"/>
+          </a:ln>
+        </p:spPr>
+        <p:style>
+          <a:lnRef idx="1">
+            <a:schemeClr val="accent1"/>
+          </a:lnRef>
+          <a:fillRef idx="0">
+            <a:schemeClr val="accent1"/>
+          </a:fillRef>
+          <a:effectRef idx="0">
+            <a:schemeClr val="accent1"/>
+          </a:effectRef>
+          <a:fontRef idx="minor">
+            <a:schemeClr val="tx1"/>
+          </a:fontRef>
+        </p:style>
+      </p:cxnSp>
+      <p:cxnSp>
+        <p:nvCxnSpPr>
+          <p:cNvPr id="117" name="Connector: Elbow 116">
+            <a:extLst>
+              <a:ext uri="{FF2B5EF4-FFF2-40B4-BE49-F238E27FC236}">
+                <a16:creationId xmlns:a16="http://schemas.microsoft.com/office/drawing/2014/main" id="{4B573050-1B26-0841-324E-23AB569A30C4}"/>
+              </a:ext>
+            </a:extLst>
+          </p:cNvPr>
+          <p:cNvCxnSpPr>
+            <a:cxnSpLocks/>
+          </p:cNvCxnSpPr>
+          <p:nvPr/>
+        </p:nvCxnSpPr>
+        <p:spPr>
+          <a:xfrm rot="10800000" flipH="1">
+            <a:off x="8828141" y="4085378"/>
+            <a:ext cx="1533581" cy="57381"/>
+          </a:xfrm>
+          <a:prstGeom prst="bentConnector3">
+            <a:avLst/>
+          </a:prstGeom>
+          <a:ln>
+            <a:tailEnd type="triangle"/>
+          </a:ln>
+        </p:spPr>
+        <p:style>
+          <a:lnRef idx="1">
+            <a:schemeClr val="accent1"/>
+          </a:lnRef>
+          <a:fillRef idx="0">
+            <a:schemeClr val="accent1"/>
+          </a:fillRef>
+          <a:effectRef idx="0">
+            <a:schemeClr val="accent1"/>
+          </a:effectRef>
+          <a:fontRef idx="minor">
+            <a:schemeClr val="tx1"/>
+          </a:fontRef>
+        </p:style>
+      </p:cxnSp>
+      <p:cxnSp>
+        <p:nvCxnSpPr>
+          <p:cNvPr id="120" name="Connector: Elbow 119">
+            <a:extLst>
+              <a:ext uri="{FF2B5EF4-FFF2-40B4-BE49-F238E27FC236}">
+                <a16:creationId xmlns:a16="http://schemas.microsoft.com/office/drawing/2014/main" id="{7F06ED27-646B-6073-3BF1-1F9B9B06E469}"/>
+              </a:ext>
+            </a:extLst>
+          </p:cNvPr>
+          <p:cNvCxnSpPr>
+            <a:cxnSpLocks/>
+          </p:cNvCxnSpPr>
+          <p:nvPr/>
+        </p:nvCxnSpPr>
+        <p:spPr>
+          <a:xfrm rot="10800000" flipH="1">
+            <a:off x="8841929" y="4945357"/>
+            <a:ext cx="1519793" cy="251334"/>
+          </a:xfrm>
+          <a:prstGeom prst="bentConnector3">
+            <a:avLst/>
+          </a:prstGeom>
+          <a:ln>
+            <a:tailEnd type="triangle"/>
+          </a:ln>
+        </p:spPr>
+        <p:style>
+          <a:lnRef idx="1">
+            <a:schemeClr val="accent1"/>
+          </a:lnRef>
+          <a:fillRef idx="0">
+            <a:schemeClr val="accent1"/>
+          </a:fillRef>
+          <a:effectRef idx="0">
+            <a:schemeClr val="accent1"/>
+          </a:effectRef>
+          <a:fontRef idx="minor">
+            <a:schemeClr val="tx1"/>
+          </a:fontRef>
+        </p:style>
+      </p:cxnSp>
+      <p:grpSp>
+        <p:nvGrpSpPr>
+          <p:cNvPr id="151" name="Group 150">
+            <a:extLst>
+              <a:ext uri="{FF2B5EF4-FFF2-40B4-BE49-F238E27FC236}">
+                <a16:creationId xmlns:a16="http://schemas.microsoft.com/office/drawing/2014/main" id="{04C1864E-1054-CFE6-986A-8AE56695F1C4}"/>
+              </a:ext>
+            </a:extLst>
+          </p:cNvPr>
+          <p:cNvGrpSpPr/>
+          <p:nvPr/>
+        </p:nvGrpSpPr>
+        <p:grpSpPr>
+          <a:xfrm>
+            <a:off x="895536" y="2011234"/>
+            <a:ext cx="1615895" cy="577386"/>
+            <a:chOff x="8505645" y="1579216"/>
+            <a:chExt cx="1615895" cy="577386"/>
+          </a:xfrm>
+        </p:grpSpPr>
+        <p:grpSp>
+          <p:nvGrpSpPr>
+            <p:cNvPr id="152" name="Group 151">
+              <a:extLst>
+                <a:ext uri="{FF2B5EF4-FFF2-40B4-BE49-F238E27FC236}">
+                  <a16:creationId xmlns:a16="http://schemas.microsoft.com/office/drawing/2014/main" id="{17C9C03D-A274-0027-05B7-9D03ED6700DF}"/>
+                </a:ext>
+              </a:extLst>
+            </p:cNvPr>
+            <p:cNvGrpSpPr/>
+            <p:nvPr/>
+          </p:nvGrpSpPr>
+          <p:grpSpPr>
+            <a:xfrm>
+              <a:off x="8505645" y="1579216"/>
+              <a:ext cx="1576250" cy="577386"/>
+              <a:chOff x="8505645" y="1579216"/>
+              <a:chExt cx="1576250" cy="577386"/>
+            </a:xfrm>
+          </p:grpSpPr>
+          <p:sp>
+            <p:nvSpPr>
+              <p:cNvPr id="154" name="Rectangle 153">
+                <a:extLst>
+                  <a:ext uri="{FF2B5EF4-FFF2-40B4-BE49-F238E27FC236}">
+                    <a16:creationId xmlns:a16="http://schemas.microsoft.com/office/drawing/2014/main" id="{4CCB0313-4F99-F2C2-0C5C-40B4C20097B3}"/>
+                  </a:ext>
+                </a:extLst>
+              </p:cNvPr>
+              <p:cNvSpPr/>
+              <p:nvPr/>
+            </p:nvSpPr>
+            <p:spPr>
+              <a:xfrm>
+                <a:off x="8505645" y="1579216"/>
+                <a:ext cx="1576250" cy="577386"/>
+              </a:xfrm>
+              <a:prstGeom prst="rect">
+                <a:avLst/>
+              </a:prstGeom>
+            </p:spPr>
+            <p:style>
+              <a:lnRef idx="2">
+                <a:schemeClr val="accent1">
+                  <a:shade val="50000"/>
+                </a:schemeClr>
+              </a:lnRef>
+              <a:fillRef idx="1">
+                <a:schemeClr val="accent1"/>
+              </a:fillRef>
+              <a:effectRef idx="0">
+                <a:schemeClr val="accent1"/>
+              </a:effectRef>
+              <a:fontRef idx="minor">
+                <a:schemeClr val="lt1"/>
+              </a:fontRef>
+            </p:style>
+            <p:txBody>
+              <a:bodyPr rtlCol="0" anchor="ctr"/>
+              <a:lstStyle/>
+              <a:p>
+                <a:pPr algn="ctr"/>
+                <a:endParaRPr lang="en-GB" dirty="0"/>
+              </a:p>
+            </p:txBody>
+          </p:sp>
+          <p:sp>
+            <p:nvSpPr>
+              <p:cNvPr id="155" name="Rectangle 154">
+                <a:extLst>
+                  <a:ext uri="{FF2B5EF4-FFF2-40B4-BE49-F238E27FC236}">
+                    <a16:creationId xmlns:a16="http://schemas.microsoft.com/office/drawing/2014/main" id="{7248B986-D7BE-3F3D-BC56-29DECD5B8D83}"/>
+                  </a:ext>
+                </a:extLst>
+              </p:cNvPr>
+              <p:cNvSpPr/>
+              <p:nvPr/>
+            </p:nvSpPr>
+            <p:spPr>
+              <a:xfrm>
+                <a:off x="8505645" y="1579216"/>
+                <a:ext cx="467553" cy="577386"/>
+              </a:xfrm>
+              <a:prstGeom prst="rect">
+                <a:avLst/>
+              </a:prstGeom>
+            </p:spPr>
+            <p:style>
+              <a:lnRef idx="1">
+                <a:schemeClr val="dk1"/>
+              </a:lnRef>
+              <a:fillRef idx="2">
+                <a:schemeClr val="dk1"/>
+              </a:fillRef>
+              <a:effectRef idx="1">
+                <a:schemeClr val="dk1"/>
+              </a:effectRef>
+              <a:fontRef idx="minor">
+                <a:schemeClr val="dk1"/>
+              </a:fontRef>
+            </p:style>
+            <p:txBody>
+              <a:bodyPr rtlCol="0" anchor="ctr"/>
+              <a:lstStyle/>
+              <a:p>
+                <a:pPr algn="ctr"/>
+                <a:endParaRPr lang="en-GB"/>
+              </a:p>
+            </p:txBody>
+          </p:sp>
+          <p:sp>
+            <p:nvSpPr>
+              <p:cNvPr id="156" name="TextBox 155">
+                <a:extLst>
+                  <a:ext uri="{FF2B5EF4-FFF2-40B4-BE49-F238E27FC236}">
+                    <a16:creationId xmlns:a16="http://schemas.microsoft.com/office/drawing/2014/main" id="{337B4DAA-7CEF-C6AC-A0BA-C51672918E2C}"/>
+                  </a:ext>
+                </a:extLst>
+              </p:cNvPr>
+              <p:cNvSpPr txBox="1"/>
+              <p:nvPr/>
+            </p:nvSpPr>
+            <p:spPr>
+              <a:xfrm>
+                <a:off x="8607370" y="1593651"/>
+                <a:ext cx="386644" cy="307777"/>
+              </a:xfrm>
+              <a:prstGeom prst="rect">
+                <a:avLst/>
+              </a:prstGeom>
+              <a:noFill/>
+            </p:spPr>
+            <p:txBody>
+              <a:bodyPr wrap="none" rtlCol="0">
+                <a:spAutoFit/>
+              </a:bodyPr>
+              <a:lstStyle/>
+              <a:p>
+                <a:r>
+                  <a:rPr lang="en-GB" sz="1400" dirty="0"/>
+                  <a:t>D2</a:t>
+                </a:r>
+              </a:p>
+            </p:txBody>
+          </p:sp>
+        </p:grpSp>
+        <p:sp>
+          <p:nvSpPr>
+            <p:cNvPr id="153" name="TextBox 152">
+              <a:extLst>
+                <a:ext uri="{FF2B5EF4-FFF2-40B4-BE49-F238E27FC236}">
+                  <a16:creationId xmlns:a16="http://schemas.microsoft.com/office/drawing/2014/main" id="{D44FACC1-0DCA-A37D-27B0-7BB7808C6AD5}"/>
+                </a:ext>
+              </a:extLst>
+            </p:cNvPr>
+            <p:cNvSpPr txBox="1"/>
+            <p:nvPr/>
+          </p:nvSpPr>
+          <p:spPr>
+            <a:xfrm>
+              <a:off x="8973198" y="1693679"/>
+              <a:ext cx="1148342" cy="230832"/>
+            </a:xfrm>
+            <a:prstGeom prst="rect">
+              <a:avLst/>
+            </a:prstGeom>
+            <a:noFill/>
+          </p:spPr>
+          <p:txBody>
+            <a:bodyPr wrap="square" lIns="91440" tIns="45720" rIns="91440" bIns="45720" rtlCol="0" anchor="t">
+              <a:spAutoFit/>
+            </a:bodyPr>
+            <a:lstStyle/>
+            <a:p>
+              <a:pPr algn="ctr"/>
+              <a:r>
+                <a:rPr lang="en-GB" sz="900" dirty="0">
+                  <a:solidFill>
+                    <a:schemeClr val="bg1"/>
+                  </a:solidFill>
+                  <a:cs typeface="Calibri"/>
+                </a:rPr>
+                <a:t>Booking Records</a:t>
+              </a:r>
+            </a:p>
+          </p:txBody>
+        </p:sp>
+      </p:grpSp>
+      <p:grpSp>
+        <p:nvGrpSpPr>
+          <p:cNvPr id="157" name="Group 156">
+            <a:extLst>
+              <a:ext uri="{FF2B5EF4-FFF2-40B4-BE49-F238E27FC236}">
+                <a16:creationId xmlns:a16="http://schemas.microsoft.com/office/drawing/2014/main" id="{A82E7343-1333-E789-D0C5-21C6E2A46FAD}"/>
+              </a:ext>
+            </a:extLst>
+          </p:cNvPr>
+          <p:cNvGrpSpPr/>
+          <p:nvPr/>
+        </p:nvGrpSpPr>
+        <p:grpSpPr>
+          <a:xfrm>
+            <a:off x="895536" y="1209338"/>
+            <a:ext cx="1615895" cy="577386"/>
+            <a:chOff x="8505645" y="1579216"/>
+            <a:chExt cx="1615895" cy="577386"/>
+          </a:xfrm>
+        </p:grpSpPr>
+        <p:grpSp>
+          <p:nvGrpSpPr>
+            <p:cNvPr id="158" name="Group 157">
+              <a:extLst>
+                <a:ext uri="{FF2B5EF4-FFF2-40B4-BE49-F238E27FC236}">
+                  <a16:creationId xmlns:a16="http://schemas.microsoft.com/office/drawing/2014/main" id="{74F46C4E-A990-FB64-464F-D00A7E378122}"/>
+                </a:ext>
+              </a:extLst>
+            </p:cNvPr>
+            <p:cNvGrpSpPr/>
+            <p:nvPr/>
+          </p:nvGrpSpPr>
+          <p:grpSpPr>
+            <a:xfrm>
+              <a:off x="8505645" y="1579216"/>
+              <a:ext cx="1576250" cy="577386"/>
+              <a:chOff x="8505645" y="1579216"/>
+              <a:chExt cx="1576250" cy="577386"/>
+            </a:xfrm>
+          </p:grpSpPr>
+          <p:sp>
+            <p:nvSpPr>
+              <p:cNvPr id="160" name="Rectangle 159">
+                <a:extLst>
+                  <a:ext uri="{FF2B5EF4-FFF2-40B4-BE49-F238E27FC236}">
+                    <a16:creationId xmlns:a16="http://schemas.microsoft.com/office/drawing/2014/main" id="{26DF3CEA-E9ED-4309-421C-27C4F172204B}"/>
+                  </a:ext>
+                </a:extLst>
+              </p:cNvPr>
+              <p:cNvSpPr/>
+              <p:nvPr/>
+            </p:nvSpPr>
+            <p:spPr>
+              <a:xfrm>
+                <a:off x="8505645" y="1579216"/>
+                <a:ext cx="1576250" cy="577386"/>
+              </a:xfrm>
+              <a:prstGeom prst="rect">
+                <a:avLst/>
+              </a:prstGeom>
+            </p:spPr>
+            <p:style>
+              <a:lnRef idx="2">
+                <a:schemeClr val="accent1">
+                  <a:shade val="50000"/>
+                </a:schemeClr>
+              </a:lnRef>
+              <a:fillRef idx="1">
+                <a:schemeClr val="accent1"/>
+              </a:fillRef>
+              <a:effectRef idx="0">
+                <a:schemeClr val="accent1"/>
+              </a:effectRef>
+              <a:fontRef idx="minor">
+                <a:schemeClr val="lt1"/>
+              </a:fontRef>
+            </p:style>
+            <p:txBody>
+              <a:bodyPr rtlCol="0" anchor="ctr"/>
+              <a:lstStyle/>
+              <a:p>
+                <a:pPr algn="ctr"/>
+                <a:endParaRPr lang="en-GB" dirty="0"/>
+              </a:p>
+            </p:txBody>
+          </p:sp>
+          <p:sp>
+            <p:nvSpPr>
+              <p:cNvPr id="161" name="Rectangle 160">
+                <a:extLst>
+                  <a:ext uri="{FF2B5EF4-FFF2-40B4-BE49-F238E27FC236}">
+                    <a16:creationId xmlns:a16="http://schemas.microsoft.com/office/drawing/2014/main" id="{B15C6459-ACDC-42BD-6F5F-70CBBBAB400C}"/>
+                  </a:ext>
+                </a:extLst>
+              </p:cNvPr>
+              <p:cNvSpPr/>
+              <p:nvPr/>
+            </p:nvSpPr>
+            <p:spPr>
+              <a:xfrm>
+                <a:off x="8505645" y="1579216"/>
+                <a:ext cx="467553" cy="577386"/>
+              </a:xfrm>
+              <a:prstGeom prst="rect">
+                <a:avLst/>
+              </a:prstGeom>
+            </p:spPr>
+            <p:style>
+              <a:lnRef idx="1">
+                <a:schemeClr val="dk1"/>
+              </a:lnRef>
+              <a:fillRef idx="2">
+                <a:schemeClr val="dk1"/>
+              </a:fillRef>
+              <a:effectRef idx="1">
+                <a:schemeClr val="dk1"/>
+              </a:effectRef>
+              <a:fontRef idx="minor">
+                <a:schemeClr val="dk1"/>
+              </a:fontRef>
+            </p:style>
+            <p:txBody>
+              <a:bodyPr rtlCol="0" anchor="ctr"/>
+              <a:lstStyle/>
+              <a:p>
+                <a:pPr algn="ctr"/>
+                <a:endParaRPr lang="en-GB"/>
+              </a:p>
+            </p:txBody>
+          </p:sp>
+          <p:sp>
+            <p:nvSpPr>
+              <p:cNvPr id="162" name="TextBox 161">
+                <a:extLst>
+                  <a:ext uri="{FF2B5EF4-FFF2-40B4-BE49-F238E27FC236}">
+                    <a16:creationId xmlns:a16="http://schemas.microsoft.com/office/drawing/2014/main" id="{F1ACF01C-451D-3860-085A-DFBE05F2F837}"/>
+                  </a:ext>
+                </a:extLst>
+              </p:cNvPr>
+              <p:cNvSpPr txBox="1"/>
+              <p:nvPr/>
+            </p:nvSpPr>
+            <p:spPr>
+              <a:xfrm>
+                <a:off x="8607370" y="1593651"/>
+                <a:ext cx="386644" cy="307777"/>
+              </a:xfrm>
+              <a:prstGeom prst="rect">
+                <a:avLst/>
+              </a:prstGeom>
+              <a:noFill/>
+            </p:spPr>
+            <p:txBody>
+              <a:bodyPr wrap="none" rtlCol="0">
+                <a:spAutoFit/>
+              </a:bodyPr>
+              <a:lstStyle/>
+              <a:p>
+                <a:r>
+                  <a:rPr lang="en-GB" sz="1400" dirty="0"/>
+                  <a:t>D1</a:t>
+                </a:r>
+              </a:p>
+            </p:txBody>
+          </p:sp>
+        </p:grpSp>
+        <p:sp>
+          <p:nvSpPr>
+            <p:cNvPr id="159" name="TextBox 158">
+              <a:extLst>
+                <a:ext uri="{FF2B5EF4-FFF2-40B4-BE49-F238E27FC236}">
+                  <a16:creationId xmlns:a16="http://schemas.microsoft.com/office/drawing/2014/main" id="{62FC29D6-4D67-44CA-8157-8EB97E6A400A}"/>
+                </a:ext>
+              </a:extLst>
+            </p:cNvPr>
+            <p:cNvSpPr txBox="1"/>
+            <p:nvPr/>
+          </p:nvSpPr>
+          <p:spPr>
+            <a:xfrm>
+              <a:off x="8973198" y="1693679"/>
+              <a:ext cx="1148342" cy="230832"/>
+            </a:xfrm>
+            <a:prstGeom prst="rect">
+              <a:avLst/>
+            </a:prstGeom>
+            <a:noFill/>
+          </p:spPr>
+          <p:txBody>
+            <a:bodyPr wrap="square" lIns="91440" tIns="45720" rIns="91440" bIns="45720" rtlCol="0" anchor="t">
+              <a:spAutoFit/>
+            </a:bodyPr>
+            <a:lstStyle/>
+            <a:p>
+              <a:pPr algn="ctr"/>
+              <a:r>
+                <a:rPr lang="en-GB" sz="900" dirty="0">
+                  <a:solidFill>
+                    <a:schemeClr val="bg1"/>
+                  </a:solidFill>
+                  <a:cs typeface="Calibri"/>
+                </a:rPr>
+                <a:t>Customer Records</a:t>
+              </a:r>
+              <a:endParaRPr lang="en-GB" sz="900" dirty="0">
+                <a:solidFill>
+                  <a:schemeClr val="bg1"/>
+                </a:solidFill>
+              </a:endParaRPr>
+            </a:p>
+          </p:txBody>
+        </p:sp>
+      </p:grpSp>
+      <p:grpSp>
+        <p:nvGrpSpPr>
+          <p:cNvPr id="163" name="Group 162">
+            <a:extLst>
+              <a:ext uri="{FF2B5EF4-FFF2-40B4-BE49-F238E27FC236}">
+                <a16:creationId xmlns:a16="http://schemas.microsoft.com/office/drawing/2014/main" id="{BA3BF305-0497-784D-3B01-D5638966D4F3}"/>
+              </a:ext>
+            </a:extLst>
+          </p:cNvPr>
+          <p:cNvGrpSpPr/>
+          <p:nvPr/>
+        </p:nvGrpSpPr>
+        <p:grpSpPr>
+          <a:xfrm>
+            <a:off x="895536" y="2864137"/>
+            <a:ext cx="1615895" cy="577386"/>
+            <a:chOff x="8505645" y="1579216"/>
+            <a:chExt cx="1615895" cy="577386"/>
+          </a:xfrm>
+        </p:grpSpPr>
+        <p:grpSp>
+          <p:nvGrpSpPr>
+            <p:cNvPr id="164" name="Group 163">
+              <a:extLst>
+                <a:ext uri="{FF2B5EF4-FFF2-40B4-BE49-F238E27FC236}">
+                  <a16:creationId xmlns:a16="http://schemas.microsoft.com/office/drawing/2014/main" id="{9852F987-3F5D-4BD5-3BBF-8E19FDC54EA1}"/>
+                </a:ext>
+              </a:extLst>
+            </p:cNvPr>
+            <p:cNvGrpSpPr/>
+            <p:nvPr/>
+          </p:nvGrpSpPr>
+          <p:grpSpPr>
+            <a:xfrm>
+              <a:off x="8505645" y="1579216"/>
+              <a:ext cx="1576250" cy="577386"/>
+              <a:chOff x="8505645" y="1579216"/>
+              <a:chExt cx="1576250" cy="577386"/>
+            </a:xfrm>
+          </p:grpSpPr>
+          <p:sp>
+            <p:nvSpPr>
+              <p:cNvPr id="166" name="Rectangle 165">
+                <a:extLst>
+                  <a:ext uri="{FF2B5EF4-FFF2-40B4-BE49-F238E27FC236}">
+                    <a16:creationId xmlns:a16="http://schemas.microsoft.com/office/drawing/2014/main" id="{8A7D8AF8-D9FB-9AA5-105E-3BA3F99EAB1C}"/>
+                  </a:ext>
+                </a:extLst>
+              </p:cNvPr>
+              <p:cNvSpPr/>
+              <p:nvPr/>
+            </p:nvSpPr>
+            <p:spPr>
+              <a:xfrm>
+                <a:off x="8505645" y="1579216"/>
+                <a:ext cx="1576250" cy="577386"/>
+              </a:xfrm>
+              <a:prstGeom prst="rect">
+                <a:avLst/>
+              </a:prstGeom>
+            </p:spPr>
+            <p:style>
+              <a:lnRef idx="2">
+                <a:schemeClr val="accent1">
+                  <a:shade val="50000"/>
+                </a:schemeClr>
+              </a:lnRef>
+              <a:fillRef idx="1">
+                <a:schemeClr val="accent1"/>
+              </a:fillRef>
+              <a:effectRef idx="0">
+                <a:schemeClr val="accent1"/>
+              </a:effectRef>
+              <a:fontRef idx="minor">
+                <a:schemeClr val="lt1"/>
+              </a:fontRef>
+            </p:style>
+            <p:txBody>
+              <a:bodyPr rtlCol="0" anchor="ctr"/>
+              <a:lstStyle/>
+              <a:p>
+                <a:pPr algn="ctr"/>
+                <a:endParaRPr lang="en-GB" dirty="0"/>
+              </a:p>
+            </p:txBody>
+          </p:sp>
+          <p:sp>
+            <p:nvSpPr>
+              <p:cNvPr id="167" name="Rectangle 166">
+                <a:extLst>
+                  <a:ext uri="{FF2B5EF4-FFF2-40B4-BE49-F238E27FC236}">
+                    <a16:creationId xmlns:a16="http://schemas.microsoft.com/office/drawing/2014/main" id="{213E27FA-171D-AB6A-1C4C-B4F6C9B788E3}"/>
+                  </a:ext>
+                </a:extLst>
+              </p:cNvPr>
+              <p:cNvSpPr/>
+              <p:nvPr/>
+            </p:nvSpPr>
+            <p:spPr>
+              <a:xfrm>
+                <a:off x="8505645" y="1579216"/>
+                <a:ext cx="467553" cy="577386"/>
+              </a:xfrm>
+              <a:prstGeom prst="rect">
+                <a:avLst/>
+              </a:prstGeom>
+            </p:spPr>
+            <p:style>
+              <a:lnRef idx="1">
+                <a:schemeClr val="dk1"/>
+              </a:lnRef>
+              <a:fillRef idx="2">
+                <a:schemeClr val="dk1"/>
+              </a:fillRef>
+              <a:effectRef idx="1">
+                <a:schemeClr val="dk1"/>
+              </a:effectRef>
+              <a:fontRef idx="minor">
+                <a:schemeClr val="dk1"/>
+              </a:fontRef>
+            </p:style>
+            <p:txBody>
+              <a:bodyPr rtlCol="0" anchor="ctr"/>
+              <a:lstStyle/>
+              <a:p>
+                <a:pPr algn="ctr"/>
+                <a:endParaRPr lang="en-GB"/>
+              </a:p>
+            </p:txBody>
+          </p:sp>
+          <p:sp>
+            <p:nvSpPr>
+              <p:cNvPr id="168" name="TextBox 167">
+                <a:extLst>
+                  <a:ext uri="{FF2B5EF4-FFF2-40B4-BE49-F238E27FC236}">
+                    <a16:creationId xmlns:a16="http://schemas.microsoft.com/office/drawing/2014/main" id="{B340D910-3B15-1E5E-0FAF-89F9994ACA9C}"/>
+                  </a:ext>
+                </a:extLst>
+              </p:cNvPr>
+              <p:cNvSpPr txBox="1"/>
+              <p:nvPr/>
+            </p:nvSpPr>
+            <p:spPr>
+              <a:xfrm>
+                <a:off x="8607370" y="1593651"/>
+                <a:ext cx="386644" cy="307777"/>
+              </a:xfrm>
+              <a:prstGeom prst="rect">
+                <a:avLst/>
+              </a:prstGeom>
+              <a:noFill/>
+            </p:spPr>
+            <p:txBody>
+              <a:bodyPr wrap="none" rtlCol="0">
+                <a:spAutoFit/>
+              </a:bodyPr>
+              <a:lstStyle/>
+              <a:p>
+                <a:r>
+                  <a:rPr lang="en-GB" sz="1400" dirty="0"/>
+                  <a:t>D3</a:t>
+                </a:r>
+              </a:p>
+            </p:txBody>
+          </p:sp>
+        </p:grpSp>
+        <p:sp>
+          <p:nvSpPr>
+            <p:cNvPr id="165" name="TextBox 164">
+              <a:extLst>
+                <a:ext uri="{FF2B5EF4-FFF2-40B4-BE49-F238E27FC236}">
+                  <a16:creationId xmlns:a16="http://schemas.microsoft.com/office/drawing/2014/main" id="{DD2F7E81-CD8B-1E94-4CF5-9E426B885730}"/>
+                </a:ext>
+              </a:extLst>
+            </p:cNvPr>
+            <p:cNvSpPr txBox="1"/>
+            <p:nvPr/>
+          </p:nvSpPr>
+          <p:spPr>
+            <a:xfrm>
+              <a:off x="8973198" y="1693679"/>
+              <a:ext cx="1148342" cy="230832"/>
+            </a:xfrm>
+            <a:prstGeom prst="rect">
+              <a:avLst/>
+            </a:prstGeom>
+            <a:noFill/>
+          </p:spPr>
+          <p:txBody>
+            <a:bodyPr wrap="square" lIns="91440" tIns="45720" rIns="91440" bIns="45720" rtlCol="0" anchor="t">
+              <a:spAutoFit/>
+            </a:bodyPr>
+            <a:lstStyle/>
+            <a:p>
+              <a:pPr algn="ctr"/>
+              <a:r>
+                <a:rPr lang="en-GB" sz="900" dirty="0">
+                  <a:solidFill>
+                    <a:schemeClr val="bg1"/>
+                  </a:solidFill>
+                  <a:cs typeface="Calibri"/>
+                </a:rPr>
+                <a:t>Meal Orders</a:t>
+              </a:r>
+            </a:p>
+          </p:txBody>
+        </p:sp>
+      </p:grpSp>
+      <p:grpSp>
+        <p:nvGrpSpPr>
+          <p:cNvPr id="169" name="Group 168">
+            <a:extLst>
+              <a:ext uri="{FF2B5EF4-FFF2-40B4-BE49-F238E27FC236}">
+                <a16:creationId xmlns:a16="http://schemas.microsoft.com/office/drawing/2014/main" id="{081CFEF9-6BFD-02CF-F7EA-D847A548FCFE}"/>
+              </a:ext>
+            </a:extLst>
+          </p:cNvPr>
+          <p:cNvGrpSpPr/>
+          <p:nvPr/>
+        </p:nvGrpSpPr>
+        <p:grpSpPr>
+          <a:xfrm>
+            <a:off x="895536" y="3678860"/>
+            <a:ext cx="1615895" cy="577386"/>
+            <a:chOff x="8505645" y="1579216"/>
+            <a:chExt cx="1615895" cy="577386"/>
+          </a:xfrm>
+        </p:grpSpPr>
+        <p:grpSp>
+          <p:nvGrpSpPr>
+            <p:cNvPr id="170" name="Group 169">
+              <a:extLst>
+                <a:ext uri="{FF2B5EF4-FFF2-40B4-BE49-F238E27FC236}">
+                  <a16:creationId xmlns:a16="http://schemas.microsoft.com/office/drawing/2014/main" id="{F8767C2E-F91B-50DD-8552-08E4E77EBD09}"/>
+                </a:ext>
+              </a:extLst>
+            </p:cNvPr>
+            <p:cNvGrpSpPr/>
+            <p:nvPr/>
+          </p:nvGrpSpPr>
+          <p:grpSpPr>
+            <a:xfrm>
+              <a:off x="8505645" y="1579216"/>
+              <a:ext cx="1576250" cy="577386"/>
+              <a:chOff x="8505645" y="1579216"/>
+              <a:chExt cx="1576250" cy="577386"/>
+            </a:xfrm>
+          </p:grpSpPr>
+          <p:sp>
+            <p:nvSpPr>
+              <p:cNvPr id="172" name="Rectangle 171">
+                <a:extLst>
+                  <a:ext uri="{FF2B5EF4-FFF2-40B4-BE49-F238E27FC236}">
+                    <a16:creationId xmlns:a16="http://schemas.microsoft.com/office/drawing/2014/main" id="{2BAF6E97-E861-64A6-1998-EF55FA752262}"/>
+                  </a:ext>
+                </a:extLst>
+              </p:cNvPr>
+              <p:cNvSpPr/>
+              <p:nvPr/>
+            </p:nvSpPr>
+            <p:spPr>
+              <a:xfrm>
+                <a:off x="8505645" y="1579216"/>
+                <a:ext cx="1576250" cy="577386"/>
+              </a:xfrm>
+              <a:prstGeom prst="rect">
+                <a:avLst/>
+              </a:prstGeom>
+            </p:spPr>
+            <p:style>
+              <a:lnRef idx="2">
+                <a:schemeClr val="accent1">
+                  <a:shade val="50000"/>
+                </a:schemeClr>
+              </a:lnRef>
+              <a:fillRef idx="1">
+                <a:schemeClr val="accent1"/>
+              </a:fillRef>
+              <a:effectRef idx="0">
+                <a:schemeClr val="accent1"/>
+              </a:effectRef>
+              <a:fontRef idx="minor">
+                <a:schemeClr val="lt1"/>
+              </a:fontRef>
+            </p:style>
+            <p:txBody>
+              <a:bodyPr rtlCol="0" anchor="ctr"/>
+              <a:lstStyle/>
+              <a:p>
+                <a:pPr algn="ctr"/>
+                <a:endParaRPr lang="en-GB" dirty="0"/>
+              </a:p>
+            </p:txBody>
+          </p:sp>
+          <p:sp>
+            <p:nvSpPr>
+              <p:cNvPr id="173" name="Rectangle 172">
+                <a:extLst>
+                  <a:ext uri="{FF2B5EF4-FFF2-40B4-BE49-F238E27FC236}">
+                    <a16:creationId xmlns:a16="http://schemas.microsoft.com/office/drawing/2014/main" id="{908FE377-135C-A196-E4DC-91214FDFB863}"/>
+                  </a:ext>
+                </a:extLst>
+              </p:cNvPr>
+              <p:cNvSpPr/>
+              <p:nvPr/>
+            </p:nvSpPr>
+            <p:spPr>
+              <a:xfrm>
+                <a:off x="8505645" y="1579216"/>
+                <a:ext cx="467553" cy="577386"/>
+              </a:xfrm>
+              <a:prstGeom prst="rect">
+                <a:avLst/>
+              </a:prstGeom>
+            </p:spPr>
+            <p:style>
+              <a:lnRef idx="1">
+                <a:schemeClr val="dk1"/>
+              </a:lnRef>
+              <a:fillRef idx="2">
+                <a:schemeClr val="dk1"/>
+              </a:fillRef>
+              <a:effectRef idx="1">
+                <a:schemeClr val="dk1"/>
+              </a:effectRef>
+              <a:fontRef idx="minor">
+                <a:schemeClr val="dk1"/>
+              </a:fontRef>
+            </p:style>
+            <p:txBody>
+              <a:bodyPr rtlCol="0" anchor="ctr"/>
+              <a:lstStyle/>
+              <a:p>
+                <a:pPr algn="ctr"/>
+                <a:endParaRPr lang="en-GB"/>
+              </a:p>
+            </p:txBody>
+          </p:sp>
+          <p:sp>
+            <p:nvSpPr>
+              <p:cNvPr id="174" name="TextBox 173">
+                <a:extLst>
+                  <a:ext uri="{FF2B5EF4-FFF2-40B4-BE49-F238E27FC236}">
+                    <a16:creationId xmlns:a16="http://schemas.microsoft.com/office/drawing/2014/main" id="{F860AB6A-2358-4B7F-602F-22D0AC429B95}"/>
+                  </a:ext>
+                </a:extLst>
+              </p:cNvPr>
+              <p:cNvSpPr txBox="1"/>
+              <p:nvPr/>
+            </p:nvSpPr>
+            <p:spPr>
+              <a:xfrm>
+                <a:off x="8607370" y="1593651"/>
+                <a:ext cx="386644" cy="307777"/>
+              </a:xfrm>
+              <a:prstGeom prst="rect">
+                <a:avLst/>
+              </a:prstGeom>
+              <a:noFill/>
+            </p:spPr>
+            <p:txBody>
+              <a:bodyPr wrap="none" rtlCol="0">
+                <a:spAutoFit/>
+              </a:bodyPr>
+              <a:lstStyle/>
+              <a:p>
+                <a:r>
+                  <a:rPr lang="en-GB" sz="1400" dirty="0"/>
+                  <a:t>D4</a:t>
+                </a:r>
+              </a:p>
+            </p:txBody>
+          </p:sp>
+        </p:grpSp>
+        <p:sp>
+          <p:nvSpPr>
+            <p:cNvPr id="171" name="TextBox 170">
+              <a:extLst>
+                <a:ext uri="{FF2B5EF4-FFF2-40B4-BE49-F238E27FC236}">
+                  <a16:creationId xmlns:a16="http://schemas.microsoft.com/office/drawing/2014/main" id="{D37BB70B-07BB-58E1-3352-294403380BB4}"/>
+                </a:ext>
+              </a:extLst>
+            </p:cNvPr>
+            <p:cNvSpPr txBox="1"/>
+            <p:nvPr/>
+          </p:nvSpPr>
+          <p:spPr>
+            <a:xfrm>
+              <a:off x="8973198" y="1693679"/>
+              <a:ext cx="1148342" cy="230832"/>
+            </a:xfrm>
+            <a:prstGeom prst="rect">
+              <a:avLst/>
+            </a:prstGeom>
+            <a:noFill/>
+          </p:spPr>
+          <p:txBody>
+            <a:bodyPr wrap="square" lIns="91440" tIns="45720" rIns="91440" bIns="45720" rtlCol="0" anchor="t">
+              <a:spAutoFit/>
+            </a:bodyPr>
+            <a:lstStyle/>
+            <a:p>
+              <a:pPr algn="ctr"/>
+              <a:r>
+                <a:rPr lang="en-GB" sz="900" dirty="0">
+                  <a:solidFill>
+                    <a:schemeClr val="bg1"/>
+                  </a:solidFill>
+                  <a:cs typeface="Calibri"/>
+                </a:rPr>
+                <a:t>Payment Records</a:t>
+              </a:r>
+            </a:p>
+          </p:txBody>
+        </p:sp>
+      </p:grpSp>
+      <p:grpSp>
+        <p:nvGrpSpPr>
+          <p:cNvPr id="175" name="Group 174">
+            <a:extLst>
+              <a:ext uri="{FF2B5EF4-FFF2-40B4-BE49-F238E27FC236}">
+                <a16:creationId xmlns:a16="http://schemas.microsoft.com/office/drawing/2014/main" id="{6DF799D2-142C-7C6E-84DB-EBBABF8062E7}"/>
+              </a:ext>
+            </a:extLst>
+          </p:cNvPr>
+          <p:cNvGrpSpPr/>
+          <p:nvPr/>
+        </p:nvGrpSpPr>
+        <p:grpSpPr>
+          <a:xfrm>
+            <a:off x="895536" y="4538838"/>
+            <a:ext cx="1615895" cy="577386"/>
+            <a:chOff x="8505645" y="1579216"/>
+            <a:chExt cx="1615895" cy="577386"/>
+          </a:xfrm>
+        </p:grpSpPr>
+        <p:grpSp>
+          <p:nvGrpSpPr>
+            <p:cNvPr id="176" name="Group 175">
+              <a:extLst>
+                <a:ext uri="{FF2B5EF4-FFF2-40B4-BE49-F238E27FC236}">
+                  <a16:creationId xmlns:a16="http://schemas.microsoft.com/office/drawing/2014/main" id="{081CCD3D-CC20-0713-7760-089ECBED26B6}"/>
+                </a:ext>
+              </a:extLst>
+            </p:cNvPr>
+            <p:cNvGrpSpPr/>
+            <p:nvPr/>
+          </p:nvGrpSpPr>
+          <p:grpSpPr>
+            <a:xfrm>
+              <a:off x="8505645" y="1579216"/>
+              <a:ext cx="1576250" cy="577386"/>
+              <a:chOff x="8505645" y="1579216"/>
+              <a:chExt cx="1576250" cy="577386"/>
+            </a:xfrm>
+          </p:grpSpPr>
+          <p:sp>
+            <p:nvSpPr>
+              <p:cNvPr id="178" name="Rectangle 177">
+                <a:extLst>
+                  <a:ext uri="{FF2B5EF4-FFF2-40B4-BE49-F238E27FC236}">
+                    <a16:creationId xmlns:a16="http://schemas.microsoft.com/office/drawing/2014/main" id="{09FAD0B2-95A3-7B2B-BC20-73AD498AFB52}"/>
+                  </a:ext>
+                </a:extLst>
+              </p:cNvPr>
+              <p:cNvSpPr/>
+              <p:nvPr/>
+            </p:nvSpPr>
+            <p:spPr>
+              <a:xfrm>
+                <a:off x="8505645" y="1579216"/>
+                <a:ext cx="1576250" cy="577386"/>
+              </a:xfrm>
+              <a:prstGeom prst="rect">
+                <a:avLst/>
+              </a:prstGeom>
+            </p:spPr>
+            <p:style>
+              <a:lnRef idx="2">
+                <a:schemeClr val="accent1">
+                  <a:shade val="50000"/>
+                </a:schemeClr>
+              </a:lnRef>
+              <a:fillRef idx="1">
+                <a:schemeClr val="accent1"/>
+              </a:fillRef>
+              <a:effectRef idx="0">
+                <a:schemeClr val="accent1"/>
+              </a:effectRef>
+              <a:fontRef idx="minor">
+                <a:schemeClr val="lt1"/>
+              </a:fontRef>
+            </p:style>
+            <p:txBody>
+              <a:bodyPr rtlCol="0" anchor="ctr"/>
+              <a:lstStyle/>
+              <a:p>
+                <a:pPr algn="ctr"/>
+                <a:endParaRPr lang="en-GB" dirty="0"/>
+              </a:p>
+            </p:txBody>
+          </p:sp>
+          <p:sp>
+            <p:nvSpPr>
+              <p:cNvPr id="179" name="Rectangle 178">
+                <a:extLst>
+                  <a:ext uri="{FF2B5EF4-FFF2-40B4-BE49-F238E27FC236}">
+                    <a16:creationId xmlns:a16="http://schemas.microsoft.com/office/drawing/2014/main" id="{3FF35139-3BF1-2FFD-0A0C-E4A06DA27080}"/>
+                  </a:ext>
+                </a:extLst>
+              </p:cNvPr>
+              <p:cNvSpPr/>
+              <p:nvPr/>
+            </p:nvSpPr>
+            <p:spPr>
+              <a:xfrm>
+                <a:off x="8505645" y="1579216"/>
+                <a:ext cx="467553" cy="577386"/>
+              </a:xfrm>
+              <a:prstGeom prst="rect">
+                <a:avLst/>
+              </a:prstGeom>
+            </p:spPr>
+            <p:style>
+              <a:lnRef idx="1">
+                <a:schemeClr val="dk1"/>
+              </a:lnRef>
+              <a:fillRef idx="2">
+                <a:schemeClr val="dk1"/>
+              </a:fillRef>
+              <a:effectRef idx="1">
+                <a:schemeClr val="dk1"/>
+              </a:effectRef>
+              <a:fontRef idx="minor">
+                <a:schemeClr val="dk1"/>
+              </a:fontRef>
+            </p:style>
+            <p:txBody>
+              <a:bodyPr rtlCol="0" anchor="ctr"/>
+              <a:lstStyle/>
+              <a:p>
+                <a:pPr algn="ctr"/>
+                <a:endParaRPr lang="en-GB"/>
+              </a:p>
+            </p:txBody>
+          </p:sp>
+          <p:sp>
+            <p:nvSpPr>
+              <p:cNvPr id="180" name="TextBox 179">
+                <a:extLst>
+                  <a:ext uri="{FF2B5EF4-FFF2-40B4-BE49-F238E27FC236}">
+                    <a16:creationId xmlns:a16="http://schemas.microsoft.com/office/drawing/2014/main" id="{34A73CB9-EB10-F047-88D0-533F36B234AA}"/>
+                  </a:ext>
+                </a:extLst>
+              </p:cNvPr>
+              <p:cNvSpPr txBox="1"/>
+              <p:nvPr/>
+            </p:nvSpPr>
+            <p:spPr>
+              <a:xfrm>
+                <a:off x="8607370" y="1593651"/>
+                <a:ext cx="386644" cy="307777"/>
+              </a:xfrm>
+              <a:prstGeom prst="rect">
+                <a:avLst/>
+              </a:prstGeom>
+              <a:noFill/>
+            </p:spPr>
+            <p:txBody>
+              <a:bodyPr wrap="none" rtlCol="0">
+                <a:spAutoFit/>
+              </a:bodyPr>
+              <a:lstStyle/>
+              <a:p>
+                <a:r>
+                  <a:rPr lang="en-GB" sz="1400" dirty="0"/>
+                  <a:t>D5</a:t>
+                </a:r>
+              </a:p>
+            </p:txBody>
+          </p:sp>
+        </p:grpSp>
+        <p:sp>
+          <p:nvSpPr>
+            <p:cNvPr id="177" name="TextBox 176">
+              <a:extLst>
+                <a:ext uri="{FF2B5EF4-FFF2-40B4-BE49-F238E27FC236}">
+                  <a16:creationId xmlns:a16="http://schemas.microsoft.com/office/drawing/2014/main" id="{B8DB3982-E1BE-D898-5261-74A091B7F8AC}"/>
+                </a:ext>
+              </a:extLst>
+            </p:cNvPr>
+            <p:cNvSpPr txBox="1"/>
+            <p:nvPr/>
+          </p:nvSpPr>
+          <p:spPr>
+            <a:xfrm>
+              <a:off x="8973198" y="1693679"/>
+              <a:ext cx="1148342" cy="230832"/>
+            </a:xfrm>
+            <a:prstGeom prst="rect">
+              <a:avLst/>
+            </a:prstGeom>
+            <a:noFill/>
+          </p:spPr>
+          <p:txBody>
+            <a:bodyPr wrap="square" lIns="91440" tIns="45720" rIns="91440" bIns="45720" rtlCol="0" anchor="t">
+              <a:spAutoFit/>
+            </a:bodyPr>
+            <a:lstStyle/>
+            <a:p>
+              <a:pPr algn="ctr"/>
+              <a:r>
+                <a:rPr lang="en-GB" sz="900" dirty="0">
+                  <a:solidFill>
+                    <a:schemeClr val="bg1"/>
+                  </a:solidFill>
+                  <a:cs typeface="Calibri"/>
+                </a:rPr>
+                <a:t>Room Records</a:t>
+              </a:r>
+            </a:p>
+          </p:txBody>
+        </p:sp>
+      </p:grpSp>
+      <p:grpSp>
+        <p:nvGrpSpPr>
+          <p:cNvPr id="181" name="Group 180">
+            <a:extLst>
+              <a:ext uri="{FF2B5EF4-FFF2-40B4-BE49-F238E27FC236}">
+                <a16:creationId xmlns:a16="http://schemas.microsoft.com/office/drawing/2014/main" id="{FC7B05BC-C5CE-4266-ADD8-7B5BBDE751C7}"/>
+              </a:ext>
+            </a:extLst>
+          </p:cNvPr>
+          <p:cNvGrpSpPr/>
+          <p:nvPr/>
+        </p:nvGrpSpPr>
+        <p:grpSpPr>
+          <a:xfrm>
+            <a:off x="4244934" y="1966433"/>
+            <a:ext cx="1576255" cy="859231"/>
+            <a:chOff x="5307869" y="2989652"/>
+            <a:chExt cx="1576255" cy="859231"/>
+          </a:xfrm>
+        </p:grpSpPr>
+        <p:grpSp>
+          <p:nvGrpSpPr>
+            <p:cNvPr id="182" name="Group 181">
+              <a:extLst>
+                <a:ext uri="{FF2B5EF4-FFF2-40B4-BE49-F238E27FC236}">
+                  <a16:creationId xmlns:a16="http://schemas.microsoft.com/office/drawing/2014/main" id="{DCCD4239-CDB0-BD11-5C1D-53CD5431F9CC}"/>
+                </a:ext>
+              </a:extLst>
+            </p:cNvPr>
+            <p:cNvGrpSpPr/>
+            <p:nvPr/>
+          </p:nvGrpSpPr>
+          <p:grpSpPr>
+            <a:xfrm>
+              <a:off x="5307874" y="3015037"/>
+              <a:ext cx="1576250" cy="833846"/>
+              <a:chOff x="6409426" y="1313975"/>
+              <a:chExt cx="1733910" cy="980651"/>
+            </a:xfrm>
+          </p:grpSpPr>
+          <p:sp>
+            <p:nvSpPr>
+              <p:cNvPr id="185" name="Rectangle: Rounded Corners 184">
+                <a:extLst>
+                  <a:ext uri="{FF2B5EF4-FFF2-40B4-BE49-F238E27FC236}">
+                    <a16:creationId xmlns:a16="http://schemas.microsoft.com/office/drawing/2014/main" id="{9D9A1221-1364-DD27-AE53-FFE824522395}"/>
+                  </a:ext>
+                </a:extLst>
+              </p:cNvPr>
+              <p:cNvSpPr/>
+              <p:nvPr/>
+            </p:nvSpPr>
+            <p:spPr>
+              <a:xfrm>
+                <a:off x="6409426" y="1313975"/>
+                <a:ext cx="1733910" cy="980651"/>
+              </a:xfrm>
+              <a:prstGeom prst="roundRect">
+                <a:avLst/>
+              </a:prstGeom>
+            </p:spPr>
+            <p:style>
+              <a:lnRef idx="2">
+                <a:schemeClr val="accent1">
+                  <a:shade val="50000"/>
+                </a:schemeClr>
+              </a:lnRef>
+              <a:fillRef idx="1">
+                <a:schemeClr val="accent1"/>
+              </a:fillRef>
+              <a:effectRef idx="0">
+                <a:schemeClr val="accent1"/>
+              </a:effectRef>
+              <a:fontRef idx="minor">
+                <a:schemeClr val="lt1"/>
+              </a:fontRef>
+            </p:style>
+            <p:txBody>
+              <a:bodyPr rtlCol="0" anchor="ctr"/>
+              <a:lstStyle/>
+              <a:p>
+                <a:pPr algn="ctr"/>
+                <a:endParaRPr lang="en-GB" dirty="0"/>
+              </a:p>
+            </p:txBody>
+          </p:sp>
+          <p:cxnSp>
+            <p:nvCxnSpPr>
+              <p:cNvPr id="186" name="Straight Connector 185">
+                <a:extLst>
+                  <a:ext uri="{FF2B5EF4-FFF2-40B4-BE49-F238E27FC236}">
+                    <a16:creationId xmlns:a16="http://schemas.microsoft.com/office/drawing/2014/main" id="{8EBD6FDA-B1DC-941E-6FD3-68B94FC2721A}"/>
+                  </a:ext>
+                </a:extLst>
+              </p:cNvPr>
+              <p:cNvCxnSpPr/>
+              <p:nvPr/>
+            </p:nvCxnSpPr>
+            <p:spPr>
+              <a:xfrm>
+                <a:off x="6409426" y="1566524"/>
+                <a:ext cx="1733910" cy="0"/>
+              </a:xfrm>
+              <a:prstGeom prst="line">
+                <a:avLst/>
+              </a:prstGeom>
+            </p:spPr>
+            <p:style>
+              <a:lnRef idx="1">
+                <a:schemeClr val="dk1"/>
+              </a:lnRef>
+              <a:fillRef idx="0">
+                <a:schemeClr val="dk1"/>
+              </a:fillRef>
+              <a:effectRef idx="0">
+                <a:schemeClr val="dk1"/>
+              </a:effectRef>
+              <a:fontRef idx="minor">
+                <a:schemeClr val="tx1"/>
+              </a:fontRef>
+            </p:style>
+          </p:cxnSp>
+          <p:cxnSp>
+            <p:nvCxnSpPr>
+              <p:cNvPr id="187" name="Straight Connector 186">
+                <a:extLst>
+                  <a:ext uri="{FF2B5EF4-FFF2-40B4-BE49-F238E27FC236}">
+                    <a16:creationId xmlns:a16="http://schemas.microsoft.com/office/drawing/2014/main" id="{8800722B-CDA0-3D1F-3CA4-67795A28C312}"/>
+                  </a:ext>
+                </a:extLst>
+              </p:cNvPr>
+              <p:cNvCxnSpPr/>
+              <p:nvPr/>
+            </p:nvCxnSpPr>
+            <p:spPr>
+              <a:xfrm>
+                <a:off x="6409426" y="2012222"/>
+                <a:ext cx="1733910" cy="0"/>
+              </a:xfrm>
+              <a:prstGeom prst="line">
+                <a:avLst/>
+              </a:prstGeom>
+            </p:spPr>
+            <p:style>
+              <a:lnRef idx="1">
+                <a:schemeClr val="dk1"/>
+              </a:lnRef>
+              <a:fillRef idx="0">
+                <a:schemeClr val="dk1"/>
+              </a:fillRef>
+              <a:effectRef idx="0">
+                <a:schemeClr val="dk1"/>
+              </a:effectRef>
+              <a:fontRef idx="minor">
+                <a:schemeClr val="tx1"/>
+              </a:fontRef>
+            </p:style>
+          </p:cxnSp>
+          <p:cxnSp>
+            <p:nvCxnSpPr>
+              <p:cNvPr id="188" name="Straight Connector 187">
+                <a:extLst>
+                  <a:ext uri="{FF2B5EF4-FFF2-40B4-BE49-F238E27FC236}">
+                    <a16:creationId xmlns:a16="http://schemas.microsoft.com/office/drawing/2014/main" id="{E32F1ABF-6E33-C858-11A3-C459A9ED042B}"/>
+                  </a:ext>
+                </a:extLst>
+              </p:cNvPr>
+              <p:cNvCxnSpPr/>
+              <p:nvPr/>
+            </p:nvCxnSpPr>
+            <p:spPr>
+              <a:xfrm flipV="1">
+                <a:off x="6823494" y="1313975"/>
+                <a:ext cx="0" cy="252549"/>
+              </a:xfrm>
+              <a:prstGeom prst="line">
+                <a:avLst/>
+              </a:prstGeom>
+            </p:spPr>
+            <p:style>
+              <a:lnRef idx="1">
+                <a:schemeClr val="dk1"/>
+              </a:lnRef>
+              <a:fillRef idx="0">
+                <a:schemeClr val="dk1"/>
+              </a:fillRef>
+              <a:effectRef idx="0">
+                <a:schemeClr val="dk1"/>
+              </a:effectRef>
+              <a:fontRef idx="minor">
+                <a:schemeClr val="tx1"/>
+              </a:fontRef>
+            </p:style>
+          </p:cxnSp>
+          <p:sp>
+            <p:nvSpPr>
+              <p:cNvPr id="189" name="Rectangle 188">
+                <a:extLst>
+                  <a:ext uri="{FF2B5EF4-FFF2-40B4-BE49-F238E27FC236}">
+                    <a16:creationId xmlns:a16="http://schemas.microsoft.com/office/drawing/2014/main" id="{9F246CA0-3C59-4E7F-98B1-3D0389C4C2CB}"/>
+                  </a:ext>
+                </a:extLst>
+              </p:cNvPr>
+              <p:cNvSpPr/>
+              <p:nvPr/>
+            </p:nvSpPr>
+            <p:spPr>
+              <a:xfrm>
+                <a:off x="6409426" y="1566524"/>
+                <a:ext cx="1733910" cy="445686"/>
+              </a:xfrm>
+              <a:prstGeom prst="rect">
+                <a:avLst/>
+              </a:prstGeom>
+            </p:spPr>
+            <p:style>
+              <a:lnRef idx="2">
+                <a:schemeClr val="dk1"/>
+              </a:lnRef>
+              <a:fillRef idx="1">
+                <a:schemeClr val="lt1"/>
+              </a:fillRef>
+              <a:effectRef idx="0">
+                <a:schemeClr val="dk1"/>
+              </a:effectRef>
+              <a:fontRef idx="minor">
+                <a:schemeClr val="dk1"/>
+              </a:fontRef>
+            </p:style>
+            <p:txBody>
+              <a:bodyPr rtlCol="0" anchor="ctr"/>
+              <a:lstStyle/>
+              <a:p>
+                <a:pPr algn="ctr"/>
+                <a:endParaRPr lang="en-GB"/>
+              </a:p>
+            </p:txBody>
+          </p:sp>
+        </p:grpSp>
+        <p:sp>
+          <p:nvSpPr>
+            <p:cNvPr id="183" name="TextBox 182">
+              <a:extLst>
+                <a:ext uri="{FF2B5EF4-FFF2-40B4-BE49-F238E27FC236}">
+                  <a16:creationId xmlns:a16="http://schemas.microsoft.com/office/drawing/2014/main" id="{F12C0DF0-C119-3BA5-548D-2DA1347291ED}"/>
+                </a:ext>
+              </a:extLst>
+            </p:cNvPr>
+            <p:cNvSpPr txBox="1"/>
+            <p:nvPr/>
+          </p:nvSpPr>
+          <p:spPr>
+            <a:xfrm>
+              <a:off x="5307869" y="2989652"/>
+              <a:ext cx="431528" cy="261610"/>
+            </a:xfrm>
+            <a:prstGeom prst="rect">
+              <a:avLst/>
+            </a:prstGeom>
+            <a:noFill/>
+          </p:spPr>
+          <p:txBody>
+            <a:bodyPr wrap="none" rtlCol="0">
+              <a:spAutoFit/>
+            </a:bodyPr>
+            <a:lstStyle/>
+            <a:p>
+              <a:r>
+                <a:rPr lang="en-GB" sz="1100" dirty="0">
+                  <a:solidFill>
+                    <a:schemeClr val="bg1"/>
+                  </a:solidFill>
+                </a:rPr>
+                <a:t>1 : 1</a:t>
+              </a:r>
+            </a:p>
+          </p:txBody>
+        </p:sp>
+        <p:sp>
+          <p:nvSpPr>
+            <p:cNvPr id="184" name="TextBox 183">
+              <a:extLst>
+                <a:ext uri="{FF2B5EF4-FFF2-40B4-BE49-F238E27FC236}">
+                  <a16:creationId xmlns:a16="http://schemas.microsoft.com/office/drawing/2014/main" id="{CE4ECCB1-2272-33AC-A629-424F807AD657}"/>
+                </a:ext>
+              </a:extLst>
+            </p:cNvPr>
+            <p:cNvSpPr txBox="1"/>
+            <p:nvPr/>
+          </p:nvSpPr>
+          <p:spPr>
+            <a:xfrm>
+              <a:off x="5307874" y="3229779"/>
+              <a:ext cx="1576245" cy="253916"/>
+            </a:xfrm>
+            <a:prstGeom prst="rect">
+              <a:avLst/>
+            </a:prstGeom>
+            <a:noFill/>
+          </p:spPr>
+          <p:txBody>
+            <a:bodyPr wrap="square" lIns="91440" tIns="45720" rIns="91440" bIns="45720" rtlCol="0" anchor="t">
+              <a:spAutoFit/>
+            </a:bodyPr>
+            <a:lstStyle/>
+            <a:p>
+              <a:pPr algn="ctr"/>
+              <a:r>
+                <a:rPr lang="en-GB" sz="1050" dirty="0"/>
+                <a:t>Get Data</a:t>
+              </a:r>
+            </a:p>
+          </p:txBody>
+        </p:sp>
+      </p:grpSp>
+      <p:cxnSp>
+        <p:nvCxnSpPr>
+          <p:cNvPr id="191" name="Straight Arrow Connector 190">
+            <a:extLst>
+              <a:ext uri="{FF2B5EF4-FFF2-40B4-BE49-F238E27FC236}">
+                <a16:creationId xmlns:a16="http://schemas.microsoft.com/office/drawing/2014/main" id="{F779A76A-C3B0-2B7F-1292-2233C8C23BF0}"/>
+              </a:ext>
+            </a:extLst>
+          </p:cNvPr>
+          <p:cNvCxnSpPr>
+            <a:stCxn id="68" idx="2"/>
+            <a:endCxn id="185" idx="0"/>
+          </p:cNvCxnSpPr>
+          <p:nvPr/>
+        </p:nvCxnSpPr>
+        <p:spPr>
+          <a:xfrm>
+            <a:off x="5033056" y="1601420"/>
+            <a:ext cx="8" cy="390398"/>
+          </a:xfrm>
+          <a:prstGeom prst="straightConnector1">
+            <a:avLst/>
+          </a:prstGeom>
+          <a:ln>
+            <a:tailEnd type="triangle"/>
+          </a:ln>
+        </p:spPr>
+        <p:style>
+          <a:lnRef idx="1">
+            <a:schemeClr val="accent1"/>
+          </a:lnRef>
+          <a:fillRef idx="0">
+            <a:schemeClr val="accent1"/>
+          </a:fillRef>
+          <a:effectRef idx="0">
+            <a:schemeClr val="accent1"/>
+          </a:effectRef>
+          <a:fontRef idx="minor">
+            <a:schemeClr val="tx1"/>
+          </a:fontRef>
+        </p:style>
+      </p:cxnSp>
+      <p:cxnSp>
+        <p:nvCxnSpPr>
+          <p:cNvPr id="193" name="Connector: Elbow 192">
+            <a:extLst>
+              <a:ext uri="{FF2B5EF4-FFF2-40B4-BE49-F238E27FC236}">
+                <a16:creationId xmlns:a16="http://schemas.microsoft.com/office/drawing/2014/main" id="{FAFEE3A4-E8C7-DCFA-EF70-066301D7211E}"/>
+              </a:ext>
+            </a:extLst>
+          </p:cNvPr>
+          <p:cNvCxnSpPr>
+            <a:cxnSpLocks/>
+            <a:stCxn id="160" idx="3"/>
+            <a:endCxn id="5" idx="1"/>
+          </p:cNvCxnSpPr>
+          <p:nvPr/>
+        </p:nvCxnSpPr>
+        <p:spPr>
+          <a:xfrm>
+            <a:off x="2471786" y="1498031"/>
+            <a:ext cx="1773143" cy="1758842"/>
+          </a:xfrm>
+          <a:prstGeom prst="bentConnector3">
+            <a:avLst>
+              <a:gd name="adj1" fmla="val 50000"/>
+            </a:avLst>
+          </a:prstGeom>
+          <a:ln>
+            <a:tailEnd type="triangle"/>
+          </a:ln>
+        </p:spPr>
+        <p:style>
+          <a:lnRef idx="1">
+            <a:schemeClr val="accent1"/>
+          </a:lnRef>
+          <a:fillRef idx="0">
+            <a:schemeClr val="accent1"/>
+          </a:fillRef>
+          <a:effectRef idx="0">
+            <a:schemeClr val="accent1"/>
+          </a:effectRef>
+          <a:fontRef idx="minor">
+            <a:schemeClr val="tx1"/>
+          </a:fontRef>
+        </p:style>
+      </p:cxnSp>
+      <p:cxnSp>
+        <p:nvCxnSpPr>
+          <p:cNvPr id="195" name="Connector: Elbow 194">
+            <a:extLst>
+              <a:ext uri="{FF2B5EF4-FFF2-40B4-BE49-F238E27FC236}">
+                <a16:creationId xmlns:a16="http://schemas.microsoft.com/office/drawing/2014/main" id="{DCB2359F-DA99-3616-D1E2-099DDC199C5F}"/>
+              </a:ext>
+            </a:extLst>
+          </p:cNvPr>
+          <p:cNvCxnSpPr>
+            <a:cxnSpLocks/>
+            <a:stCxn id="154" idx="3"/>
+          </p:cNvCxnSpPr>
+          <p:nvPr/>
+        </p:nvCxnSpPr>
+        <p:spPr>
+          <a:xfrm>
+            <a:off x="2471786" y="2299927"/>
+            <a:ext cx="1769658" cy="1156496"/>
+          </a:xfrm>
+          <a:prstGeom prst="bentConnector3">
+            <a:avLst>
+              <a:gd name="adj1" fmla="val 50000"/>
+            </a:avLst>
+          </a:prstGeom>
+          <a:ln>
+            <a:tailEnd type="triangle"/>
+          </a:ln>
+        </p:spPr>
+        <p:style>
+          <a:lnRef idx="1">
+            <a:schemeClr val="accent1"/>
+          </a:lnRef>
+          <a:fillRef idx="0">
+            <a:schemeClr val="accent1"/>
+          </a:fillRef>
+          <a:effectRef idx="0">
+            <a:schemeClr val="accent1"/>
+          </a:effectRef>
+          <a:fontRef idx="minor">
+            <a:schemeClr val="tx1"/>
+          </a:fontRef>
+        </p:style>
+      </p:cxnSp>
+      <p:cxnSp>
+        <p:nvCxnSpPr>
+          <p:cNvPr id="198" name="Connector: Elbow 197">
+            <a:extLst>
+              <a:ext uri="{FF2B5EF4-FFF2-40B4-BE49-F238E27FC236}">
+                <a16:creationId xmlns:a16="http://schemas.microsoft.com/office/drawing/2014/main" id="{A4B4337C-9109-19F8-F3D5-0DFC7662028B}"/>
+              </a:ext>
+            </a:extLst>
+          </p:cNvPr>
+          <p:cNvCxnSpPr>
+            <a:cxnSpLocks/>
+            <a:stCxn id="166" idx="3"/>
+            <a:endCxn id="11" idx="1"/>
+          </p:cNvCxnSpPr>
+          <p:nvPr/>
+        </p:nvCxnSpPr>
+        <p:spPr>
+          <a:xfrm>
+            <a:off x="2471786" y="3152830"/>
+            <a:ext cx="1773148" cy="402848"/>
+          </a:xfrm>
+          <a:prstGeom prst="bentConnector3">
+            <a:avLst>
+              <a:gd name="adj1" fmla="val 35891"/>
+            </a:avLst>
+          </a:prstGeom>
+          <a:ln>
+            <a:tailEnd type="triangle"/>
+          </a:ln>
+        </p:spPr>
+        <p:style>
+          <a:lnRef idx="1">
+            <a:schemeClr val="accent1"/>
+          </a:lnRef>
+          <a:fillRef idx="0">
+            <a:schemeClr val="accent1"/>
+          </a:fillRef>
+          <a:effectRef idx="0">
+            <a:schemeClr val="accent1"/>
+          </a:effectRef>
+          <a:fontRef idx="minor">
+            <a:schemeClr val="tx1"/>
+          </a:fontRef>
+        </p:style>
+      </p:cxnSp>
+      <p:cxnSp>
+        <p:nvCxnSpPr>
+          <p:cNvPr id="201" name="Connector: Elbow 200">
+            <a:extLst>
+              <a:ext uri="{FF2B5EF4-FFF2-40B4-BE49-F238E27FC236}">
+                <a16:creationId xmlns:a16="http://schemas.microsoft.com/office/drawing/2014/main" id="{C2C26F1B-3C99-4549-47AD-6B6DE9573EFE}"/>
+              </a:ext>
+            </a:extLst>
+          </p:cNvPr>
+          <p:cNvCxnSpPr>
+            <a:cxnSpLocks/>
+          </p:cNvCxnSpPr>
+          <p:nvPr/>
+        </p:nvCxnSpPr>
+        <p:spPr>
+          <a:xfrm flipV="1">
+            <a:off x="2471786" y="3667383"/>
+            <a:ext cx="1773143" cy="356772"/>
+          </a:xfrm>
+          <a:prstGeom prst="bentConnector3">
+            <a:avLst>
+              <a:gd name="adj1" fmla="val 34432"/>
+            </a:avLst>
+          </a:prstGeom>
+          <a:ln>
+            <a:tailEnd type="triangle"/>
+          </a:ln>
+        </p:spPr>
+        <p:style>
+          <a:lnRef idx="1">
+            <a:schemeClr val="accent1"/>
+          </a:lnRef>
+          <a:fillRef idx="0">
+            <a:schemeClr val="accent1"/>
+          </a:fillRef>
+          <a:effectRef idx="0">
+            <a:schemeClr val="accent1"/>
+          </a:effectRef>
+          <a:fontRef idx="minor">
+            <a:schemeClr val="tx1"/>
+          </a:fontRef>
+        </p:style>
+      </p:cxnSp>
+      <p:cxnSp>
+        <p:nvCxnSpPr>
+          <p:cNvPr id="203" name="Connector: Elbow 202">
+            <a:extLst>
+              <a:ext uri="{FF2B5EF4-FFF2-40B4-BE49-F238E27FC236}">
+                <a16:creationId xmlns:a16="http://schemas.microsoft.com/office/drawing/2014/main" id="{A69A22A0-8165-68BC-496A-95D214AA549C}"/>
+              </a:ext>
+            </a:extLst>
+          </p:cNvPr>
+          <p:cNvCxnSpPr>
+            <a:cxnSpLocks/>
+            <a:stCxn id="178" idx="3"/>
+          </p:cNvCxnSpPr>
+          <p:nvPr/>
+        </p:nvCxnSpPr>
+        <p:spPr>
+          <a:xfrm flipV="1">
+            <a:off x="2471786" y="3770151"/>
+            <a:ext cx="1773143" cy="1057380"/>
+          </a:xfrm>
+          <a:prstGeom prst="bentConnector3">
+            <a:avLst>
+              <a:gd name="adj1" fmla="val 50000"/>
+            </a:avLst>
+          </a:prstGeom>
+          <a:ln>
+            <a:tailEnd type="triangle"/>
+          </a:ln>
+        </p:spPr>
+        <p:style>
+          <a:lnRef idx="1">
+            <a:schemeClr val="accent1"/>
+          </a:lnRef>
+          <a:fillRef idx="0">
+            <a:schemeClr val="accent1"/>
+          </a:fillRef>
+          <a:effectRef idx="0">
+            <a:schemeClr val="accent1"/>
+          </a:effectRef>
+          <a:fontRef idx="minor">
+            <a:schemeClr val="tx1"/>
+          </a:fontRef>
+        </p:style>
+      </p:cxnSp>
+      <p:cxnSp>
+        <p:nvCxnSpPr>
+          <p:cNvPr id="225" name="Straight Arrow Connector 224">
+            <a:extLst>
+              <a:ext uri="{FF2B5EF4-FFF2-40B4-BE49-F238E27FC236}">
+                <a16:creationId xmlns:a16="http://schemas.microsoft.com/office/drawing/2014/main" id="{C8306A7D-1089-D43E-2883-3DE4768E9E08}"/>
+              </a:ext>
+            </a:extLst>
+          </p:cNvPr>
+          <p:cNvCxnSpPr>
+            <a:stCxn id="185" idx="2"/>
+            <a:endCxn id="7" idx="0"/>
+          </p:cNvCxnSpPr>
+          <p:nvPr/>
+        </p:nvCxnSpPr>
+        <p:spPr>
+          <a:xfrm flipH="1">
+            <a:off x="5033059" y="2825664"/>
+            <a:ext cx="5" cy="325789"/>
+          </a:xfrm>
+          <a:prstGeom prst="straightConnector1">
+            <a:avLst/>
+          </a:prstGeom>
+          <a:ln>
+            <a:tailEnd type="triangle"/>
+          </a:ln>
+        </p:spPr>
+        <p:style>
+          <a:lnRef idx="1">
+            <a:schemeClr val="accent1"/>
+          </a:lnRef>
+          <a:fillRef idx="0">
+            <a:schemeClr val="accent1"/>
+          </a:fillRef>
+          <a:effectRef idx="0">
+            <a:schemeClr val="accent1"/>
+          </a:effectRef>
+          <a:fontRef idx="minor">
+            <a:schemeClr val="tx1"/>
+          </a:fontRef>
+        </p:style>
+      </p:cxnSp>
+      <p:cxnSp>
+        <p:nvCxnSpPr>
+          <p:cNvPr id="227" name="Connector: Elbow 226">
+            <a:extLst>
+              <a:ext uri="{FF2B5EF4-FFF2-40B4-BE49-F238E27FC236}">
+                <a16:creationId xmlns:a16="http://schemas.microsoft.com/office/drawing/2014/main" id="{8611EB56-9213-086D-B51D-C1748874F9A1}"/>
+              </a:ext>
+            </a:extLst>
+          </p:cNvPr>
+          <p:cNvCxnSpPr>
+            <a:stCxn id="6" idx="3"/>
+            <a:endCxn id="103" idx="1"/>
+          </p:cNvCxnSpPr>
+          <p:nvPr/>
+        </p:nvCxnSpPr>
+        <p:spPr>
+          <a:xfrm flipV="1">
+            <a:off x="5821179" y="1136696"/>
+            <a:ext cx="1444504" cy="2437248"/>
+          </a:xfrm>
+          <a:prstGeom prst="bentConnector3">
+            <a:avLst/>
+          </a:prstGeom>
+          <a:ln>
+            <a:tailEnd type="triangle"/>
+          </a:ln>
+        </p:spPr>
+        <p:style>
+          <a:lnRef idx="1">
+            <a:schemeClr val="accent1"/>
+          </a:lnRef>
+          <a:fillRef idx="0">
+            <a:schemeClr val="accent1"/>
+          </a:fillRef>
+          <a:effectRef idx="0">
+            <a:schemeClr val="accent1"/>
+          </a:effectRef>
+          <a:fontRef idx="minor">
+            <a:schemeClr val="tx1"/>
+          </a:fontRef>
+        </p:style>
+      </p:cxnSp>
+      <p:cxnSp>
+        <p:nvCxnSpPr>
+          <p:cNvPr id="229" name="Connector: Elbow 228">
+            <a:extLst>
+              <a:ext uri="{FF2B5EF4-FFF2-40B4-BE49-F238E27FC236}">
+                <a16:creationId xmlns:a16="http://schemas.microsoft.com/office/drawing/2014/main" id="{45EF1F46-D1F0-FDC0-AA48-0106601DDB1F}"/>
+              </a:ext>
+            </a:extLst>
+          </p:cNvPr>
+          <p:cNvCxnSpPr>
+            <a:stCxn id="11" idx="3"/>
+            <a:endCxn id="15" idx="1"/>
+          </p:cNvCxnSpPr>
+          <p:nvPr/>
+        </p:nvCxnSpPr>
+        <p:spPr>
+          <a:xfrm flipV="1">
+            <a:off x="5821184" y="2066529"/>
+            <a:ext cx="1430711" cy="1489149"/>
+          </a:xfrm>
+          <a:prstGeom prst="bentConnector3">
+            <a:avLst/>
+          </a:prstGeom>
+          <a:ln>
+            <a:tailEnd type="triangle"/>
+          </a:ln>
+        </p:spPr>
+        <p:style>
+          <a:lnRef idx="1">
+            <a:schemeClr val="accent1"/>
+          </a:lnRef>
+          <a:fillRef idx="0">
+            <a:schemeClr val="accent1"/>
+          </a:fillRef>
+          <a:effectRef idx="0">
+            <a:schemeClr val="accent1"/>
+          </a:effectRef>
+          <a:fontRef idx="minor">
+            <a:schemeClr val="tx1"/>
+          </a:fontRef>
+        </p:style>
+      </p:cxnSp>
+      <p:cxnSp>
+        <p:nvCxnSpPr>
+          <p:cNvPr id="231" name="Connector: Elbow 230">
+            <a:extLst>
+              <a:ext uri="{FF2B5EF4-FFF2-40B4-BE49-F238E27FC236}">
+                <a16:creationId xmlns:a16="http://schemas.microsoft.com/office/drawing/2014/main" id="{D3AACB8A-80C3-322C-A35A-54BA399BC11D}"/>
+              </a:ext>
+            </a:extLst>
+          </p:cNvPr>
+          <p:cNvCxnSpPr>
+            <a:stCxn id="11" idx="3"/>
+            <a:endCxn id="53" idx="1"/>
+          </p:cNvCxnSpPr>
+          <p:nvPr/>
+        </p:nvCxnSpPr>
+        <p:spPr>
+          <a:xfrm flipV="1">
+            <a:off x="5821184" y="3063538"/>
+            <a:ext cx="1444499" cy="492140"/>
+          </a:xfrm>
+          <a:prstGeom prst="bentConnector3">
+            <a:avLst/>
+          </a:prstGeom>
+          <a:ln>
+            <a:tailEnd type="triangle"/>
+          </a:ln>
+        </p:spPr>
+        <p:style>
+          <a:lnRef idx="1">
+            <a:schemeClr val="accent1"/>
+          </a:lnRef>
+          <a:fillRef idx="0">
+            <a:schemeClr val="accent1"/>
+          </a:fillRef>
+          <a:effectRef idx="0">
+            <a:schemeClr val="accent1"/>
+          </a:effectRef>
+          <a:fontRef idx="minor">
+            <a:schemeClr val="tx1"/>
+          </a:fontRef>
+        </p:style>
+      </p:cxnSp>
+      <p:cxnSp>
+        <p:nvCxnSpPr>
+          <p:cNvPr id="233" name="Connector: Elbow 232">
+            <a:extLst>
+              <a:ext uri="{FF2B5EF4-FFF2-40B4-BE49-F238E27FC236}">
+                <a16:creationId xmlns:a16="http://schemas.microsoft.com/office/drawing/2014/main" id="{CCB81B0D-4D76-DD9F-E0D8-28A3601B8DC2}"/>
+              </a:ext>
+            </a:extLst>
+          </p:cNvPr>
+          <p:cNvCxnSpPr>
+            <a:stCxn id="6" idx="3"/>
+            <a:endCxn id="48" idx="1"/>
+          </p:cNvCxnSpPr>
+          <p:nvPr/>
+        </p:nvCxnSpPr>
+        <p:spPr>
+          <a:xfrm>
+            <a:off x="5821179" y="3573944"/>
+            <a:ext cx="1430716" cy="631341"/>
+          </a:xfrm>
+          <a:prstGeom prst="bentConnector3">
+            <a:avLst/>
+          </a:prstGeom>
+          <a:ln>
+            <a:tailEnd type="triangle"/>
+          </a:ln>
+        </p:spPr>
+        <p:style>
+          <a:lnRef idx="1">
+            <a:schemeClr val="accent1"/>
+          </a:lnRef>
+          <a:fillRef idx="0">
+            <a:schemeClr val="accent1"/>
+          </a:fillRef>
+          <a:effectRef idx="0">
+            <a:schemeClr val="accent1"/>
+          </a:effectRef>
+          <a:fontRef idx="minor">
+            <a:schemeClr val="tx1"/>
+          </a:fontRef>
+        </p:style>
+      </p:cxnSp>
+      <p:cxnSp>
+        <p:nvCxnSpPr>
+          <p:cNvPr id="235" name="Connector: Elbow 234">
+            <a:extLst>
+              <a:ext uri="{FF2B5EF4-FFF2-40B4-BE49-F238E27FC236}">
+                <a16:creationId xmlns:a16="http://schemas.microsoft.com/office/drawing/2014/main" id="{5E24F401-6F27-2D8E-E846-F87F7425FDA0}"/>
+              </a:ext>
+            </a:extLst>
+          </p:cNvPr>
+          <p:cNvCxnSpPr>
+            <a:stCxn id="6" idx="3"/>
+            <a:endCxn id="25" idx="1"/>
+          </p:cNvCxnSpPr>
+          <p:nvPr/>
+        </p:nvCxnSpPr>
+        <p:spPr>
+          <a:xfrm>
+            <a:off x="5821179" y="3573944"/>
+            <a:ext cx="1444504" cy="1622747"/>
+          </a:xfrm>
+          <a:prstGeom prst="bentConnector3">
+            <a:avLst/>
+          </a:prstGeom>
+          <a:ln>
+            <a:tailEnd type="triangle"/>
+          </a:ln>
+        </p:spPr>
+        <p:style>
+          <a:lnRef idx="1">
+            <a:schemeClr val="accent1"/>
+          </a:lnRef>
+          <a:fillRef idx="0">
+            <a:schemeClr val="accent1"/>
+          </a:fillRef>
+          <a:effectRef idx="0">
+            <a:schemeClr val="accent1"/>
+          </a:effectRef>
+          <a:fontRef idx="minor">
+            <a:schemeClr val="tx1"/>
+          </a:fontRef>
+        </p:style>
+      </p:cxnSp>
+      <p:sp>
+        <p:nvSpPr>
+          <p:cNvPr id="236" name="TextBox 235">
+            <a:extLst>
+              <a:ext uri="{FF2B5EF4-FFF2-40B4-BE49-F238E27FC236}">
+                <a16:creationId xmlns:a16="http://schemas.microsoft.com/office/drawing/2014/main" id="{3445AF19-BF64-2044-409F-3681F20C1BBA}"/>
+              </a:ext>
+            </a:extLst>
+          </p:cNvPr>
+          <p:cNvSpPr txBox="1"/>
+          <p:nvPr/>
+        </p:nvSpPr>
+        <p:spPr>
+          <a:xfrm>
+            <a:off x="2538033" y="1012024"/>
+            <a:ext cx="818582" cy="507831"/>
+          </a:xfrm>
+          <a:prstGeom prst="rect">
+            <a:avLst/>
+          </a:prstGeom>
+          <a:noFill/>
+        </p:spPr>
+        <p:txBody>
+          <a:bodyPr wrap="square" rtlCol="0">
+            <a:spAutoFit/>
+          </a:bodyPr>
+          <a:lstStyle/>
+          <a:p>
+            <a:r>
+              <a:rPr lang="en-GB" sz="900" dirty="0"/>
+              <a:t>Customer Table from SQL</a:t>
+            </a:r>
+          </a:p>
+        </p:txBody>
+      </p:sp>
+      <p:sp>
+        <p:nvSpPr>
+          <p:cNvPr id="238" name="TextBox 237">
+            <a:extLst>
+              <a:ext uri="{FF2B5EF4-FFF2-40B4-BE49-F238E27FC236}">
+                <a16:creationId xmlns:a16="http://schemas.microsoft.com/office/drawing/2014/main" id="{2E0662A8-B0CF-2166-3076-6DBF9E474691}"/>
+              </a:ext>
+            </a:extLst>
+          </p:cNvPr>
+          <p:cNvSpPr txBox="1"/>
+          <p:nvPr/>
+        </p:nvSpPr>
+        <p:spPr>
+          <a:xfrm>
+            <a:off x="2516260" y="1828484"/>
+            <a:ext cx="818582" cy="507831"/>
+          </a:xfrm>
+          <a:prstGeom prst="rect">
+            <a:avLst/>
+          </a:prstGeom>
+          <a:noFill/>
+        </p:spPr>
+        <p:txBody>
+          <a:bodyPr wrap="square" rtlCol="0">
+            <a:spAutoFit/>
+          </a:bodyPr>
+          <a:lstStyle/>
+          <a:p>
+            <a:r>
+              <a:rPr lang="en-GB" sz="900" dirty="0"/>
+              <a:t>Booking Table from SQL</a:t>
+            </a:r>
+          </a:p>
+        </p:txBody>
+      </p:sp>
+      <p:sp>
+        <p:nvSpPr>
+          <p:cNvPr id="239" name="TextBox 238">
+            <a:extLst>
+              <a:ext uri="{FF2B5EF4-FFF2-40B4-BE49-F238E27FC236}">
+                <a16:creationId xmlns:a16="http://schemas.microsoft.com/office/drawing/2014/main" id="{0E2D2D0B-72CE-4BD4-FA7E-CC6A5DDC20A1}"/>
+              </a:ext>
+            </a:extLst>
+          </p:cNvPr>
+          <p:cNvSpPr txBox="1"/>
+          <p:nvPr/>
+        </p:nvSpPr>
+        <p:spPr>
+          <a:xfrm>
+            <a:off x="2461452" y="2671026"/>
+            <a:ext cx="818582" cy="369332"/>
+          </a:xfrm>
+          <a:prstGeom prst="rect">
+            <a:avLst/>
+          </a:prstGeom>
+          <a:noFill/>
+        </p:spPr>
+        <p:txBody>
+          <a:bodyPr wrap="square" rtlCol="0">
+            <a:spAutoFit/>
+          </a:bodyPr>
+          <a:lstStyle/>
+          <a:p>
+            <a:r>
+              <a:rPr lang="en-GB" sz="900" dirty="0"/>
+              <a:t>Meal Table from SQL</a:t>
+            </a:r>
+          </a:p>
+        </p:txBody>
+      </p:sp>
+      <p:sp>
+        <p:nvSpPr>
+          <p:cNvPr id="240" name="TextBox 239">
+            <a:extLst>
+              <a:ext uri="{FF2B5EF4-FFF2-40B4-BE49-F238E27FC236}">
+                <a16:creationId xmlns:a16="http://schemas.microsoft.com/office/drawing/2014/main" id="{689DAF6D-7AB9-05C8-73FA-95B1C2936572}"/>
+              </a:ext>
+            </a:extLst>
+          </p:cNvPr>
+          <p:cNvSpPr txBox="1"/>
+          <p:nvPr/>
+        </p:nvSpPr>
+        <p:spPr>
+          <a:xfrm>
+            <a:off x="2441326" y="4013898"/>
+            <a:ext cx="818582" cy="507831"/>
+          </a:xfrm>
+          <a:prstGeom prst="rect">
+            <a:avLst/>
+          </a:prstGeom>
+          <a:noFill/>
+        </p:spPr>
+        <p:txBody>
+          <a:bodyPr wrap="square" rtlCol="0">
+            <a:spAutoFit/>
+          </a:bodyPr>
+          <a:lstStyle/>
+          <a:p>
+            <a:r>
+              <a:rPr lang="en-GB" sz="900" dirty="0"/>
+              <a:t>Payment Table from SQL</a:t>
+            </a:r>
+          </a:p>
+        </p:txBody>
+      </p:sp>
+      <p:sp>
+        <p:nvSpPr>
+          <p:cNvPr id="241" name="TextBox 240">
+            <a:extLst>
+              <a:ext uri="{FF2B5EF4-FFF2-40B4-BE49-F238E27FC236}">
+                <a16:creationId xmlns:a16="http://schemas.microsoft.com/office/drawing/2014/main" id="{F92876EC-DC29-D3FC-4578-3A5E32F80A3A}"/>
+              </a:ext>
+            </a:extLst>
+          </p:cNvPr>
+          <p:cNvSpPr txBox="1"/>
+          <p:nvPr/>
+        </p:nvSpPr>
+        <p:spPr>
+          <a:xfrm>
+            <a:off x="2530043" y="4824987"/>
+            <a:ext cx="818582" cy="369332"/>
+          </a:xfrm>
+          <a:prstGeom prst="rect">
+            <a:avLst/>
+          </a:prstGeom>
+          <a:noFill/>
+        </p:spPr>
+        <p:txBody>
+          <a:bodyPr wrap="square" rtlCol="0">
+            <a:spAutoFit/>
+          </a:bodyPr>
+          <a:lstStyle/>
+          <a:p>
+            <a:r>
+              <a:rPr lang="en-GB" sz="900" dirty="0"/>
+              <a:t>Room Table from SQL</a:t>
+            </a:r>
+          </a:p>
+        </p:txBody>
+      </p:sp>
+      <p:sp>
+        <p:nvSpPr>
+          <p:cNvPr id="242" name="TextBox 241">
+            <a:extLst>
+              <a:ext uri="{FF2B5EF4-FFF2-40B4-BE49-F238E27FC236}">
+                <a16:creationId xmlns:a16="http://schemas.microsoft.com/office/drawing/2014/main" id="{F16099E1-EEA4-3953-AE78-69E0F827FF2A}"/>
+              </a:ext>
+            </a:extLst>
+          </p:cNvPr>
+          <p:cNvSpPr txBox="1"/>
+          <p:nvPr/>
+        </p:nvSpPr>
+        <p:spPr>
+          <a:xfrm>
+            <a:off x="5807396" y="3176003"/>
+            <a:ext cx="818582" cy="369332"/>
+          </a:xfrm>
+          <a:prstGeom prst="rect">
+            <a:avLst/>
+          </a:prstGeom>
+          <a:noFill/>
+        </p:spPr>
+        <p:txBody>
+          <a:bodyPr wrap="square" rtlCol="0">
+            <a:spAutoFit/>
+          </a:bodyPr>
+          <a:lstStyle/>
+          <a:p>
+            <a:r>
+              <a:rPr lang="en-GB" sz="900" dirty="0"/>
+              <a:t>Combined Data frames</a:t>
+            </a:r>
+          </a:p>
+        </p:txBody>
+      </p:sp>
+      <p:sp>
+        <p:nvSpPr>
+          <p:cNvPr id="243" name="TextBox 242">
+            <a:extLst>
+              <a:ext uri="{FF2B5EF4-FFF2-40B4-BE49-F238E27FC236}">
+                <a16:creationId xmlns:a16="http://schemas.microsoft.com/office/drawing/2014/main" id="{55178D36-93B3-DB86-FF57-2E43F8CB251E}"/>
+              </a:ext>
+            </a:extLst>
+          </p:cNvPr>
+          <p:cNvSpPr txBox="1"/>
+          <p:nvPr/>
+        </p:nvSpPr>
+        <p:spPr>
+          <a:xfrm>
+            <a:off x="8864161" y="765764"/>
+            <a:ext cx="961326" cy="369332"/>
+          </a:xfrm>
+          <a:prstGeom prst="rect">
+            <a:avLst/>
+          </a:prstGeom>
+          <a:noFill/>
+        </p:spPr>
+        <p:txBody>
+          <a:bodyPr wrap="square" rtlCol="0">
+            <a:spAutoFit/>
+          </a:bodyPr>
+          <a:lstStyle/>
+          <a:p>
+            <a:r>
+              <a:rPr lang="en-GB" sz="900" dirty="0"/>
+              <a:t>Append last entry to Table</a:t>
+            </a:r>
+          </a:p>
+        </p:txBody>
+      </p:sp>
+      <p:sp>
+        <p:nvSpPr>
+          <p:cNvPr id="244" name="TextBox 243">
+            <a:extLst>
+              <a:ext uri="{FF2B5EF4-FFF2-40B4-BE49-F238E27FC236}">
+                <a16:creationId xmlns:a16="http://schemas.microsoft.com/office/drawing/2014/main" id="{F06EB23D-9BEC-9028-6204-C2BE0D8CA406}"/>
+              </a:ext>
+            </a:extLst>
+          </p:cNvPr>
+          <p:cNvSpPr txBox="1"/>
+          <p:nvPr/>
+        </p:nvSpPr>
+        <p:spPr>
+          <a:xfrm>
+            <a:off x="8799259" y="1747030"/>
+            <a:ext cx="961326" cy="369332"/>
+          </a:xfrm>
+          <a:prstGeom prst="rect">
+            <a:avLst/>
+          </a:prstGeom>
+          <a:noFill/>
+        </p:spPr>
+        <p:txBody>
+          <a:bodyPr wrap="square" rtlCol="0">
+            <a:spAutoFit/>
+          </a:bodyPr>
+          <a:lstStyle/>
+          <a:p>
+            <a:r>
+              <a:rPr lang="en-GB" sz="900" dirty="0"/>
+              <a:t>Append last entry to Table</a:t>
+            </a:r>
+          </a:p>
+        </p:txBody>
+      </p:sp>
+      <p:sp>
+        <p:nvSpPr>
+          <p:cNvPr id="245" name="TextBox 244">
+            <a:extLst>
+              <a:ext uri="{FF2B5EF4-FFF2-40B4-BE49-F238E27FC236}">
+                <a16:creationId xmlns:a16="http://schemas.microsoft.com/office/drawing/2014/main" id="{FF49BDD9-F99F-A32E-5358-5A3390D001AB}"/>
+              </a:ext>
+            </a:extLst>
+          </p:cNvPr>
+          <p:cNvSpPr txBox="1"/>
+          <p:nvPr/>
+        </p:nvSpPr>
+        <p:spPr>
+          <a:xfrm>
+            <a:off x="8787681" y="2787600"/>
+            <a:ext cx="961326" cy="369332"/>
+          </a:xfrm>
+          <a:prstGeom prst="rect">
+            <a:avLst/>
+          </a:prstGeom>
+          <a:noFill/>
+        </p:spPr>
+        <p:txBody>
+          <a:bodyPr wrap="square" rtlCol="0">
+            <a:spAutoFit/>
+          </a:bodyPr>
+          <a:lstStyle/>
+          <a:p>
+            <a:r>
+              <a:rPr lang="en-GB" sz="900" dirty="0"/>
+              <a:t>Append last entry to Table</a:t>
+            </a:r>
+          </a:p>
+        </p:txBody>
+      </p:sp>
+      <p:sp>
+        <p:nvSpPr>
+          <p:cNvPr id="246" name="TextBox 245">
+            <a:extLst>
+              <a:ext uri="{FF2B5EF4-FFF2-40B4-BE49-F238E27FC236}">
+                <a16:creationId xmlns:a16="http://schemas.microsoft.com/office/drawing/2014/main" id="{90A1E951-2D06-4B45-2DD2-CFCD1D003413}"/>
+              </a:ext>
+            </a:extLst>
+          </p:cNvPr>
+          <p:cNvSpPr txBox="1"/>
+          <p:nvPr/>
+        </p:nvSpPr>
+        <p:spPr>
+          <a:xfrm>
+            <a:off x="8815029" y="3768948"/>
+            <a:ext cx="961326" cy="369332"/>
+          </a:xfrm>
+          <a:prstGeom prst="rect">
+            <a:avLst/>
+          </a:prstGeom>
+          <a:noFill/>
+        </p:spPr>
+        <p:txBody>
+          <a:bodyPr wrap="square" rtlCol="0">
+            <a:spAutoFit/>
+          </a:bodyPr>
+          <a:lstStyle/>
+          <a:p>
+            <a:r>
+              <a:rPr lang="en-GB" sz="900" dirty="0"/>
+              <a:t>Append last entry to Table</a:t>
+            </a:r>
+          </a:p>
+        </p:txBody>
+      </p:sp>
+      <p:sp>
+        <p:nvSpPr>
+          <p:cNvPr id="247" name="TextBox 246">
+            <a:extLst>
+              <a:ext uri="{FF2B5EF4-FFF2-40B4-BE49-F238E27FC236}">
+                <a16:creationId xmlns:a16="http://schemas.microsoft.com/office/drawing/2014/main" id="{C7F6DCA0-90B3-0948-DF71-9BCEF85EE978}"/>
+              </a:ext>
+            </a:extLst>
+          </p:cNvPr>
+          <p:cNvSpPr txBox="1"/>
+          <p:nvPr/>
+        </p:nvSpPr>
+        <p:spPr>
+          <a:xfrm>
+            <a:off x="8815029" y="4834047"/>
+            <a:ext cx="961326" cy="369332"/>
+          </a:xfrm>
+          <a:prstGeom prst="rect">
+            <a:avLst/>
+          </a:prstGeom>
+          <a:noFill/>
+        </p:spPr>
+        <p:txBody>
+          <a:bodyPr wrap="square" rtlCol="0">
+            <a:spAutoFit/>
+          </a:bodyPr>
+          <a:lstStyle/>
+          <a:p>
+            <a:r>
+              <a:rPr lang="en-GB" sz="900" dirty="0"/>
+              <a:t>Append last entry to Table</a:t>
+            </a:r>
+          </a:p>
+        </p:txBody>
+      </p:sp>
+      <p:sp>
+        <p:nvSpPr>
+          <p:cNvPr id="248" name="TextBox 247">
+            <a:extLst>
+              <a:ext uri="{FF2B5EF4-FFF2-40B4-BE49-F238E27FC236}">
+                <a16:creationId xmlns:a16="http://schemas.microsoft.com/office/drawing/2014/main" id="{48329C88-AA39-0912-9788-9DA1E72B5F49}"/>
+              </a:ext>
+            </a:extLst>
+          </p:cNvPr>
+          <p:cNvSpPr txBox="1"/>
+          <p:nvPr/>
+        </p:nvSpPr>
+        <p:spPr>
+          <a:xfrm>
+            <a:off x="5014468" y="2856678"/>
+            <a:ext cx="1224012" cy="230832"/>
+          </a:xfrm>
+          <a:prstGeom prst="rect">
+            <a:avLst/>
+          </a:prstGeom>
+          <a:noFill/>
+        </p:spPr>
+        <p:txBody>
+          <a:bodyPr wrap="square" rtlCol="0">
+            <a:spAutoFit/>
+          </a:bodyPr>
+          <a:lstStyle/>
+          <a:p>
+            <a:r>
+              <a:rPr lang="en-GB" sz="900" dirty="0"/>
+              <a:t>1 row of data</a:t>
+            </a:r>
+          </a:p>
+        </p:txBody>
+      </p:sp>
+      <p:sp>
+        <p:nvSpPr>
+          <p:cNvPr id="249" name="TextBox 248">
+            <a:extLst>
+              <a:ext uri="{FF2B5EF4-FFF2-40B4-BE49-F238E27FC236}">
+                <a16:creationId xmlns:a16="http://schemas.microsoft.com/office/drawing/2014/main" id="{7284C788-734B-78F1-4992-1C0932360FCD}"/>
+              </a:ext>
+            </a:extLst>
+          </p:cNvPr>
+          <p:cNvSpPr txBox="1"/>
+          <p:nvPr/>
+        </p:nvSpPr>
+        <p:spPr>
+          <a:xfrm>
+            <a:off x="5019675" y="1689462"/>
+            <a:ext cx="1224012" cy="230832"/>
+          </a:xfrm>
+          <a:prstGeom prst="rect">
+            <a:avLst/>
+          </a:prstGeom>
+          <a:noFill/>
+        </p:spPr>
+        <p:txBody>
+          <a:bodyPr wrap="square" rtlCol="0">
+            <a:spAutoFit/>
+          </a:bodyPr>
+          <a:lstStyle/>
+          <a:p>
+            <a:r>
+              <a:rPr lang="en-GB" sz="900" dirty="0"/>
+              <a:t>External input of data</a:t>
             </a:r>
           </a:p>
         </p:txBody>

--- a/Data Pipeline DFD's.pptx
+++ b/Data Pipeline DFD's.pptx
@@ -444,7 +444,7 @@
           <a:p>
             <a:fld id="{9D7AD558-5F84-403D-8F24-F59B11B4E5F1}" type="datetimeFigureOut">
               <a:rPr lang="en-GB" smtClean="0"/>
-              <a:t>28/05/2022</a:t>
+              <a:t>29/05/2022</a:t>
             </a:fld>
             <a:endParaRPr lang="en-GB"/>
           </a:p>
@@ -644,7 +644,7 @@
           <a:p>
             <a:fld id="{9D7AD558-5F84-403D-8F24-F59B11B4E5F1}" type="datetimeFigureOut">
               <a:rPr lang="en-GB" smtClean="0"/>
-              <a:t>28/05/2022</a:t>
+              <a:t>29/05/2022</a:t>
             </a:fld>
             <a:endParaRPr lang="en-GB"/>
           </a:p>
@@ -854,7 +854,7 @@
           <a:p>
             <a:fld id="{9D7AD558-5F84-403D-8F24-F59B11B4E5F1}" type="datetimeFigureOut">
               <a:rPr lang="en-GB" smtClean="0"/>
-              <a:t>28/05/2022</a:t>
+              <a:t>29/05/2022</a:t>
             </a:fld>
             <a:endParaRPr lang="en-GB"/>
           </a:p>
@@ -1054,7 +1054,7 @@
           <a:p>
             <a:fld id="{9D7AD558-5F84-403D-8F24-F59B11B4E5F1}" type="datetimeFigureOut">
               <a:rPr lang="en-GB" smtClean="0"/>
-              <a:t>28/05/2022</a:t>
+              <a:t>29/05/2022</a:t>
             </a:fld>
             <a:endParaRPr lang="en-GB"/>
           </a:p>
@@ -1330,7 +1330,7 @@
           <a:p>
             <a:fld id="{9D7AD558-5F84-403D-8F24-F59B11B4E5F1}" type="datetimeFigureOut">
               <a:rPr lang="en-GB" smtClean="0"/>
-              <a:t>28/05/2022</a:t>
+              <a:t>29/05/2022</a:t>
             </a:fld>
             <a:endParaRPr lang="en-GB"/>
           </a:p>
@@ -1598,7 +1598,7 @@
           <a:p>
             <a:fld id="{9D7AD558-5F84-403D-8F24-F59B11B4E5F1}" type="datetimeFigureOut">
               <a:rPr lang="en-GB" smtClean="0"/>
-              <a:t>28/05/2022</a:t>
+              <a:t>29/05/2022</a:t>
             </a:fld>
             <a:endParaRPr lang="en-GB"/>
           </a:p>
@@ -2013,7 +2013,7 @@
           <a:p>
             <a:fld id="{9D7AD558-5F84-403D-8F24-F59B11B4E5F1}" type="datetimeFigureOut">
               <a:rPr lang="en-GB" smtClean="0"/>
-              <a:t>28/05/2022</a:t>
+              <a:t>29/05/2022</a:t>
             </a:fld>
             <a:endParaRPr lang="en-GB"/>
           </a:p>
@@ -2155,7 +2155,7 @@
           <a:p>
             <a:fld id="{9D7AD558-5F84-403D-8F24-F59B11B4E5F1}" type="datetimeFigureOut">
               <a:rPr lang="en-GB" smtClean="0"/>
-              <a:t>28/05/2022</a:t>
+              <a:t>29/05/2022</a:t>
             </a:fld>
             <a:endParaRPr lang="en-GB"/>
           </a:p>
@@ -2268,7 +2268,7 @@
           <a:p>
             <a:fld id="{9D7AD558-5F84-403D-8F24-F59B11B4E5F1}" type="datetimeFigureOut">
               <a:rPr lang="en-GB" smtClean="0"/>
-              <a:t>28/05/2022</a:t>
+              <a:t>29/05/2022</a:t>
             </a:fld>
             <a:endParaRPr lang="en-GB"/>
           </a:p>
@@ -2581,7 +2581,7 @@
           <a:p>
             <a:fld id="{9D7AD558-5F84-403D-8F24-F59B11B4E5F1}" type="datetimeFigureOut">
               <a:rPr lang="en-GB" smtClean="0"/>
-              <a:t>28/05/2022</a:t>
+              <a:t>29/05/2022</a:t>
             </a:fld>
             <a:endParaRPr lang="en-GB"/>
           </a:p>
@@ -2870,7 +2870,7 @@
           <a:p>
             <a:fld id="{9D7AD558-5F84-403D-8F24-F59B11B4E5F1}" type="datetimeFigureOut">
               <a:rPr lang="en-GB" smtClean="0"/>
-              <a:t>28/05/2022</a:t>
+              <a:t>29/05/2022</a:t>
             </a:fld>
             <a:endParaRPr lang="en-GB"/>
           </a:p>
@@ -3113,7 +3113,7 @@
           <a:p>
             <a:fld id="{9D7AD558-5F84-403D-8F24-F59B11B4E5F1}" type="datetimeFigureOut">
               <a:rPr lang="en-GB" smtClean="0"/>
-              <a:t>28/05/2022</a:t>
+              <a:t>29/05/2022</a:t>
             </a:fld>
             <a:endParaRPr lang="en-GB"/>
           </a:p>
@@ -7684,7 +7684,7 @@
             <a:p>
               <a:r>
                 <a:rPr lang="en-GB" sz="1400" dirty="0"/>
-                <a:t>9</a:t>
+                <a:t>7</a:t>
               </a:r>
             </a:p>
           </p:txBody>
@@ -7995,7 +7995,7 @@
             <a:p>
               <a:r>
                 <a:rPr lang="en-GB" sz="1400" dirty="0"/>
-                <a:t>8</a:t>
+                <a:t>4</a:t>
               </a:r>
             </a:p>
           </p:txBody>
@@ -8306,7 +8306,7 @@
             <a:p>
               <a:r>
                 <a:rPr lang="en-GB" sz="1400" dirty="0"/>
-                <a:t>5</a:t>
+                <a:t>2</a:t>
               </a:r>
             </a:p>
           </p:txBody>
@@ -8602,7 +8602,7 @@
           <p:spPr>
             <a:xfrm>
               <a:off x="5347645" y="2989652"/>
-              <a:ext cx="367408" cy="307777"/>
+              <a:ext cx="276038" cy="307777"/>
             </a:xfrm>
             <a:prstGeom prst="rect">
               <a:avLst/>
@@ -8617,7 +8617,7 @@
             <a:p>
               <a:r>
                 <a:rPr lang="en-GB" sz="1400" dirty="0"/>
-                <a:t>10</a:t>
+                <a:t>6</a:t>
               </a:r>
             </a:p>
           </p:txBody>
@@ -8928,7 +8928,7 @@
             <a:p>
               <a:r>
                 <a:rPr lang="en-GB" sz="1400" dirty="0"/>
-                <a:t>4</a:t>
+                <a:t>3</a:t>
               </a:r>
             </a:p>
           </p:txBody>
@@ -9239,7 +9239,7 @@
             <a:p>
               <a:r>
                 <a:rPr lang="en-GB" sz="1400" dirty="0"/>
-                <a:t>7</a:t>
+                <a:t>5</a:t>
               </a:r>
             </a:p>
           </p:txBody>
